--- a/21/yongki/TableDesign&Relations.pptx
+++ b/21/yongki/TableDesign&Relations.pptx
@@ -5,7 +5,7 @@
     <p:sldMasterId id="2147483648" r:id="rId1"/>
   </p:sldMasterIdLst>
   <p:notesMasterIdLst>
-    <p:notesMasterId r:id="rId18"/>
+    <p:notesMasterId r:id="rId17"/>
   </p:notesMasterIdLst>
   <p:sldIdLst>
     <p:sldId id="256" r:id="rId2"/>
@@ -21,9 +21,8 @@
     <p:sldId id="354" r:id="rId12"/>
     <p:sldId id="355" r:id="rId13"/>
     <p:sldId id="357" r:id="rId14"/>
-    <p:sldId id="356" r:id="rId15"/>
-    <p:sldId id="358" r:id="rId16"/>
-    <p:sldId id="301" r:id="rId17"/>
+    <p:sldId id="358" r:id="rId15"/>
+    <p:sldId id="301" r:id="rId16"/>
   </p:sldIdLst>
   <p:sldSz cx="9144000" cy="6858000" type="screen4x3"/>
   <p:notesSz cx="6858000" cy="9144000"/>
@@ -253,7 +252,7 @@
           <a:p>
             <a:fld id="{278A5395-7299-4714-9E5C-8983F2B9A6E7}" type="datetimeFigureOut">
               <a:rPr lang="ko-KR" altLang="en-US" smtClean="0"/>
-              <a:t>2022-05-25</a:t>
+              <a:t>2022-05-26</a:t>
             </a:fld>
             <a:endParaRPr lang="ko-KR" altLang="en-US"/>
           </a:p>
@@ -6474,7 +6473,7 @@
                   <a:schemeClr val="tx1"/>
                 </a:solidFill>
               </a:rPr>
-              <a:t>졸업작품 「성졸 퀴즈앱」의 정규화를 마친 </a:t>
+              <a:t>정규화를 마친 졸업작품 </a:t>
             </a:r>
             <a:r>
               <a:rPr lang="en-US" altLang="ko-KR" sz="2800">
@@ -6763,7 +6762,7 @@
                 <a:latin typeface="맑은 고딕" panose="020B0503020000020004" pitchFamily="50" charset="-127"/>
                 <a:ea typeface="맑은 고딕" panose="020B0503020000020004" pitchFamily="50" charset="-127"/>
               </a:rPr>
-              <a:t>물리적으로는 개발단계라 관계형을 전혀 활용해오고 있지 않는 상태</a:t>
+              <a:t>물리적으로는 관계형을 전혀 활용해오고 있지 않는 상태</a:t>
             </a:r>
             <a:endParaRPr lang="en-US" altLang="ko-KR" sz="1400">
               <a:solidFill>
@@ -6805,81 +6804,40 @@
           </a:prstGeom>
         </p:spPr>
       </p:pic>
-    </p:spTree>
-    <p:extLst>
-      <p:ext uri="{BB962C8B-B14F-4D97-AF65-F5344CB8AC3E}">
-        <p14:creationId xmlns:p14="http://schemas.microsoft.com/office/powerpoint/2010/main" val="3134257687"/>
-      </p:ext>
-    </p:extLst>
-  </p:cSld>
-  <p:clrMapOvr>
-    <a:masterClrMapping/>
-  </p:clrMapOvr>
-</p:sld>
-</file>
-
-<file path=ppt/slides/slide14.xml><?xml version="1.0" encoding="utf-8"?>
-<p:sld xmlns:a="http://schemas.openxmlformats.org/drawingml/2006/main" xmlns:r="http://schemas.openxmlformats.org/officeDocument/2006/relationships" xmlns:p="http://schemas.openxmlformats.org/presentationml/2006/main">
-  <p:cSld>
-    <p:spTree>
-      <p:nvGrpSpPr>
-        <p:cNvPr id="1" name=""/>
-        <p:cNvGrpSpPr/>
-        <p:nvPr/>
-      </p:nvGrpSpPr>
-      <p:grpSpPr>
-        <a:xfrm>
-          <a:off x="0" y="0"/>
-          <a:ext cx="0" cy="0"/>
-          <a:chOff x="0" y="0"/>
-          <a:chExt cx="0" cy="0"/>
-        </a:xfrm>
-      </p:grpSpPr>
-      <p:sp>
-        <p:nvSpPr>
-          <p:cNvPr id="9" name="Rectangle 150">
+      <p:cxnSp>
+        <p:nvCxnSpPr>
+          <p:cNvPr id="8" name="직선 연결선 7">
             <a:extLst>
               <a:ext uri="{FF2B5EF4-FFF2-40B4-BE49-F238E27FC236}">
-                <a16:creationId xmlns:a16="http://schemas.microsoft.com/office/drawing/2014/main" id="{B6D2B44A-A8AF-419F-A2C5-7317925249E9}"/>
+                <a16:creationId xmlns:a16="http://schemas.microsoft.com/office/drawing/2014/main" id="{E24FAED8-C73A-172F-DE59-503D801C9C8B}"/>
               </a:ext>
             </a:extLst>
           </p:cNvPr>
-          <p:cNvSpPr txBox="1">
-            <a:spLocks noChangeArrowheads="1"/>
-          </p:cNvSpPr>
+          <p:cNvCxnSpPr/>
           <p:nvPr/>
-        </p:nvSpPr>
+        </p:nvCxnSpPr>
         <p:spPr bwMode="auto">
           <a:xfrm>
-            <a:off x="1925737" y="2852936"/>
-            <a:ext cx="5292526" cy="647700"/>
+            <a:off x="3419872" y="1843292"/>
+            <a:ext cx="1773542" cy="1512168"/>
           </a:xfrm>
-          <a:prstGeom prst="rect">
+          <a:prstGeom prst="line">
             <a:avLst/>
           </a:prstGeom>
-          <a:noFill/>
-          <a:ln>
-            <a:noFill/>
+          <a:solidFill>
+            <a:schemeClr val="accent1"/>
+          </a:solidFill>
+          <a:ln w="31750" cap="flat" cmpd="sng" algn="ctr">
+            <a:solidFill>
+              <a:srgbClr val="FF5050"/>
+            </a:solidFill>
+            <a:prstDash val="solid"/>
+            <a:round/>
+            <a:headEnd type="none" w="med" len="med"/>
+            <a:tailEnd type="none" w="med" len="med"/>
           </a:ln>
           <a:effectLst/>
           <a:extLst>
-            <a:ext uri="{909E8E84-426E-40DD-AFC4-6F175D3DCCD1}">
-              <a14:hiddenFill xmlns:a14="http://schemas.microsoft.com/office/drawing/2010/main">
-                <a:solidFill>
-                  <a:schemeClr val="accent1"/>
-                </a:solidFill>
-              </a14:hiddenFill>
-            </a:ext>
-            <a:ext uri="{91240B29-F687-4F45-9708-019B960494DF}">
-              <a14:hiddenLine xmlns:a14="http://schemas.microsoft.com/office/drawing/2010/main" w="9525">
-                <a:solidFill>
-                  <a:schemeClr val="tx1"/>
-                </a:solidFill>
-                <a:miter lim="800000"/>
-                <a:headEnd/>
-                <a:tailEnd/>
-              </a14:hiddenLine>
-            </a:ext>
             <a:ext uri="{AF507438-7753-43E0-B8FC-AC1667EBCBE1}">
               <a14:hiddenEffects xmlns:a14="http://schemas.microsoft.com/office/drawing/2010/main">
                 <a:effectLst>
@@ -6891,186 +6849,317 @@
             </a:ext>
           </a:extLst>
         </p:spPr>
-        <p:txBody>
-          <a:bodyPr vert="horz" wrap="square" lIns="91440" tIns="45720" rIns="91440" bIns="45720" numCol="1" anchor="ctr" anchorCtr="0" compatLnSpc="1">
-            <a:prstTxWarp prst="textNoShape">
-              <a:avLst/>
-            </a:prstTxWarp>
-          </a:bodyPr>
-          <a:lstStyle>
-            <a:lvl1pPr algn="ctr" rtl="0" eaLnBrk="0" fontAlgn="base" hangingPunct="0">
-              <a:spcBef>
-                <a:spcPct val="0"/>
-              </a:spcBef>
-              <a:spcAft>
-                <a:spcPct val="0"/>
-              </a:spcAft>
-              <a:defRPr sz="4400" kern="1200">
-                <a:solidFill>
-                  <a:schemeClr val="tx2"/>
-                </a:solidFill>
-                <a:latin typeface="맑은 고딕" panose="020B0503020000020004" pitchFamily="50" charset="-127"/>
-                <a:ea typeface="맑은 고딕" panose="020B0503020000020004" pitchFamily="50" charset="-127"/>
-                <a:cs typeface="+mj-cs"/>
-              </a:defRPr>
-            </a:lvl1pPr>
-            <a:lvl2pPr algn="ctr" rtl="0" eaLnBrk="0" fontAlgn="base" hangingPunct="0">
-              <a:spcBef>
-                <a:spcPct val="0"/>
-              </a:spcBef>
-              <a:spcAft>
-                <a:spcPct val="0"/>
-              </a:spcAft>
-              <a:defRPr sz="4400">
-                <a:solidFill>
-                  <a:schemeClr val="tx2"/>
-                </a:solidFill>
-                <a:latin typeface="Arial" panose="020B0604020202020204" pitchFamily="34" charset="0"/>
-                <a:ea typeface="Arial Unicode MS" panose="020B0604020202020204" pitchFamily="50" charset="-127"/>
-                <a:cs typeface="Arial" panose="020B0604020202020204" pitchFamily="34" charset="0"/>
-              </a:defRPr>
-            </a:lvl2pPr>
-            <a:lvl3pPr algn="ctr" rtl="0" eaLnBrk="0" fontAlgn="base" hangingPunct="0">
-              <a:spcBef>
-                <a:spcPct val="0"/>
-              </a:spcBef>
-              <a:spcAft>
-                <a:spcPct val="0"/>
-              </a:spcAft>
-              <a:defRPr sz="4400">
-                <a:solidFill>
-                  <a:schemeClr val="tx2"/>
-                </a:solidFill>
-                <a:latin typeface="Arial" panose="020B0604020202020204" pitchFamily="34" charset="0"/>
-                <a:ea typeface="Arial Unicode MS" panose="020B0604020202020204" pitchFamily="50" charset="-127"/>
-                <a:cs typeface="Arial" panose="020B0604020202020204" pitchFamily="34" charset="0"/>
-              </a:defRPr>
-            </a:lvl3pPr>
-            <a:lvl4pPr algn="ctr" rtl="0" eaLnBrk="0" fontAlgn="base" hangingPunct="0">
-              <a:spcBef>
-                <a:spcPct val="0"/>
-              </a:spcBef>
-              <a:spcAft>
-                <a:spcPct val="0"/>
-              </a:spcAft>
-              <a:defRPr sz="4400">
-                <a:solidFill>
-                  <a:schemeClr val="tx2"/>
-                </a:solidFill>
-                <a:latin typeface="Arial" panose="020B0604020202020204" pitchFamily="34" charset="0"/>
-                <a:ea typeface="Arial Unicode MS" panose="020B0604020202020204" pitchFamily="50" charset="-127"/>
-                <a:cs typeface="Arial" panose="020B0604020202020204" pitchFamily="34" charset="0"/>
-              </a:defRPr>
-            </a:lvl4pPr>
-            <a:lvl5pPr algn="ctr" rtl="0" eaLnBrk="0" fontAlgn="base" hangingPunct="0">
-              <a:spcBef>
-                <a:spcPct val="0"/>
-              </a:spcBef>
-              <a:spcAft>
-                <a:spcPct val="0"/>
-              </a:spcAft>
-              <a:defRPr sz="4400">
-                <a:solidFill>
-                  <a:schemeClr val="tx2"/>
-                </a:solidFill>
-                <a:latin typeface="Arial" panose="020B0604020202020204" pitchFamily="34" charset="0"/>
-                <a:ea typeface="Arial Unicode MS" panose="020B0604020202020204" pitchFamily="50" charset="-127"/>
-                <a:cs typeface="Arial" panose="020B0604020202020204" pitchFamily="34" charset="0"/>
-              </a:defRPr>
-            </a:lvl5pPr>
-            <a:lvl6pPr marL="457200" algn="ctr" rtl="0" fontAlgn="base">
-              <a:spcBef>
-                <a:spcPct val="0"/>
-              </a:spcBef>
-              <a:spcAft>
-                <a:spcPct val="0"/>
-              </a:spcAft>
-              <a:defRPr sz="4400">
-                <a:solidFill>
-                  <a:schemeClr val="tx2"/>
-                </a:solidFill>
-                <a:latin typeface="Arial" panose="020B0604020202020204" pitchFamily="34" charset="0"/>
-                <a:cs typeface="Arial" panose="020B0604020202020204" pitchFamily="34" charset="0"/>
-              </a:defRPr>
-            </a:lvl6pPr>
-            <a:lvl7pPr marL="914400" algn="ctr" rtl="0" fontAlgn="base">
-              <a:spcBef>
-                <a:spcPct val="0"/>
-              </a:spcBef>
-              <a:spcAft>
-                <a:spcPct val="0"/>
-              </a:spcAft>
-              <a:defRPr sz="4400">
-                <a:solidFill>
-                  <a:schemeClr val="tx2"/>
-                </a:solidFill>
-                <a:latin typeface="Arial" panose="020B0604020202020204" pitchFamily="34" charset="0"/>
-                <a:cs typeface="Arial" panose="020B0604020202020204" pitchFamily="34" charset="0"/>
-              </a:defRPr>
-            </a:lvl7pPr>
-            <a:lvl8pPr marL="1371600" algn="ctr" rtl="0" fontAlgn="base">
-              <a:spcBef>
-                <a:spcPct val="0"/>
-              </a:spcBef>
-              <a:spcAft>
-                <a:spcPct val="0"/>
-              </a:spcAft>
-              <a:defRPr sz="4400">
-                <a:solidFill>
-                  <a:schemeClr val="tx2"/>
-                </a:solidFill>
-                <a:latin typeface="Arial" panose="020B0604020202020204" pitchFamily="34" charset="0"/>
-                <a:cs typeface="Arial" panose="020B0604020202020204" pitchFamily="34" charset="0"/>
-              </a:defRPr>
-            </a:lvl8pPr>
-            <a:lvl9pPr marL="1828800" algn="ctr" rtl="0" fontAlgn="base">
-              <a:spcBef>
-                <a:spcPct val="0"/>
-              </a:spcBef>
-              <a:spcAft>
-                <a:spcPct val="0"/>
-              </a:spcAft>
-              <a:defRPr sz="4400">
-                <a:solidFill>
-                  <a:schemeClr val="tx2"/>
-                </a:solidFill>
-                <a:latin typeface="Arial" panose="020B0604020202020204" pitchFamily="34" charset="0"/>
-                <a:cs typeface="Arial" panose="020B0604020202020204" pitchFamily="34" charset="0"/>
-              </a:defRPr>
-            </a:lvl9pPr>
-          </a:lstStyle>
-          <a:p>
-            <a:pPr eaLnBrk="1" hangingPunct="1"/>
-            <a:r>
-              <a:rPr lang="ko-KR" altLang="en-US" sz="3200" b="1">
-                <a:solidFill>
-                  <a:schemeClr val="tx1"/>
-                </a:solidFill>
-              </a:rPr>
-              <a:t>맺음말</a:t>
-            </a:r>
-            <a:endParaRPr lang="es-ES" altLang="ko-KR" sz="3200" b="1">
-              <a:solidFill>
-                <a:schemeClr val="tx1"/>
-              </a:solidFill>
-            </a:endParaRPr>
-          </a:p>
-        </p:txBody>
-      </p:sp>
+      </p:cxnSp>
+      <p:cxnSp>
+        <p:nvCxnSpPr>
+          <p:cNvPr id="11" name="직선 연결선 10">
+            <a:extLst>
+              <a:ext uri="{FF2B5EF4-FFF2-40B4-BE49-F238E27FC236}">
+                <a16:creationId xmlns:a16="http://schemas.microsoft.com/office/drawing/2014/main" id="{5372E1F0-FE3A-8674-6E62-EF99ADD8469F}"/>
+              </a:ext>
+            </a:extLst>
+          </p:cNvPr>
+          <p:cNvCxnSpPr/>
+          <p:nvPr/>
+        </p:nvCxnSpPr>
+        <p:spPr bwMode="auto">
+          <a:xfrm>
+            <a:off x="5733855" y="2817304"/>
+            <a:ext cx="1434852" cy="1223392"/>
+          </a:xfrm>
+          <a:prstGeom prst="line">
+            <a:avLst/>
+          </a:prstGeom>
+          <a:solidFill>
+            <a:schemeClr val="accent1"/>
+          </a:solidFill>
+          <a:ln w="31750" cap="flat" cmpd="sng" algn="ctr">
+            <a:solidFill>
+              <a:srgbClr val="FF5050"/>
+            </a:solidFill>
+            <a:prstDash val="solid"/>
+            <a:round/>
+            <a:headEnd type="none" w="med" len="med"/>
+            <a:tailEnd type="none" w="med" len="med"/>
+          </a:ln>
+          <a:effectLst/>
+          <a:extLst>
+            <a:ext uri="{AF507438-7753-43E0-B8FC-AC1667EBCBE1}">
+              <a14:hiddenEffects xmlns:a14="http://schemas.microsoft.com/office/drawing/2010/main">
+                <a:effectLst>
+                  <a:outerShdw dist="35921" dir="2700000" algn="ctr" rotWithShape="0">
+                    <a:schemeClr val="bg2"/>
+                  </a:outerShdw>
+                </a:effectLst>
+              </a14:hiddenEffects>
+            </a:ext>
+          </a:extLst>
+        </p:spPr>
+      </p:cxnSp>
+      <p:cxnSp>
+        <p:nvCxnSpPr>
+          <p:cNvPr id="12" name="직선 연결선 11">
+            <a:extLst>
+              <a:ext uri="{FF2B5EF4-FFF2-40B4-BE49-F238E27FC236}">
+                <a16:creationId xmlns:a16="http://schemas.microsoft.com/office/drawing/2014/main" id="{15E26285-5483-E64E-4C17-E408C2A8002A}"/>
+              </a:ext>
+            </a:extLst>
+          </p:cNvPr>
+          <p:cNvCxnSpPr/>
+          <p:nvPr/>
+        </p:nvCxnSpPr>
+        <p:spPr bwMode="auto">
+          <a:xfrm>
+            <a:off x="7596336" y="3363529"/>
+            <a:ext cx="1479233" cy="1261232"/>
+          </a:xfrm>
+          <a:prstGeom prst="line">
+            <a:avLst/>
+          </a:prstGeom>
+          <a:solidFill>
+            <a:schemeClr val="accent1"/>
+          </a:solidFill>
+          <a:ln w="31750" cap="flat" cmpd="sng" algn="ctr">
+            <a:solidFill>
+              <a:srgbClr val="FF5050"/>
+            </a:solidFill>
+            <a:prstDash val="solid"/>
+            <a:round/>
+            <a:headEnd type="none" w="med" len="med"/>
+            <a:tailEnd type="none" w="med" len="med"/>
+          </a:ln>
+          <a:effectLst/>
+          <a:extLst>
+            <a:ext uri="{AF507438-7753-43E0-B8FC-AC1667EBCBE1}">
+              <a14:hiddenEffects xmlns:a14="http://schemas.microsoft.com/office/drawing/2010/main">
+                <a:effectLst>
+                  <a:outerShdw dist="35921" dir="2700000" algn="ctr" rotWithShape="0">
+                    <a:schemeClr val="bg2"/>
+                  </a:outerShdw>
+                </a:effectLst>
+              </a14:hiddenEffects>
+            </a:ext>
+          </a:extLst>
+        </p:spPr>
+      </p:cxnSp>
+      <p:pic>
+        <p:nvPicPr>
+          <p:cNvPr id="4" name="그림 3">
+            <a:extLst>
+              <a:ext uri="{FF2B5EF4-FFF2-40B4-BE49-F238E27FC236}">
+                <a16:creationId xmlns:a16="http://schemas.microsoft.com/office/drawing/2014/main" id="{FFB9ACC2-2781-2EAB-88FE-3CC1463FE422}"/>
+              </a:ext>
+            </a:extLst>
+          </p:cNvPr>
+          <p:cNvPicPr>
+            <a:picLocks noChangeAspect="1"/>
+          </p:cNvPicPr>
+          <p:nvPr/>
+        </p:nvPicPr>
+        <p:blipFill>
+          <a:blip r:embed="rId3"/>
+          <a:stretch>
+            <a:fillRect/>
+          </a:stretch>
+        </p:blipFill>
+        <p:spPr>
+          <a:xfrm>
+            <a:off x="3228827" y="1278618"/>
+            <a:ext cx="2084656" cy="2641516"/>
+          </a:xfrm>
+          <a:prstGeom prst="rect">
+            <a:avLst/>
+          </a:prstGeom>
+        </p:spPr>
+      </p:pic>
     </p:spTree>
     <p:extLst>
       <p:ext uri="{BB962C8B-B14F-4D97-AF65-F5344CB8AC3E}">
-        <p14:creationId xmlns:p14="http://schemas.microsoft.com/office/powerpoint/2010/main" val="549399083"/>
+        <p14:creationId xmlns:p14="http://schemas.microsoft.com/office/powerpoint/2010/main" val="3134257687"/>
       </p:ext>
     </p:extLst>
   </p:cSld>
   <p:clrMapOvr>
     <a:masterClrMapping/>
   </p:clrMapOvr>
+  <p:timing>
+    <p:tnLst>
+      <p:par>
+        <p:cTn id="1" dur="indefinite" restart="never" nodeType="tmRoot">
+          <p:childTnLst>
+            <p:seq concurrent="1" nextAc="seek">
+              <p:cTn id="2" dur="indefinite" nodeType="mainSeq">
+                <p:childTnLst>
+                  <p:par>
+                    <p:cTn id="3" fill="hold">
+                      <p:stCondLst>
+                        <p:cond delay="indefinite"/>
+                      </p:stCondLst>
+                      <p:childTnLst>
+                        <p:par>
+                          <p:cTn id="4" fill="hold">
+                            <p:stCondLst>
+                              <p:cond delay="0"/>
+                            </p:stCondLst>
+                            <p:childTnLst>
+                              <p:par>
+                                <p:cTn id="5" presetID="1" presetClass="entr" presetSubtype="0" fill="hold" nodeType="clickEffect">
+                                  <p:stCondLst>
+                                    <p:cond delay="0"/>
+                                  </p:stCondLst>
+                                  <p:childTnLst>
+                                    <p:set>
+                                      <p:cBhvr>
+                                        <p:cTn id="6" dur="1" fill="hold">
+                                          <p:stCondLst>
+                                            <p:cond delay="0"/>
+                                          </p:stCondLst>
+                                        </p:cTn>
+                                        <p:tgtEl>
+                                          <p:spTgt spid="8"/>
+                                        </p:tgtEl>
+                                        <p:attrNameLst>
+                                          <p:attrName>style.visibility</p:attrName>
+                                        </p:attrNameLst>
+                                      </p:cBhvr>
+                                      <p:to>
+                                        <p:strVal val="visible"/>
+                                      </p:to>
+                                    </p:set>
+                                  </p:childTnLst>
+                                </p:cTn>
+                              </p:par>
+                              <p:par>
+                                <p:cTn id="7" presetID="1" presetClass="entr" presetSubtype="0" fill="hold" nodeType="withEffect">
+                                  <p:stCondLst>
+                                    <p:cond delay="0"/>
+                                  </p:stCondLst>
+                                  <p:childTnLst>
+                                    <p:set>
+                                      <p:cBhvr>
+                                        <p:cTn id="8" dur="1" fill="hold">
+                                          <p:stCondLst>
+                                            <p:cond delay="0"/>
+                                          </p:stCondLst>
+                                        </p:cTn>
+                                        <p:tgtEl>
+                                          <p:spTgt spid="11"/>
+                                        </p:tgtEl>
+                                        <p:attrNameLst>
+                                          <p:attrName>style.visibility</p:attrName>
+                                        </p:attrNameLst>
+                                      </p:cBhvr>
+                                      <p:to>
+                                        <p:strVal val="visible"/>
+                                      </p:to>
+                                    </p:set>
+                                  </p:childTnLst>
+                                </p:cTn>
+                              </p:par>
+                              <p:par>
+                                <p:cTn id="9" presetID="1" presetClass="entr" presetSubtype="0" fill="hold" nodeType="withEffect">
+                                  <p:stCondLst>
+                                    <p:cond delay="0"/>
+                                  </p:stCondLst>
+                                  <p:childTnLst>
+                                    <p:set>
+                                      <p:cBhvr>
+                                        <p:cTn id="10" dur="1" fill="hold">
+                                          <p:stCondLst>
+                                            <p:cond delay="0"/>
+                                          </p:stCondLst>
+                                        </p:cTn>
+                                        <p:tgtEl>
+                                          <p:spTgt spid="12"/>
+                                        </p:tgtEl>
+                                        <p:attrNameLst>
+                                          <p:attrName>style.visibility</p:attrName>
+                                        </p:attrNameLst>
+                                      </p:cBhvr>
+                                      <p:to>
+                                        <p:strVal val="visible"/>
+                                      </p:to>
+                                    </p:set>
+                                  </p:childTnLst>
+                                </p:cTn>
+                              </p:par>
+                            </p:childTnLst>
+                          </p:cTn>
+                        </p:par>
+                      </p:childTnLst>
+                    </p:cTn>
+                  </p:par>
+                  <p:par>
+                    <p:cTn id="11" fill="hold">
+                      <p:stCondLst>
+                        <p:cond delay="indefinite"/>
+                      </p:stCondLst>
+                      <p:childTnLst>
+                        <p:par>
+                          <p:cTn id="12" fill="hold">
+                            <p:stCondLst>
+                              <p:cond delay="0"/>
+                            </p:stCondLst>
+                            <p:childTnLst>
+                              <p:par>
+                                <p:cTn id="13" presetID="1" presetClass="entr" presetSubtype="0" fill="hold" nodeType="clickEffect">
+                                  <p:stCondLst>
+                                    <p:cond delay="0"/>
+                                  </p:stCondLst>
+                                  <p:childTnLst>
+                                    <p:set>
+                                      <p:cBhvr>
+                                        <p:cTn id="14" dur="1" fill="hold">
+                                          <p:stCondLst>
+                                            <p:cond delay="0"/>
+                                          </p:stCondLst>
+                                        </p:cTn>
+                                        <p:tgtEl>
+                                          <p:spTgt spid="4"/>
+                                        </p:tgtEl>
+                                        <p:attrNameLst>
+                                          <p:attrName>style.visibility</p:attrName>
+                                        </p:attrNameLst>
+                                      </p:cBhvr>
+                                      <p:to>
+                                        <p:strVal val="visible"/>
+                                      </p:to>
+                                    </p:set>
+                                  </p:childTnLst>
+                                </p:cTn>
+                              </p:par>
+                            </p:childTnLst>
+                          </p:cTn>
+                        </p:par>
+                      </p:childTnLst>
+                    </p:cTn>
+                  </p:par>
+                </p:childTnLst>
+              </p:cTn>
+              <p:prevCondLst>
+                <p:cond evt="onPrev" delay="0">
+                  <p:tgtEl>
+                    <p:sldTgt/>
+                  </p:tgtEl>
+                </p:cond>
+              </p:prevCondLst>
+              <p:nextCondLst>
+                <p:cond evt="onNext" delay="0">
+                  <p:tgtEl>
+                    <p:sldTgt/>
+                  </p:tgtEl>
+                </p:cond>
+              </p:nextCondLst>
+            </p:seq>
+          </p:childTnLst>
+        </p:cTn>
+      </p:par>
+    </p:tnLst>
+  </p:timing>
 </p:sld>
 </file>
 
-<file path=ppt/slides/slide15.xml><?xml version="1.0" encoding="utf-8"?>
+<file path=ppt/slides/slide14.xml><?xml version="1.0" encoding="utf-8"?>
 <p:sld xmlns:a="http://schemas.openxmlformats.org/drawingml/2006/main" xmlns:r="http://schemas.openxmlformats.org/officeDocument/2006/relationships" xmlns:p="http://schemas.openxmlformats.org/presentationml/2006/main">
   <p:cSld>
     <p:spTree>
@@ -7122,7 +7211,31 @@
                   <a:schemeClr val="tx1"/>
                 </a:solidFill>
               </a:rPr>
-              <a:t>맺음말</a:t>
+              <a:t>논제</a:t>
+            </a:r>
+            <a:r>
+              <a:rPr lang="en-US" altLang="ko-KR" sz="3200">
+                <a:solidFill>
+                  <a:schemeClr val="tx1"/>
+                </a:solidFill>
+              </a:rPr>
+              <a:t>: </a:t>
+            </a:r>
+            <a:r>
+              <a:rPr lang="ko-KR" altLang="en-US" sz="3200">
+                <a:solidFill>
+                  <a:schemeClr val="tx1"/>
+                </a:solidFill>
+              </a:rPr>
+              <a:t>테이블 설계는 어떤게 적합한가</a:t>
+            </a:r>
+            <a:r>
+              <a:rPr lang="en-US" altLang="ko-KR" sz="3200">
+                <a:solidFill>
+                  <a:schemeClr val="tx1"/>
+                </a:solidFill>
+              </a:rPr>
+              <a:t>?</a:t>
             </a:r>
             <a:endParaRPr lang="ko-KR" altLang="ko-KR" sz="2000">
               <a:solidFill>
@@ -7178,12 +7291,1603 @@
           </a:extLst>
         </p:spPr>
       </p:cxnSp>
+      <p:graphicFrame>
+        <p:nvGraphicFramePr>
+          <p:cNvPr id="7" name="표 6">
+            <a:extLst>
+              <a:ext uri="{FF2B5EF4-FFF2-40B4-BE49-F238E27FC236}">
+                <a16:creationId xmlns:a16="http://schemas.microsoft.com/office/drawing/2014/main" id="{227A01D9-8C58-E4A4-DA58-CBEA13A96EE7}"/>
+              </a:ext>
+            </a:extLst>
+          </p:cNvPr>
+          <p:cNvGraphicFramePr>
+            <a:graphicFrameLocks noGrp="1"/>
+          </p:cNvGraphicFramePr>
+          <p:nvPr>
+            <p:extLst>
+              <p:ext uri="{D42A27DB-BD31-4B8C-83A1-F6EECF244321}">
+                <p14:modId xmlns:p14="http://schemas.microsoft.com/office/powerpoint/2010/main" val="2490452368"/>
+              </p:ext>
+            </p:extLst>
+          </p:nvPr>
+        </p:nvGraphicFramePr>
+        <p:xfrm>
+          <a:off x="143508" y="1484313"/>
+          <a:ext cx="8856984" cy="2722880"/>
+        </p:xfrm>
+        <a:graphic>
+          <a:graphicData uri="http://schemas.openxmlformats.org/drawingml/2006/table">
+            <a:tbl>
+              <a:tblPr firstRow="1" bandRow="1">
+                <a:tableStyleId>{5C22544A-7EE6-4342-B048-85BDC9FD1C3A}</a:tableStyleId>
+              </a:tblPr>
+              <a:tblGrid>
+                <a:gridCol w="720080">
+                  <a:extLst>
+                    <a:ext uri="{9D8B030D-6E8A-4147-A177-3AD203B41FA5}">
+                      <a16:colId xmlns:a16="http://schemas.microsoft.com/office/drawing/2014/main" val="1315739539"/>
+                    </a:ext>
+                  </a:extLst>
+                </a:gridCol>
+                <a:gridCol w="4068452">
+                  <a:extLst>
+                    <a:ext uri="{9D8B030D-6E8A-4147-A177-3AD203B41FA5}">
+                      <a16:colId xmlns:a16="http://schemas.microsoft.com/office/drawing/2014/main" val="819310429"/>
+                    </a:ext>
+                  </a:extLst>
+                </a:gridCol>
+                <a:gridCol w="4068452">
+                  <a:extLst>
+                    <a:ext uri="{9D8B030D-6E8A-4147-A177-3AD203B41FA5}">
+                      <a16:colId xmlns:a16="http://schemas.microsoft.com/office/drawing/2014/main" val="3254816515"/>
+                    </a:ext>
+                  </a:extLst>
+                </a:gridCol>
+              </a:tblGrid>
+              <a:tr h="370840">
+                <a:tc>
+                  <a:txBody>
+                    <a:bodyPr/>
+                    <a:lstStyle/>
+                    <a:p>
+                      <a:pPr latinLnBrk="1"/>
+                      <a:endParaRPr lang="ko-KR" altLang="en-US" sz="1400">
+                        <a:solidFill>
+                          <a:schemeClr val="tx1"/>
+                        </a:solidFill>
+                      </a:endParaRPr>
+                    </a:p>
+                  </a:txBody>
+                  <a:tcPr>
+                    <a:lnL w="12700" cap="flat" cmpd="sng" algn="ctr">
+                      <a:solidFill>
+                        <a:schemeClr val="tx1"/>
+                      </a:solidFill>
+                      <a:prstDash val="solid"/>
+                      <a:round/>
+                      <a:headEnd type="none" w="med" len="med"/>
+                      <a:tailEnd type="none" w="med" len="med"/>
+                    </a:lnL>
+                    <a:lnR w="12700" cap="flat" cmpd="sng" algn="ctr">
+                      <a:solidFill>
+                        <a:schemeClr val="tx1"/>
+                      </a:solidFill>
+                      <a:prstDash val="solid"/>
+                      <a:round/>
+                      <a:headEnd type="none" w="med" len="med"/>
+                      <a:tailEnd type="none" w="med" len="med"/>
+                    </a:lnR>
+                    <a:lnT w="12700" cap="flat" cmpd="sng" algn="ctr">
+                      <a:solidFill>
+                        <a:schemeClr val="tx1"/>
+                      </a:solidFill>
+                      <a:prstDash val="solid"/>
+                      <a:round/>
+                      <a:headEnd type="none" w="med" len="med"/>
+                      <a:tailEnd type="none" w="med" len="med"/>
+                    </a:lnT>
+                    <a:lnB w="12700" cap="flat" cmpd="sng" algn="ctr">
+                      <a:solidFill>
+                        <a:schemeClr val="tx1"/>
+                      </a:solidFill>
+                      <a:prstDash val="solid"/>
+                      <a:round/>
+                      <a:headEnd type="none" w="med" len="med"/>
+                      <a:tailEnd type="none" w="med" len="med"/>
+                    </a:lnB>
+                    <a:noFill/>
+                  </a:tcPr>
+                </a:tc>
+                <a:tc>
+                  <a:txBody>
+                    <a:bodyPr/>
+                    <a:lstStyle/>
+                    <a:p>
+                      <a:pPr algn="ctr" latinLnBrk="1"/>
+                      <a:r>
+                        <a:rPr lang="en-US" altLang="ko-KR" sz="1400">
+                          <a:solidFill>
+                            <a:schemeClr val="tx1"/>
+                          </a:solidFill>
+                        </a:rPr>
+                        <a:t>SQL</a:t>
+                      </a:r>
+                      <a:endParaRPr lang="ko-KR" altLang="en-US" sz="1400">
+                        <a:solidFill>
+                          <a:schemeClr val="tx1"/>
+                        </a:solidFill>
+                      </a:endParaRPr>
+                    </a:p>
+                  </a:txBody>
+                  <a:tcPr>
+                    <a:lnL w="12700" cap="flat" cmpd="sng" algn="ctr">
+                      <a:solidFill>
+                        <a:schemeClr val="tx1"/>
+                      </a:solidFill>
+                      <a:prstDash val="solid"/>
+                      <a:round/>
+                      <a:headEnd type="none" w="med" len="med"/>
+                      <a:tailEnd type="none" w="med" len="med"/>
+                    </a:lnL>
+                    <a:lnR w="12700" cap="flat" cmpd="sng" algn="ctr">
+                      <a:solidFill>
+                        <a:schemeClr val="tx1"/>
+                      </a:solidFill>
+                      <a:prstDash val="solid"/>
+                      <a:round/>
+                      <a:headEnd type="none" w="med" len="med"/>
+                      <a:tailEnd type="none" w="med" len="med"/>
+                    </a:lnR>
+                    <a:lnT w="12700" cap="flat" cmpd="sng" algn="ctr">
+                      <a:solidFill>
+                        <a:schemeClr val="tx1"/>
+                      </a:solidFill>
+                      <a:prstDash val="solid"/>
+                      <a:round/>
+                      <a:headEnd type="none" w="med" len="med"/>
+                      <a:tailEnd type="none" w="med" len="med"/>
+                    </a:lnT>
+                    <a:lnB w="12700" cap="flat" cmpd="sng" algn="ctr">
+                      <a:solidFill>
+                        <a:schemeClr val="tx1"/>
+                      </a:solidFill>
+                      <a:prstDash val="solid"/>
+                      <a:round/>
+                      <a:headEnd type="none" w="med" len="med"/>
+                      <a:tailEnd type="none" w="med" len="med"/>
+                    </a:lnB>
+                    <a:noFill/>
+                  </a:tcPr>
+                </a:tc>
+                <a:tc>
+                  <a:txBody>
+                    <a:bodyPr/>
+                    <a:lstStyle/>
+                    <a:p>
+                      <a:pPr algn="ctr" latinLnBrk="1"/>
+                      <a:r>
+                        <a:rPr lang="en-US" altLang="ko-KR" sz="1400">
+                          <a:solidFill>
+                            <a:schemeClr val="tx1"/>
+                          </a:solidFill>
+                        </a:rPr>
+                        <a:t>NoSQL</a:t>
+                      </a:r>
+                      <a:endParaRPr lang="ko-KR" altLang="en-US" sz="1400">
+                        <a:solidFill>
+                          <a:schemeClr val="tx1"/>
+                        </a:solidFill>
+                      </a:endParaRPr>
+                    </a:p>
+                  </a:txBody>
+                  <a:tcPr>
+                    <a:lnL w="12700" cap="flat" cmpd="sng" algn="ctr">
+                      <a:solidFill>
+                        <a:schemeClr val="tx1"/>
+                      </a:solidFill>
+                      <a:prstDash val="solid"/>
+                      <a:round/>
+                      <a:headEnd type="none" w="med" len="med"/>
+                      <a:tailEnd type="none" w="med" len="med"/>
+                    </a:lnL>
+                    <a:lnR w="12700" cap="flat" cmpd="sng" algn="ctr">
+                      <a:solidFill>
+                        <a:schemeClr val="tx1"/>
+                      </a:solidFill>
+                      <a:prstDash val="solid"/>
+                      <a:round/>
+                      <a:headEnd type="none" w="med" len="med"/>
+                      <a:tailEnd type="none" w="med" len="med"/>
+                    </a:lnR>
+                    <a:lnT w="12700" cap="flat" cmpd="sng" algn="ctr">
+                      <a:solidFill>
+                        <a:schemeClr val="tx1"/>
+                      </a:solidFill>
+                      <a:prstDash val="solid"/>
+                      <a:round/>
+                      <a:headEnd type="none" w="med" len="med"/>
+                      <a:tailEnd type="none" w="med" len="med"/>
+                    </a:lnT>
+                    <a:lnB w="12700" cap="flat" cmpd="sng" algn="ctr">
+                      <a:solidFill>
+                        <a:schemeClr val="tx1"/>
+                      </a:solidFill>
+                      <a:prstDash val="solid"/>
+                      <a:round/>
+                      <a:headEnd type="none" w="med" len="med"/>
+                      <a:tailEnd type="none" w="med" len="med"/>
+                    </a:lnB>
+                    <a:noFill/>
+                  </a:tcPr>
+                </a:tc>
+                <a:extLst>
+                  <a:ext uri="{0D108BD9-81ED-4DB2-BD59-A6C34878D82A}">
+                    <a16:rowId xmlns:a16="http://schemas.microsoft.com/office/drawing/2014/main" val="3349964729"/>
+                  </a:ext>
+                </a:extLst>
+              </a:tr>
+              <a:tr h="370840">
+                <a:tc>
+                  <a:txBody>
+                    <a:bodyPr/>
+                    <a:lstStyle/>
+                    <a:p>
+                      <a:pPr latinLnBrk="1"/>
+                      <a:r>
+                        <a:rPr lang="ko-KR" altLang="en-US" sz="1400">
+                          <a:solidFill>
+                            <a:schemeClr val="tx1"/>
+                          </a:solidFill>
+                        </a:rPr>
+                        <a:t>공통</a:t>
+                      </a:r>
+                    </a:p>
+                  </a:txBody>
+                  <a:tcPr anchor="ctr">
+                    <a:lnL w="12700" cap="flat" cmpd="sng" algn="ctr">
+                      <a:solidFill>
+                        <a:schemeClr val="tx1"/>
+                      </a:solidFill>
+                      <a:prstDash val="solid"/>
+                      <a:round/>
+                      <a:headEnd type="none" w="med" len="med"/>
+                      <a:tailEnd type="none" w="med" len="med"/>
+                    </a:lnL>
+                    <a:lnR w="12700" cap="flat" cmpd="sng" algn="ctr">
+                      <a:solidFill>
+                        <a:schemeClr val="tx1"/>
+                      </a:solidFill>
+                      <a:prstDash val="solid"/>
+                      <a:round/>
+                      <a:headEnd type="none" w="med" len="med"/>
+                      <a:tailEnd type="none" w="med" len="med"/>
+                    </a:lnR>
+                    <a:lnT w="12700" cap="flat" cmpd="sng" algn="ctr">
+                      <a:solidFill>
+                        <a:schemeClr val="tx1"/>
+                      </a:solidFill>
+                      <a:prstDash val="solid"/>
+                      <a:round/>
+                      <a:headEnd type="none" w="med" len="med"/>
+                      <a:tailEnd type="none" w="med" len="med"/>
+                    </a:lnT>
+                    <a:lnB w="12700" cap="flat" cmpd="sng" algn="ctr">
+                      <a:solidFill>
+                        <a:schemeClr val="tx1"/>
+                      </a:solidFill>
+                      <a:prstDash val="solid"/>
+                      <a:round/>
+                      <a:headEnd type="none" w="med" len="med"/>
+                      <a:tailEnd type="none" w="med" len="med"/>
+                    </a:lnB>
+                    <a:noFill/>
+                  </a:tcPr>
+                </a:tc>
+                <a:tc gridSpan="2">
+                  <a:txBody>
+                    <a:bodyPr/>
+                    <a:lstStyle/>
+                    <a:p>
+                      <a:pPr algn="ctr"/>
+                      <a:r>
+                        <a:rPr lang="ko-KR" altLang="en-US" sz="1400" b="0" kern="1200">
+                          <a:solidFill>
+                            <a:schemeClr val="dk1"/>
+                          </a:solidFill>
+                          <a:effectLst/>
+                          <a:latin typeface="+mn-lt"/>
+                          <a:ea typeface="+mn-ea"/>
+                          <a:cs typeface="+mn-cs"/>
+                        </a:rPr>
+                        <a:t>관계형</a:t>
+                      </a:r>
+                      <a:endParaRPr lang="en-US" altLang="ko-KR" sz="1400" b="0" kern="1200">
+                        <a:solidFill>
+                          <a:schemeClr val="dk1"/>
+                        </a:solidFill>
+                        <a:effectLst/>
+                        <a:latin typeface="+mn-lt"/>
+                        <a:ea typeface="+mn-ea"/>
+                        <a:cs typeface="+mn-cs"/>
+                      </a:endParaRPr>
+                    </a:p>
+                  </a:txBody>
+                  <a:tcPr>
+                    <a:lnL w="12700" cap="flat" cmpd="sng" algn="ctr">
+                      <a:solidFill>
+                        <a:schemeClr val="tx1"/>
+                      </a:solidFill>
+                      <a:prstDash val="solid"/>
+                      <a:round/>
+                      <a:headEnd type="none" w="med" len="med"/>
+                      <a:tailEnd type="none" w="med" len="med"/>
+                    </a:lnL>
+                    <a:lnR w="12700" cap="flat" cmpd="sng" algn="ctr">
+                      <a:solidFill>
+                        <a:schemeClr val="tx1"/>
+                      </a:solidFill>
+                      <a:prstDash val="solid"/>
+                      <a:round/>
+                      <a:headEnd type="none" w="med" len="med"/>
+                      <a:tailEnd type="none" w="med" len="med"/>
+                    </a:lnR>
+                    <a:lnT w="12700" cap="flat" cmpd="sng" algn="ctr">
+                      <a:solidFill>
+                        <a:schemeClr val="tx1"/>
+                      </a:solidFill>
+                      <a:prstDash val="solid"/>
+                      <a:round/>
+                      <a:headEnd type="none" w="med" len="med"/>
+                      <a:tailEnd type="none" w="med" len="med"/>
+                    </a:lnT>
+                    <a:lnB w="12700" cap="flat" cmpd="sng" algn="ctr">
+                      <a:solidFill>
+                        <a:schemeClr val="tx1"/>
+                      </a:solidFill>
+                      <a:prstDash val="solid"/>
+                      <a:round/>
+                      <a:headEnd type="none" w="med" len="med"/>
+                      <a:tailEnd type="none" w="med" len="med"/>
+                    </a:lnB>
+                    <a:noFill/>
+                  </a:tcPr>
+                </a:tc>
+                <a:tc hMerge="1">
+                  <a:txBody>
+                    <a:bodyPr/>
+                    <a:lstStyle/>
+                    <a:p>
+                      <a:pPr marL="0" marR="0" lvl="0" indent="0" algn="l" defTabSz="914400" rtl="0" eaLnBrk="1" fontAlgn="auto" latinLnBrk="1" hangingPunct="1">
+                        <a:lnSpc>
+                          <a:spcPct val="100000"/>
+                        </a:lnSpc>
+                        <a:spcBef>
+                          <a:spcPts val="0"/>
+                        </a:spcBef>
+                        <a:spcAft>
+                          <a:spcPts val="0"/>
+                        </a:spcAft>
+                        <a:buClrTx/>
+                        <a:buSzTx/>
+                        <a:buFontTx/>
+                        <a:buNone/>
+                        <a:tabLst/>
+                        <a:defRPr/>
+                      </a:pPr>
+                      <a:endParaRPr lang="en-US" altLang="ko-KR" sz="1800" b="0" kern="1200">
+                        <a:solidFill>
+                          <a:schemeClr val="dk1"/>
+                        </a:solidFill>
+                        <a:effectLst/>
+                        <a:latin typeface="+mn-lt"/>
+                        <a:ea typeface="+mn-ea"/>
+                        <a:cs typeface="+mn-cs"/>
+                      </a:endParaRPr>
+                    </a:p>
+                  </a:txBody>
+                  <a:tcPr>
+                    <a:lnL w="12700" cap="flat" cmpd="sng" algn="ctr">
+                      <a:solidFill>
+                        <a:schemeClr val="tx1"/>
+                      </a:solidFill>
+                      <a:prstDash val="solid"/>
+                      <a:round/>
+                      <a:headEnd type="none" w="med" len="med"/>
+                      <a:tailEnd type="none" w="med" len="med"/>
+                    </a:lnL>
+                    <a:lnR w="12700" cap="flat" cmpd="sng" algn="ctr">
+                      <a:solidFill>
+                        <a:schemeClr val="tx1"/>
+                      </a:solidFill>
+                      <a:prstDash val="solid"/>
+                      <a:round/>
+                      <a:headEnd type="none" w="med" len="med"/>
+                      <a:tailEnd type="none" w="med" len="med"/>
+                    </a:lnR>
+                    <a:lnT w="12700" cap="flat" cmpd="sng" algn="ctr">
+                      <a:solidFill>
+                        <a:schemeClr val="tx1"/>
+                      </a:solidFill>
+                      <a:prstDash val="solid"/>
+                      <a:round/>
+                      <a:headEnd type="none" w="med" len="med"/>
+                      <a:tailEnd type="none" w="med" len="med"/>
+                    </a:lnT>
+                    <a:lnB w="12700" cap="flat" cmpd="sng" algn="ctr">
+                      <a:solidFill>
+                        <a:schemeClr val="tx1"/>
+                      </a:solidFill>
+                      <a:prstDash val="solid"/>
+                      <a:round/>
+                      <a:headEnd type="none" w="med" len="med"/>
+                      <a:tailEnd type="none" w="med" len="med"/>
+                    </a:lnB>
+                    <a:noFill/>
+                  </a:tcPr>
+                </a:tc>
+                <a:extLst>
+                  <a:ext uri="{0D108BD9-81ED-4DB2-BD59-A6C34878D82A}">
+                    <a16:rowId xmlns:a16="http://schemas.microsoft.com/office/drawing/2014/main" val="2279886379"/>
+                  </a:ext>
+                </a:extLst>
+              </a:tr>
+              <a:tr h="370840">
+                <a:tc>
+                  <a:txBody>
+                    <a:bodyPr/>
+                    <a:lstStyle/>
+                    <a:p>
+                      <a:pPr latinLnBrk="1"/>
+                      <a:r>
+                        <a:rPr lang="ko-KR" altLang="en-US" sz="1400">
+                          <a:solidFill>
+                            <a:schemeClr val="tx1"/>
+                          </a:solidFill>
+                        </a:rPr>
+                        <a:t>장점</a:t>
+                      </a:r>
+                    </a:p>
+                  </a:txBody>
+                  <a:tcPr anchor="ctr">
+                    <a:lnL w="12700" cap="flat" cmpd="sng" algn="ctr">
+                      <a:solidFill>
+                        <a:schemeClr val="tx1"/>
+                      </a:solidFill>
+                      <a:prstDash val="solid"/>
+                      <a:round/>
+                      <a:headEnd type="none" w="med" len="med"/>
+                      <a:tailEnd type="none" w="med" len="med"/>
+                    </a:lnL>
+                    <a:lnR w="12700" cap="flat" cmpd="sng" algn="ctr">
+                      <a:solidFill>
+                        <a:schemeClr val="tx1"/>
+                      </a:solidFill>
+                      <a:prstDash val="solid"/>
+                      <a:round/>
+                      <a:headEnd type="none" w="med" len="med"/>
+                      <a:tailEnd type="none" w="med" len="med"/>
+                    </a:lnR>
+                    <a:lnT w="12700" cap="flat" cmpd="sng" algn="ctr">
+                      <a:solidFill>
+                        <a:schemeClr val="tx1"/>
+                      </a:solidFill>
+                      <a:prstDash val="solid"/>
+                      <a:round/>
+                      <a:headEnd type="none" w="med" len="med"/>
+                      <a:tailEnd type="none" w="med" len="med"/>
+                    </a:lnT>
+                    <a:lnB w="12700" cap="flat" cmpd="sng" algn="ctr">
+                      <a:solidFill>
+                        <a:schemeClr val="tx1"/>
+                      </a:solidFill>
+                      <a:prstDash val="solid"/>
+                      <a:round/>
+                      <a:headEnd type="none" w="med" len="med"/>
+                      <a:tailEnd type="none" w="med" len="med"/>
+                    </a:lnB>
+                    <a:noFill/>
+                  </a:tcPr>
+                </a:tc>
+                <a:tc>
+                  <a:txBody>
+                    <a:bodyPr/>
+                    <a:lstStyle/>
+                    <a:p>
+                      <a:r>
+                        <a:rPr lang="en-US" altLang="ko-KR" sz="1400" b="0" kern="1200">
+                          <a:solidFill>
+                            <a:schemeClr val="dk1"/>
+                          </a:solidFill>
+                          <a:effectLst/>
+                          <a:latin typeface="+mn-lt"/>
+                          <a:ea typeface="+mn-ea"/>
+                          <a:cs typeface="+mn-cs"/>
+                        </a:rPr>
+                        <a:t>- </a:t>
+                      </a:r>
+                      <a:r>
+                        <a:rPr lang="ko-KR" altLang="en-US" sz="1400" b="0" kern="1200">
+                          <a:solidFill>
+                            <a:schemeClr val="dk1"/>
+                          </a:solidFill>
+                          <a:effectLst/>
+                          <a:latin typeface="+mn-lt"/>
+                          <a:ea typeface="+mn-ea"/>
+                          <a:cs typeface="+mn-cs"/>
+                        </a:rPr>
+                        <a:t>관계형 문법 사용시</a:t>
+                      </a:r>
+                      <a:r>
+                        <a:rPr lang="en-US" altLang="ko-KR" sz="1400" b="0" kern="1200">
+                          <a:solidFill>
+                            <a:schemeClr val="dk1"/>
+                          </a:solidFill>
+                          <a:effectLst/>
+                          <a:latin typeface="+mn-lt"/>
+                          <a:ea typeface="+mn-ea"/>
+                          <a:cs typeface="+mn-cs"/>
+                        </a:rPr>
+                        <a:t>(join), DB </a:t>
+                      </a:r>
+                      <a:r>
+                        <a:rPr lang="ko-KR" altLang="en-US" sz="1400" b="0" kern="1200">
+                          <a:solidFill>
+                            <a:schemeClr val="dk1"/>
+                          </a:solidFill>
+                          <a:effectLst/>
+                          <a:latin typeface="+mn-lt"/>
+                          <a:ea typeface="+mn-ea"/>
+                          <a:cs typeface="+mn-cs"/>
+                        </a:rPr>
+                        <a:t>엔진에서 처리</a:t>
+                      </a:r>
+                      <a:endParaRPr lang="en-US" altLang="ko-KR" sz="1400" b="0" kern="1200">
+                        <a:solidFill>
+                          <a:schemeClr val="dk1"/>
+                        </a:solidFill>
+                        <a:effectLst/>
+                        <a:latin typeface="+mn-lt"/>
+                        <a:ea typeface="+mn-ea"/>
+                        <a:cs typeface="+mn-cs"/>
+                      </a:endParaRPr>
+                    </a:p>
+                    <a:p>
+                      <a:br>
+                        <a:rPr lang="en-US" altLang="ko-KR" sz="1400" b="0" kern="1200">
+                          <a:solidFill>
+                            <a:schemeClr val="dk1"/>
+                          </a:solidFill>
+                          <a:effectLst/>
+                          <a:latin typeface="+mn-lt"/>
+                          <a:ea typeface="+mn-ea"/>
+                          <a:cs typeface="+mn-cs"/>
+                        </a:rPr>
+                      </a:br>
+                      <a:r>
+                        <a:rPr lang="en-US" altLang="ko-KR" sz="1400" b="0" kern="1200">
+                          <a:solidFill>
+                            <a:schemeClr val="dk1"/>
+                          </a:solidFill>
+                          <a:effectLst/>
+                          <a:latin typeface="+mn-lt"/>
+                          <a:ea typeface="+mn-ea"/>
+                          <a:cs typeface="+mn-cs"/>
+                        </a:rPr>
+                        <a:t>- </a:t>
+                      </a:r>
+                      <a:r>
+                        <a:rPr lang="ko-KR" altLang="en-US" sz="1400" b="0" kern="1200">
+                          <a:solidFill>
+                            <a:schemeClr val="dk1"/>
+                          </a:solidFill>
+                          <a:effectLst/>
+                          <a:latin typeface="+mn-lt"/>
+                          <a:ea typeface="+mn-ea"/>
+                          <a:cs typeface="+mn-cs"/>
+                        </a:rPr>
+                        <a:t>정규화로 테이블이 많아질시</a:t>
+                      </a:r>
+                      <a:r>
+                        <a:rPr lang="en-US" altLang="ko-KR" sz="1400" b="0" kern="1200">
+                          <a:solidFill>
+                            <a:schemeClr val="dk1"/>
+                          </a:solidFill>
+                          <a:effectLst/>
+                          <a:latin typeface="+mn-lt"/>
+                          <a:ea typeface="+mn-ea"/>
+                          <a:cs typeface="+mn-cs"/>
+                        </a:rPr>
+                        <a:t>, </a:t>
+                      </a:r>
+                      <a:r>
+                        <a:rPr lang="ko-KR" altLang="en-US" sz="1400" b="0" kern="1200">
+                          <a:solidFill>
+                            <a:schemeClr val="dk1"/>
+                          </a:solidFill>
+                          <a:effectLst/>
+                          <a:latin typeface="+mn-lt"/>
+                          <a:ea typeface="+mn-ea"/>
+                          <a:cs typeface="+mn-cs"/>
+                        </a:rPr>
+                        <a:t>쿼리 복잡</a:t>
+                      </a:r>
+                      <a:endParaRPr lang="en-US" altLang="ko-KR" sz="1400" b="0" kern="1200">
+                        <a:solidFill>
+                          <a:schemeClr val="dk1"/>
+                        </a:solidFill>
+                        <a:effectLst/>
+                        <a:latin typeface="+mn-lt"/>
+                        <a:ea typeface="+mn-ea"/>
+                        <a:cs typeface="+mn-cs"/>
+                      </a:endParaRPr>
+                    </a:p>
+                  </a:txBody>
+                  <a:tcPr>
+                    <a:lnL w="12700" cap="flat" cmpd="sng" algn="ctr">
+                      <a:solidFill>
+                        <a:schemeClr val="tx1"/>
+                      </a:solidFill>
+                      <a:prstDash val="solid"/>
+                      <a:round/>
+                      <a:headEnd type="none" w="med" len="med"/>
+                      <a:tailEnd type="none" w="med" len="med"/>
+                    </a:lnL>
+                    <a:lnR w="12700" cap="flat" cmpd="sng" algn="ctr">
+                      <a:solidFill>
+                        <a:schemeClr val="tx1"/>
+                      </a:solidFill>
+                      <a:prstDash val="solid"/>
+                      <a:round/>
+                      <a:headEnd type="none" w="med" len="med"/>
+                      <a:tailEnd type="none" w="med" len="med"/>
+                    </a:lnR>
+                    <a:lnT w="12700" cap="flat" cmpd="sng" algn="ctr">
+                      <a:solidFill>
+                        <a:schemeClr val="tx1"/>
+                      </a:solidFill>
+                      <a:prstDash val="solid"/>
+                      <a:round/>
+                      <a:headEnd type="none" w="med" len="med"/>
+                      <a:tailEnd type="none" w="med" len="med"/>
+                    </a:lnT>
+                    <a:lnB w="12700" cap="flat" cmpd="sng" algn="ctr">
+                      <a:solidFill>
+                        <a:schemeClr val="tx1"/>
+                      </a:solidFill>
+                      <a:prstDash val="solid"/>
+                      <a:round/>
+                      <a:headEnd type="none" w="med" len="med"/>
+                      <a:tailEnd type="none" w="med" len="med"/>
+                    </a:lnB>
+                    <a:noFill/>
+                  </a:tcPr>
+                </a:tc>
+                <a:tc>
+                  <a:txBody>
+                    <a:bodyPr/>
+                    <a:lstStyle/>
+                    <a:p>
+                      <a:pPr marL="0" marR="0" lvl="0" indent="0" algn="l" defTabSz="914400" rtl="0" eaLnBrk="1" fontAlgn="auto" latinLnBrk="1" hangingPunct="1">
+                        <a:lnSpc>
+                          <a:spcPct val="100000"/>
+                        </a:lnSpc>
+                        <a:spcBef>
+                          <a:spcPts val="0"/>
+                        </a:spcBef>
+                        <a:spcAft>
+                          <a:spcPts val="0"/>
+                        </a:spcAft>
+                        <a:buClrTx/>
+                        <a:buSzTx/>
+                        <a:buFontTx/>
+                        <a:buNone/>
+                        <a:tabLst/>
+                        <a:defRPr/>
+                      </a:pPr>
+                      <a:r>
+                        <a:rPr lang="en-US" altLang="ko-KR" sz="1400" b="0" kern="1200">
+                          <a:solidFill>
+                            <a:schemeClr val="dk1"/>
+                          </a:solidFill>
+                          <a:effectLst/>
+                          <a:latin typeface="+mn-lt"/>
+                          <a:ea typeface="+mn-ea"/>
+                          <a:cs typeface="+mn-cs"/>
+                        </a:rPr>
+                        <a:t>- depth</a:t>
+                      </a:r>
+                      <a:r>
+                        <a:rPr lang="ko-KR" altLang="en-US" sz="1400" b="0" kern="1200">
+                          <a:solidFill>
+                            <a:schemeClr val="dk1"/>
+                          </a:solidFill>
+                          <a:effectLst/>
+                          <a:latin typeface="+mn-lt"/>
+                          <a:ea typeface="+mn-ea"/>
+                          <a:cs typeface="+mn-cs"/>
+                        </a:rPr>
+                        <a:t>가 큰 데이터 사용</a:t>
+                      </a:r>
+                      <a:br>
+                        <a:rPr lang="en-US" altLang="ko-KR" sz="1400" b="0" kern="1200">
+                          <a:solidFill>
+                            <a:schemeClr val="dk1"/>
+                          </a:solidFill>
+                          <a:effectLst/>
+                          <a:latin typeface="+mn-lt"/>
+                          <a:ea typeface="+mn-ea"/>
+                          <a:cs typeface="+mn-cs"/>
+                        </a:rPr>
+                      </a:br>
+                      <a:br>
+                        <a:rPr lang="en-US" altLang="ko-KR" sz="1400" b="0" kern="1200">
+                          <a:solidFill>
+                            <a:schemeClr val="dk1"/>
+                          </a:solidFill>
+                          <a:effectLst/>
+                          <a:latin typeface="+mn-lt"/>
+                          <a:ea typeface="+mn-ea"/>
+                          <a:cs typeface="+mn-cs"/>
+                        </a:rPr>
+                      </a:br>
+                      <a:r>
+                        <a:rPr lang="en-US" altLang="ko-KR" sz="1400" b="0" kern="1200">
+                          <a:solidFill>
+                            <a:schemeClr val="dk1"/>
+                          </a:solidFill>
+                          <a:effectLst/>
+                          <a:latin typeface="+mn-lt"/>
+                          <a:ea typeface="+mn-ea"/>
+                          <a:cs typeface="+mn-cs"/>
+                        </a:rPr>
+                        <a:t>- </a:t>
+                      </a:r>
+                      <a:r>
+                        <a:rPr lang="ko-KR" altLang="en-US" sz="1400" b="0" kern="1200">
+                          <a:solidFill>
+                            <a:schemeClr val="dk1"/>
+                          </a:solidFill>
+                          <a:effectLst/>
+                          <a:latin typeface="+mn-lt"/>
+                          <a:ea typeface="+mn-ea"/>
+                          <a:cs typeface="+mn-cs"/>
+                        </a:rPr>
+                        <a:t>쿼리가 간단</a:t>
+                      </a:r>
+                      <a:endParaRPr lang="en-US" altLang="ko-KR" sz="1400" b="0" kern="1200">
+                        <a:solidFill>
+                          <a:schemeClr val="dk1"/>
+                        </a:solidFill>
+                        <a:effectLst/>
+                        <a:latin typeface="+mn-lt"/>
+                        <a:ea typeface="+mn-ea"/>
+                        <a:cs typeface="+mn-cs"/>
+                      </a:endParaRPr>
+                    </a:p>
+                  </a:txBody>
+                  <a:tcPr>
+                    <a:lnL w="12700" cap="flat" cmpd="sng" algn="ctr">
+                      <a:solidFill>
+                        <a:schemeClr val="tx1"/>
+                      </a:solidFill>
+                      <a:prstDash val="solid"/>
+                      <a:round/>
+                      <a:headEnd type="none" w="med" len="med"/>
+                      <a:tailEnd type="none" w="med" len="med"/>
+                    </a:lnL>
+                    <a:lnR w="12700" cap="flat" cmpd="sng" algn="ctr">
+                      <a:solidFill>
+                        <a:schemeClr val="tx1"/>
+                      </a:solidFill>
+                      <a:prstDash val="solid"/>
+                      <a:round/>
+                      <a:headEnd type="none" w="med" len="med"/>
+                      <a:tailEnd type="none" w="med" len="med"/>
+                    </a:lnR>
+                    <a:lnT w="12700" cap="flat" cmpd="sng" algn="ctr">
+                      <a:solidFill>
+                        <a:schemeClr val="tx1"/>
+                      </a:solidFill>
+                      <a:prstDash val="solid"/>
+                      <a:round/>
+                      <a:headEnd type="none" w="med" len="med"/>
+                      <a:tailEnd type="none" w="med" len="med"/>
+                    </a:lnT>
+                    <a:lnB w="12700" cap="flat" cmpd="sng" algn="ctr">
+                      <a:solidFill>
+                        <a:schemeClr val="tx1"/>
+                      </a:solidFill>
+                      <a:prstDash val="solid"/>
+                      <a:round/>
+                      <a:headEnd type="none" w="med" len="med"/>
+                      <a:tailEnd type="none" w="med" len="med"/>
+                    </a:lnB>
+                    <a:noFill/>
+                  </a:tcPr>
+                </a:tc>
+                <a:extLst>
+                  <a:ext uri="{0D108BD9-81ED-4DB2-BD59-A6C34878D82A}">
+                    <a16:rowId xmlns:a16="http://schemas.microsoft.com/office/drawing/2014/main" val="3509644011"/>
+                  </a:ext>
+                </a:extLst>
+              </a:tr>
+              <a:tr h="370840">
+                <a:tc>
+                  <a:txBody>
+                    <a:bodyPr/>
+                    <a:lstStyle/>
+                    <a:p>
+                      <a:pPr latinLnBrk="1"/>
+                      <a:r>
+                        <a:rPr lang="ko-KR" altLang="en-US" sz="1400">
+                          <a:solidFill>
+                            <a:schemeClr val="tx1"/>
+                          </a:solidFill>
+                        </a:rPr>
+                        <a:t>단점</a:t>
+                      </a:r>
+                    </a:p>
+                  </a:txBody>
+                  <a:tcPr anchor="ctr">
+                    <a:lnL w="12700" cap="flat" cmpd="sng" algn="ctr">
+                      <a:solidFill>
+                        <a:schemeClr val="tx1"/>
+                      </a:solidFill>
+                      <a:prstDash val="solid"/>
+                      <a:round/>
+                      <a:headEnd type="none" w="med" len="med"/>
+                      <a:tailEnd type="none" w="med" len="med"/>
+                    </a:lnL>
+                    <a:lnR w="12700" cap="flat" cmpd="sng" algn="ctr">
+                      <a:solidFill>
+                        <a:schemeClr val="tx1"/>
+                      </a:solidFill>
+                      <a:prstDash val="solid"/>
+                      <a:round/>
+                      <a:headEnd type="none" w="med" len="med"/>
+                      <a:tailEnd type="none" w="med" len="med"/>
+                    </a:lnR>
+                    <a:lnT w="12700" cap="flat" cmpd="sng" algn="ctr">
+                      <a:solidFill>
+                        <a:schemeClr val="tx1"/>
+                      </a:solidFill>
+                      <a:prstDash val="solid"/>
+                      <a:round/>
+                      <a:headEnd type="none" w="med" len="med"/>
+                      <a:tailEnd type="none" w="med" len="med"/>
+                    </a:lnT>
+                    <a:lnB w="12700" cap="flat" cmpd="sng" algn="ctr">
+                      <a:solidFill>
+                        <a:schemeClr val="tx1"/>
+                      </a:solidFill>
+                      <a:prstDash val="solid"/>
+                      <a:round/>
+                      <a:headEnd type="none" w="med" len="med"/>
+                      <a:tailEnd type="none" w="med" len="med"/>
+                    </a:lnB>
+                    <a:noFill/>
+                  </a:tcPr>
+                </a:tc>
+                <a:tc>
+                  <a:txBody>
+                    <a:bodyPr/>
+                    <a:lstStyle/>
+                    <a:p>
+                      <a:pPr marL="0" marR="0" lvl="0" indent="0" algn="l" defTabSz="914400" rtl="0" eaLnBrk="1" fontAlgn="auto" latinLnBrk="1" hangingPunct="1">
+                        <a:lnSpc>
+                          <a:spcPct val="100000"/>
+                        </a:lnSpc>
+                        <a:spcBef>
+                          <a:spcPts val="0"/>
+                        </a:spcBef>
+                        <a:spcAft>
+                          <a:spcPts val="0"/>
+                        </a:spcAft>
+                        <a:buClrTx/>
+                        <a:buSzTx/>
+                        <a:buFontTx/>
+                        <a:buNone/>
+                        <a:tabLst/>
+                        <a:defRPr/>
+                      </a:pPr>
+                      <a:r>
+                        <a:rPr lang="en-US" altLang="ko-KR" sz="1400" b="0" kern="1200">
+                          <a:solidFill>
+                            <a:schemeClr val="dk1"/>
+                          </a:solidFill>
+                          <a:effectLst/>
+                          <a:latin typeface="+mn-lt"/>
+                          <a:ea typeface="+mn-ea"/>
+                          <a:cs typeface="+mn-cs"/>
+                        </a:rPr>
+                        <a:t>depth</a:t>
+                      </a:r>
+                      <a:r>
+                        <a:rPr lang="ko-KR" altLang="en-US" sz="1400" b="0" kern="1200">
+                          <a:solidFill>
+                            <a:schemeClr val="dk1"/>
+                          </a:solidFill>
+                          <a:effectLst/>
+                          <a:latin typeface="+mn-lt"/>
+                          <a:ea typeface="+mn-ea"/>
+                          <a:cs typeface="+mn-cs"/>
+                        </a:rPr>
+                        <a:t>가 큰 데이터 사용시</a:t>
+                      </a:r>
+                      <a:r>
+                        <a:rPr lang="en-US" altLang="ko-KR" sz="1400" b="0" kern="1200">
+                          <a:solidFill>
+                            <a:schemeClr val="dk1"/>
+                          </a:solidFill>
+                          <a:effectLst/>
+                          <a:latin typeface="+mn-lt"/>
+                          <a:ea typeface="+mn-ea"/>
+                          <a:cs typeface="+mn-cs"/>
+                        </a:rPr>
+                        <a:t>,</a:t>
+                      </a:r>
+                    </a:p>
+                    <a:p>
+                      <a:pPr marL="0" marR="0" lvl="0" indent="0" algn="l" defTabSz="914400" rtl="0" eaLnBrk="1" fontAlgn="auto" latinLnBrk="1" hangingPunct="1">
+                        <a:lnSpc>
+                          <a:spcPct val="100000"/>
+                        </a:lnSpc>
+                        <a:spcBef>
+                          <a:spcPts val="0"/>
+                        </a:spcBef>
+                        <a:spcAft>
+                          <a:spcPts val="0"/>
+                        </a:spcAft>
+                        <a:buClrTx/>
+                        <a:buSzTx/>
+                        <a:buFontTx/>
+                        <a:buNone/>
+                        <a:tabLst/>
+                        <a:defRPr/>
+                      </a:pPr>
+                      <a:r>
+                        <a:rPr lang="ko-KR" altLang="en-US" sz="1400" b="0" kern="1200">
+                          <a:solidFill>
+                            <a:schemeClr val="dk1"/>
+                          </a:solidFill>
+                          <a:effectLst/>
+                          <a:latin typeface="+mn-lt"/>
+                          <a:ea typeface="+mn-ea"/>
+                          <a:cs typeface="+mn-cs"/>
+                        </a:rPr>
+                        <a:t>노드의 </a:t>
+                      </a:r>
+                      <a:r>
+                        <a:rPr lang="en-US" altLang="ko-KR" sz="1400" b="0" kern="1200">
+                          <a:solidFill>
+                            <a:schemeClr val="dk1"/>
+                          </a:solidFill>
+                          <a:effectLst/>
+                          <a:latin typeface="+mn-lt"/>
+                          <a:ea typeface="+mn-ea"/>
+                          <a:cs typeface="+mn-cs"/>
+                        </a:rPr>
+                        <a:t>ORM</a:t>
+                      </a:r>
+                      <a:r>
+                        <a:rPr lang="ko-KR" altLang="en-US" sz="1400" b="0" kern="1200">
+                          <a:solidFill>
+                            <a:schemeClr val="dk1"/>
+                          </a:solidFill>
+                          <a:effectLst/>
+                          <a:latin typeface="+mn-lt"/>
+                          <a:ea typeface="+mn-ea"/>
+                          <a:cs typeface="+mn-cs"/>
+                        </a:rPr>
+                        <a:t> </a:t>
+                      </a:r>
+                      <a:r>
+                        <a:rPr lang="en-US" altLang="ko-KR" sz="1400" b="0" kern="1200">
+                          <a:solidFill>
+                            <a:schemeClr val="dk1"/>
+                          </a:solidFill>
+                          <a:effectLst/>
+                          <a:latin typeface="+mn-lt"/>
+                          <a:ea typeface="+mn-ea"/>
+                          <a:cs typeface="+mn-cs"/>
+                        </a:rPr>
+                        <a:t>+</a:t>
+                      </a:r>
+                      <a:r>
+                        <a:rPr lang="ko-KR" altLang="en-US" sz="1400" b="0" kern="1200">
+                          <a:solidFill>
+                            <a:schemeClr val="dk1"/>
+                          </a:solidFill>
+                          <a:effectLst/>
+                          <a:latin typeface="+mn-lt"/>
+                          <a:ea typeface="+mn-ea"/>
+                          <a:cs typeface="+mn-cs"/>
+                        </a:rPr>
+                        <a:t> </a:t>
+                      </a:r>
+                      <a:r>
+                        <a:rPr lang="en-US" altLang="ko-KR" sz="1400" b="0" kern="1200">
+                          <a:solidFill>
+                            <a:schemeClr val="dk1"/>
+                          </a:solidFill>
+                          <a:effectLst/>
+                          <a:latin typeface="+mn-lt"/>
+                          <a:ea typeface="+mn-ea"/>
+                          <a:cs typeface="+mn-cs"/>
+                        </a:rPr>
+                        <a:t>MySQL</a:t>
+                      </a:r>
+                      <a:r>
+                        <a:rPr lang="ko-KR" altLang="en-US" sz="1400" b="0" kern="1200">
+                          <a:solidFill>
+                            <a:schemeClr val="dk1"/>
+                          </a:solidFill>
+                          <a:effectLst/>
+                          <a:latin typeface="+mn-lt"/>
+                          <a:ea typeface="+mn-ea"/>
+                          <a:cs typeface="+mn-cs"/>
+                        </a:rPr>
+                        <a:t>에서 </a:t>
+                      </a:r>
+                      <a:r>
+                        <a:rPr lang="en-US" altLang="ko-KR" sz="1400" b="0" kern="1200">
+                          <a:solidFill>
+                            <a:schemeClr val="dk1"/>
+                          </a:solidFill>
+                          <a:effectLst/>
+                          <a:latin typeface="+mn-lt"/>
+                          <a:ea typeface="+mn-ea"/>
+                          <a:cs typeface="+mn-cs"/>
+                        </a:rPr>
+                        <a:t>JSON </a:t>
+                      </a:r>
+                      <a:r>
+                        <a:rPr lang="ko-KR" altLang="en-US" sz="1400" b="0" kern="1200">
+                          <a:solidFill>
+                            <a:schemeClr val="dk1"/>
+                          </a:solidFill>
+                          <a:effectLst/>
+                          <a:latin typeface="+mn-lt"/>
+                          <a:ea typeface="+mn-ea"/>
+                          <a:cs typeface="+mn-cs"/>
+                        </a:rPr>
+                        <a:t>지원안함</a:t>
+                      </a:r>
+                      <a:endParaRPr lang="en-US" altLang="ko-KR" sz="1400" b="0" kern="1200">
+                        <a:solidFill>
+                          <a:schemeClr val="dk1"/>
+                        </a:solidFill>
+                        <a:effectLst/>
+                        <a:latin typeface="+mn-lt"/>
+                        <a:ea typeface="+mn-ea"/>
+                        <a:cs typeface="+mn-cs"/>
+                      </a:endParaRPr>
+                    </a:p>
+                  </a:txBody>
+                  <a:tcPr>
+                    <a:lnL w="12700" cap="flat" cmpd="sng" algn="ctr">
+                      <a:solidFill>
+                        <a:schemeClr val="tx1"/>
+                      </a:solidFill>
+                      <a:prstDash val="solid"/>
+                      <a:round/>
+                      <a:headEnd type="none" w="med" len="med"/>
+                      <a:tailEnd type="none" w="med" len="med"/>
+                    </a:lnL>
+                    <a:lnR w="12700" cap="flat" cmpd="sng" algn="ctr">
+                      <a:solidFill>
+                        <a:schemeClr val="tx1"/>
+                      </a:solidFill>
+                      <a:prstDash val="solid"/>
+                      <a:round/>
+                      <a:headEnd type="none" w="med" len="med"/>
+                      <a:tailEnd type="none" w="med" len="med"/>
+                    </a:lnR>
+                    <a:lnT w="12700" cap="flat" cmpd="sng" algn="ctr">
+                      <a:solidFill>
+                        <a:schemeClr val="tx1"/>
+                      </a:solidFill>
+                      <a:prstDash val="solid"/>
+                      <a:round/>
+                      <a:headEnd type="none" w="med" len="med"/>
+                      <a:tailEnd type="none" w="med" len="med"/>
+                    </a:lnT>
+                    <a:lnB w="12700" cap="flat" cmpd="sng" algn="ctr">
+                      <a:solidFill>
+                        <a:schemeClr val="tx1"/>
+                      </a:solidFill>
+                      <a:prstDash val="solid"/>
+                      <a:round/>
+                      <a:headEnd type="none" w="med" len="med"/>
+                      <a:tailEnd type="none" w="med" len="med"/>
+                    </a:lnB>
+                    <a:noFill/>
+                  </a:tcPr>
+                </a:tc>
+                <a:tc>
+                  <a:txBody>
+                    <a:bodyPr/>
+                    <a:lstStyle/>
+                    <a:p>
+                      <a:pPr marL="0" marR="0" lvl="0" indent="0" algn="l" defTabSz="914400" rtl="0" eaLnBrk="1" fontAlgn="auto" latinLnBrk="1" hangingPunct="1">
+                        <a:lnSpc>
+                          <a:spcPct val="100000"/>
+                        </a:lnSpc>
+                        <a:spcBef>
+                          <a:spcPts val="0"/>
+                        </a:spcBef>
+                        <a:spcAft>
+                          <a:spcPts val="0"/>
+                        </a:spcAft>
+                        <a:buClrTx/>
+                        <a:buSzTx/>
+                        <a:buFontTx/>
+                        <a:buNone/>
+                        <a:tabLst/>
+                        <a:defRPr/>
+                      </a:pPr>
+                      <a:r>
+                        <a:rPr lang="ko-KR" altLang="en-US" sz="1400" b="0" kern="1200">
+                          <a:solidFill>
+                            <a:schemeClr val="dk1"/>
+                          </a:solidFill>
+                          <a:effectLst/>
+                          <a:latin typeface="+mn-lt"/>
+                          <a:ea typeface="+mn-ea"/>
+                          <a:cs typeface="+mn-cs"/>
+                        </a:rPr>
+                        <a:t>관계형 문법 사용시</a:t>
+                      </a:r>
+                      <a:r>
+                        <a:rPr lang="en-US" altLang="ko-KR" sz="1400" b="0" kern="1200">
+                          <a:solidFill>
+                            <a:schemeClr val="dk1"/>
+                          </a:solidFill>
+                          <a:effectLst/>
+                          <a:latin typeface="+mn-lt"/>
+                          <a:ea typeface="+mn-ea"/>
+                          <a:cs typeface="+mn-cs"/>
+                        </a:rPr>
+                        <a:t>(populate), </a:t>
+                      </a:r>
+                      <a:r>
+                        <a:rPr lang="ko-KR" altLang="en-US" sz="1400" b="0" kern="1200">
+                          <a:solidFill>
+                            <a:schemeClr val="dk1"/>
+                          </a:solidFill>
+                          <a:effectLst/>
+                          <a:latin typeface="+mn-lt"/>
+                          <a:ea typeface="+mn-ea"/>
+                          <a:cs typeface="+mn-cs"/>
+                        </a:rPr>
+                        <a:t>앱서버에서 처리 </a:t>
+                      </a:r>
+                      <a:r>
+                        <a:rPr lang="en-US" altLang="ko-KR" sz="1400" b="0" kern="1200">
+                          <a:solidFill>
+                            <a:schemeClr val="dk1"/>
+                          </a:solidFill>
+                          <a:effectLst/>
+                          <a:latin typeface="+mn-lt"/>
+                          <a:ea typeface="+mn-ea"/>
+                          <a:cs typeface="+mn-cs"/>
+                        </a:rPr>
+                        <a:t>(ODM)</a:t>
+                      </a:r>
+                    </a:p>
+                    <a:p>
+                      <a:pPr marL="0" marR="0" lvl="0" indent="0" algn="l" defTabSz="914400" rtl="0" eaLnBrk="1" fontAlgn="auto" latinLnBrk="1" hangingPunct="1">
+                        <a:lnSpc>
+                          <a:spcPct val="100000"/>
+                        </a:lnSpc>
+                        <a:spcBef>
+                          <a:spcPts val="0"/>
+                        </a:spcBef>
+                        <a:spcAft>
+                          <a:spcPts val="0"/>
+                        </a:spcAft>
+                        <a:buClrTx/>
+                        <a:buSzTx/>
+                        <a:buFontTx/>
+                        <a:buNone/>
+                        <a:tabLst/>
+                        <a:defRPr/>
+                      </a:pPr>
+                      <a:r>
+                        <a:rPr lang="ko-KR" altLang="en-US" sz="1400" b="0" kern="1200">
+                          <a:solidFill>
+                            <a:schemeClr val="dk1"/>
+                          </a:solidFill>
+                          <a:effectLst/>
+                          <a:latin typeface="+mn-lt"/>
+                          <a:ea typeface="+mn-ea"/>
+                          <a:cs typeface="+mn-cs"/>
+                        </a:rPr>
+                        <a:t>앱서버의 자원을 소모</a:t>
+                      </a:r>
+                      <a:endParaRPr lang="en-US" altLang="ko-KR" sz="1400" b="0" kern="1200">
+                        <a:solidFill>
+                          <a:schemeClr val="dk1"/>
+                        </a:solidFill>
+                        <a:effectLst/>
+                        <a:latin typeface="+mn-lt"/>
+                        <a:ea typeface="+mn-ea"/>
+                        <a:cs typeface="+mn-cs"/>
+                      </a:endParaRPr>
+                    </a:p>
+                  </a:txBody>
+                  <a:tcPr>
+                    <a:lnL w="12700" cap="flat" cmpd="sng" algn="ctr">
+                      <a:solidFill>
+                        <a:schemeClr val="tx1"/>
+                      </a:solidFill>
+                      <a:prstDash val="solid"/>
+                      <a:round/>
+                      <a:headEnd type="none" w="med" len="med"/>
+                      <a:tailEnd type="none" w="med" len="med"/>
+                    </a:lnL>
+                    <a:lnR w="12700" cap="flat" cmpd="sng" algn="ctr">
+                      <a:solidFill>
+                        <a:schemeClr val="tx1"/>
+                      </a:solidFill>
+                      <a:prstDash val="solid"/>
+                      <a:round/>
+                      <a:headEnd type="none" w="med" len="med"/>
+                      <a:tailEnd type="none" w="med" len="med"/>
+                    </a:lnR>
+                    <a:lnT w="12700" cap="flat" cmpd="sng" algn="ctr">
+                      <a:solidFill>
+                        <a:schemeClr val="tx1"/>
+                      </a:solidFill>
+                      <a:prstDash val="solid"/>
+                      <a:round/>
+                      <a:headEnd type="none" w="med" len="med"/>
+                      <a:tailEnd type="none" w="med" len="med"/>
+                    </a:lnT>
+                    <a:lnB w="12700" cap="flat" cmpd="sng" algn="ctr">
+                      <a:solidFill>
+                        <a:schemeClr val="tx1"/>
+                      </a:solidFill>
+                      <a:prstDash val="solid"/>
+                      <a:round/>
+                      <a:headEnd type="none" w="med" len="med"/>
+                      <a:tailEnd type="none" w="med" len="med"/>
+                    </a:lnB>
+                    <a:noFill/>
+                  </a:tcPr>
+                </a:tc>
+                <a:extLst>
+                  <a:ext uri="{0D108BD9-81ED-4DB2-BD59-A6C34878D82A}">
+                    <a16:rowId xmlns:a16="http://schemas.microsoft.com/office/drawing/2014/main" val="632219432"/>
+                  </a:ext>
+                </a:extLst>
+              </a:tr>
+              <a:tr h="370840">
+                <a:tc>
+                  <a:txBody>
+                    <a:bodyPr/>
+                    <a:lstStyle/>
+                    <a:p>
+                      <a:pPr latinLnBrk="1"/>
+                      <a:r>
+                        <a:rPr lang="ko-KR" altLang="en-US" sz="1400">
+                          <a:solidFill>
+                            <a:schemeClr val="tx1"/>
+                          </a:solidFill>
+                        </a:rPr>
+                        <a:t>결론</a:t>
+                      </a:r>
+                    </a:p>
+                  </a:txBody>
+                  <a:tcPr anchor="ctr">
+                    <a:lnL w="12700" cap="flat" cmpd="sng" algn="ctr">
+                      <a:solidFill>
+                        <a:schemeClr val="tx1"/>
+                      </a:solidFill>
+                      <a:prstDash val="solid"/>
+                      <a:round/>
+                      <a:headEnd type="none" w="med" len="med"/>
+                      <a:tailEnd type="none" w="med" len="med"/>
+                    </a:lnL>
+                    <a:lnR w="12700" cap="flat" cmpd="sng" algn="ctr">
+                      <a:solidFill>
+                        <a:schemeClr val="tx1"/>
+                      </a:solidFill>
+                      <a:prstDash val="solid"/>
+                      <a:round/>
+                      <a:headEnd type="none" w="med" len="med"/>
+                      <a:tailEnd type="none" w="med" len="med"/>
+                    </a:lnR>
+                    <a:lnT w="12700" cap="flat" cmpd="sng" algn="ctr">
+                      <a:solidFill>
+                        <a:schemeClr val="tx1"/>
+                      </a:solidFill>
+                      <a:prstDash val="solid"/>
+                      <a:round/>
+                      <a:headEnd type="none" w="med" len="med"/>
+                      <a:tailEnd type="none" w="med" len="med"/>
+                    </a:lnT>
+                    <a:lnB w="12700" cap="flat" cmpd="sng" algn="ctr">
+                      <a:solidFill>
+                        <a:schemeClr val="tx1"/>
+                      </a:solidFill>
+                      <a:prstDash val="solid"/>
+                      <a:round/>
+                      <a:headEnd type="none" w="med" len="med"/>
+                      <a:tailEnd type="none" w="med" len="med"/>
+                    </a:lnB>
+                    <a:noFill/>
+                  </a:tcPr>
+                </a:tc>
+                <a:tc>
+                  <a:txBody>
+                    <a:bodyPr/>
+                    <a:lstStyle/>
+                    <a:p>
+                      <a:pPr marL="0" marR="0" lvl="0" indent="0" algn="l" defTabSz="914400" rtl="0" eaLnBrk="1" fontAlgn="auto" latinLnBrk="1" hangingPunct="1">
+                        <a:lnSpc>
+                          <a:spcPct val="100000"/>
+                        </a:lnSpc>
+                        <a:spcBef>
+                          <a:spcPts val="0"/>
+                        </a:spcBef>
+                        <a:spcAft>
+                          <a:spcPts val="0"/>
+                        </a:spcAft>
+                        <a:buClrTx/>
+                        <a:buSzTx/>
+                        <a:buFontTx/>
+                        <a:buNone/>
+                        <a:tabLst/>
+                        <a:defRPr/>
+                      </a:pPr>
+                      <a:r>
+                        <a:rPr lang="ko-KR" altLang="en-US" sz="1400" b="0" kern="1200">
+                          <a:solidFill>
+                            <a:schemeClr val="dk1"/>
+                          </a:solidFill>
+                          <a:effectLst/>
+                          <a:latin typeface="+mn-lt"/>
+                          <a:ea typeface="+mn-ea"/>
+                          <a:cs typeface="+mn-cs"/>
+                        </a:rPr>
+                        <a:t>일관성이 요구되는 테이블에 사용</a:t>
+                      </a:r>
+                      <a:endParaRPr lang="en-US" altLang="ko-KR" sz="1400" b="0" kern="1200">
+                        <a:solidFill>
+                          <a:schemeClr val="dk1"/>
+                        </a:solidFill>
+                        <a:effectLst/>
+                        <a:latin typeface="+mn-lt"/>
+                        <a:ea typeface="+mn-ea"/>
+                        <a:cs typeface="+mn-cs"/>
+                      </a:endParaRPr>
+                    </a:p>
+                  </a:txBody>
+                  <a:tcPr>
+                    <a:lnL w="12700" cap="flat" cmpd="sng" algn="ctr">
+                      <a:solidFill>
+                        <a:schemeClr val="tx1"/>
+                      </a:solidFill>
+                      <a:prstDash val="solid"/>
+                      <a:round/>
+                      <a:headEnd type="none" w="med" len="med"/>
+                      <a:tailEnd type="none" w="med" len="med"/>
+                    </a:lnL>
+                    <a:lnR w="12700" cap="flat" cmpd="sng" algn="ctr">
+                      <a:solidFill>
+                        <a:schemeClr val="tx1"/>
+                      </a:solidFill>
+                      <a:prstDash val="solid"/>
+                      <a:round/>
+                      <a:headEnd type="none" w="med" len="med"/>
+                      <a:tailEnd type="none" w="med" len="med"/>
+                    </a:lnR>
+                    <a:lnT w="12700" cap="flat" cmpd="sng" algn="ctr">
+                      <a:solidFill>
+                        <a:schemeClr val="tx1"/>
+                      </a:solidFill>
+                      <a:prstDash val="solid"/>
+                      <a:round/>
+                      <a:headEnd type="none" w="med" len="med"/>
+                      <a:tailEnd type="none" w="med" len="med"/>
+                    </a:lnT>
+                    <a:lnB w="12700" cap="flat" cmpd="sng" algn="ctr">
+                      <a:solidFill>
+                        <a:schemeClr val="tx1"/>
+                      </a:solidFill>
+                      <a:prstDash val="solid"/>
+                      <a:round/>
+                      <a:headEnd type="none" w="med" len="med"/>
+                      <a:tailEnd type="none" w="med" len="med"/>
+                    </a:lnB>
+                    <a:noFill/>
+                  </a:tcPr>
+                </a:tc>
+                <a:tc>
+                  <a:txBody>
+                    <a:bodyPr/>
+                    <a:lstStyle/>
+                    <a:p>
+                      <a:pPr marL="0" marR="0" lvl="0" indent="0" algn="l" defTabSz="914400" rtl="0" eaLnBrk="1" fontAlgn="auto" latinLnBrk="1" hangingPunct="1">
+                        <a:lnSpc>
+                          <a:spcPct val="100000"/>
+                        </a:lnSpc>
+                        <a:spcBef>
+                          <a:spcPts val="0"/>
+                        </a:spcBef>
+                        <a:spcAft>
+                          <a:spcPts val="0"/>
+                        </a:spcAft>
+                        <a:buClrTx/>
+                        <a:buSzTx/>
+                        <a:buFontTx/>
+                        <a:buNone/>
+                        <a:tabLst/>
+                        <a:defRPr/>
+                      </a:pPr>
+                      <a:r>
+                        <a:rPr lang="en-US" altLang="ko-KR" sz="1400" b="0" kern="1200">
+                          <a:solidFill>
+                            <a:schemeClr val="dk1"/>
+                          </a:solidFill>
+                          <a:effectLst/>
+                          <a:latin typeface="+mn-lt"/>
+                          <a:ea typeface="+mn-ea"/>
+                          <a:cs typeface="+mn-cs"/>
+                        </a:rPr>
+                        <a:t>- </a:t>
+                      </a:r>
+                      <a:r>
+                        <a:rPr lang="ko-KR" altLang="en-US" sz="1400" b="0" kern="1200">
+                          <a:solidFill>
+                            <a:schemeClr val="dk1"/>
+                          </a:solidFill>
+                          <a:effectLst/>
+                          <a:latin typeface="+mn-lt"/>
+                          <a:ea typeface="+mn-ea"/>
+                          <a:cs typeface="+mn-cs"/>
+                        </a:rPr>
+                        <a:t>일관성이 요구되지 않거나 </a:t>
+                      </a:r>
+                      <a:r>
+                        <a:rPr lang="en-US" altLang="ko-KR" sz="1400" b="0" kern="1200">
+                          <a:solidFill>
+                            <a:schemeClr val="dk1"/>
+                          </a:solidFill>
+                          <a:effectLst/>
+                          <a:latin typeface="+mn-lt"/>
+                          <a:ea typeface="+mn-ea"/>
+                          <a:cs typeface="+mn-cs"/>
+                        </a:rPr>
+                        <a:t>(</a:t>
+                      </a:r>
+                      <a:r>
+                        <a:rPr lang="ko-KR" altLang="en-US" sz="1400" b="0" kern="1200">
+                          <a:solidFill>
+                            <a:schemeClr val="dk1"/>
+                          </a:solidFill>
+                          <a:effectLst/>
+                          <a:latin typeface="+mn-lt"/>
+                          <a:ea typeface="+mn-ea"/>
+                          <a:cs typeface="+mn-cs"/>
+                        </a:rPr>
+                        <a:t>자주 바뀌지않는다</a:t>
+                      </a:r>
+                      <a:r>
+                        <a:rPr lang="en-US" altLang="ko-KR" sz="1400" b="0" kern="1200">
+                          <a:solidFill>
+                            <a:schemeClr val="dk1"/>
+                          </a:solidFill>
+                          <a:effectLst/>
+                          <a:latin typeface="+mn-lt"/>
+                          <a:ea typeface="+mn-ea"/>
+                          <a:cs typeface="+mn-cs"/>
+                        </a:rPr>
+                        <a:t>)</a:t>
+                      </a:r>
+                      <a:br>
+                        <a:rPr lang="en-US" altLang="ko-KR" sz="1400" b="0" kern="1200">
+                          <a:solidFill>
+                            <a:schemeClr val="dk1"/>
+                          </a:solidFill>
+                          <a:effectLst/>
+                          <a:latin typeface="+mn-lt"/>
+                          <a:ea typeface="+mn-ea"/>
+                          <a:cs typeface="+mn-cs"/>
+                        </a:rPr>
+                      </a:br>
+                      <a:r>
+                        <a:rPr lang="en-US" altLang="ko-KR" sz="1400" b="0" kern="1200">
+                          <a:solidFill>
+                            <a:schemeClr val="dk1"/>
+                          </a:solidFill>
+                          <a:effectLst/>
+                          <a:latin typeface="+mn-lt"/>
+                          <a:ea typeface="+mn-ea"/>
+                          <a:cs typeface="+mn-cs"/>
+                        </a:rPr>
+                        <a:t>- </a:t>
+                      </a:r>
+                      <a:r>
+                        <a:rPr lang="ko-KR" altLang="en-US" sz="1400" b="0" kern="1200">
+                          <a:solidFill>
+                            <a:schemeClr val="dk1"/>
+                          </a:solidFill>
+                          <a:effectLst/>
+                          <a:latin typeface="+mn-lt"/>
+                          <a:ea typeface="+mn-ea"/>
+                          <a:cs typeface="+mn-cs"/>
+                        </a:rPr>
+                        <a:t>큰 데이터를 가진 테이블에 사용</a:t>
+                      </a:r>
+                      <a:endParaRPr lang="en-US" altLang="ko-KR" sz="1400" b="0" kern="1200">
+                        <a:solidFill>
+                          <a:schemeClr val="dk1"/>
+                        </a:solidFill>
+                        <a:effectLst/>
+                        <a:latin typeface="+mn-lt"/>
+                        <a:ea typeface="+mn-ea"/>
+                        <a:cs typeface="+mn-cs"/>
+                      </a:endParaRPr>
+                    </a:p>
+                  </a:txBody>
+                  <a:tcPr>
+                    <a:lnL w="12700" cap="flat" cmpd="sng" algn="ctr">
+                      <a:solidFill>
+                        <a:schemeClr val="tx1"/>
+                      </a:solidFill>
+                      <a:prstDash val="solid"/>
+                      <a:round/>
+                      <a:headEnd type="none" w="med" len="med"/>
+                      <a:tailEnd type="none" w="med" len="med"/>
+                    </a:lnL>
+                    <a:lnR w="12700" cap="flat" cmpd="sng" algn="ctr">
+                      <a:solidFill>
+                        <a:schemeClr val="tx1"/>
+                      </a:solidFill>
+                      <a:prstDash val="solid"/>
+                      <a:round/>
+                      <a:headEnd type="none" w="med" len="med"/>
+                      <a:tailEnd type="none" w="med" len="med"/>
+                    </a:lnR>
+                    <a:lnT w="12700" cap="flat" cmpd="sng" algn="ctr">
+                      <a:solidFill>
+                        <a:schemeClr val="tx1"/>
+                      </a:solidFill>
+                      <a:prstDash val="solid"/>
+                      <a:round/>
+                      <a:headEnd type="none" w="med" len="med"/>
+                      <a:tailEnd type="none" w="med" len="med"/>
+                    </a:lnT>
+                    <a:lnB w="12700" cap="flat" cmpd="sng" algn="ctr">
+                      <a:solidFill>
+                        <a:schemeClr val="tx1"/>
+                      </a:solidFill>
+                      <a:prstDash val="solid"/>
+                      <a:round/>
+                      <a:headEnd type="none" w="med" len="med"/>
+                      <a:tailEnd type="none" w="med" len="med"/>
+                    </a:lnB>
+                    <a:noFill/>
+                  </a:tcPr>
+                </a:tc>
+                <a:extLst>
+                  <a:ext uri="{0D108BD9-81ED-4DB2-BD59-A6C34878D82A}">
+                    <a16:rowId xmlns:a16="http://schemas.microsoft.com/office/drawing/2014/main" val="2489617434"/>
+                  </a:ext>
+                </a:extLst>
+              </a:tr>
+            </a:tbl>
+          </a:graphicData>
+        </a:graphic>
+      </p:graphicFrame>
       <p:pic>
         <p:nvPicPr>
-          <p:cNvPr id="4" name="그림 3">
+          <p:cNvPr id="8" name="그림 7">
             <a:extLst>
               <a:ext uri="{FF2B5EF4-FFF2-40B4-BE49-F238E27FC236}">
-                <a16:creationId xmlns:a16="http://schemas.microsoft.com/office/drawing/2014/main" id="{0261B0F8-C185-9B77-8FBC-ABE2C0798C5C}"/>
+                <a16:creationId xmlns:a16="http://schemas.microsoft.com/office/drawing/2014/main" id="{E3F098F8-98FD-1083-7118-6263CEBCF80F}"/>
               </a:ext>
             </a:extLst>
           </p:cNvPr>
@@ -7200,14 +8904,150 @@
         </p:blipFill>
         <p:spPr>
           <a:xfrm>
-            <a:off x="575556" y="1410264"/>
-            <a:ext cx="7725853" cy="1876687"/>
+            <a:off x="7059344" y="4216484"/>
+            <a:ext cx="2084656" cy="2641516"/>
           </a:xfrm>
           <a:prstGeom prst="rect">
             <a:avLst/>
           </a:prstGeom>
         </p:spPr>
       </p:pic>
+      <p:pic>
+        <p:nvPicPr>
+          <p:cNvPr id="4" name="그림 3">
+            <a:extLst>
+              <a:ext uri="{FF2B5EF4-FFF2-40B4-BE49-F238E27FC236}">
+                <a16:creationId xmlns:a16="http://schemas.microsoft.com/office/drawing/2014/main" id="{6F37B307-4B6F-9CA3-263B-B417D930EBBA}"/>
+              </a:ext>
+            </a:extLst>
+          </p:cNvPr>
+          <p:cNvPicPr>
+            <a:picLocks noChangeAspect="1"/>
+          </p:cNvPicPr>
+          <p:nvPr/>
+        </p:nvPicPr>
+        <p:blipFill>
+          <a:blip r:embed="rId3"/>
+          <a:stretch>
+            <a:fillRect/>
+          </a:stretch>
+        </p:blipFill>
+        <p:spPr>
+          <a:xfrm>
+            <a:off x="2911100" y="4287455"/>
+            <a:ext cx="1736999" cy="2430275"/>
+          </a:xfrm>
+          <a:prstGeom prst="rect">
+            <a:avLst/>
+          </a:prstGeom>
+        </p:spPr>
+      </p:pic>
+      <p:pic>
+        <p:nvPicPr>
+          <p:cNvPr id="12" name="그림 11">
+            <a:extLst>
+              <a:ext uri="{FF2B5EF4-FFF2-40B4-BE49-F238E27FC236}">
+                <a16:creationId xmlns:a16="http://schemas.microsoft.com/office/drawing/2014/main" id="{C4DC58BD-F8D2-7E7F-5BD1-BAB08DD7B314}"/>
+              </a:ext>
+            </a:extLst>
+          </p:cNvPr>
+          <p:cNvPicPr>
+            <a:picLocks noChangeAspect="1"/>
+          </p:cNvPicPr>
+          <p:nvPr/>
+        </p:nvPicPr>
+        <p:blipFill>
+          <a:blip r:embed="rId4"/>
+          <a:stretch>
+            <a:fillRect/>
+          </a:stretch>
+        </p:blipFill>
+        <p:spPr>
+          <a:xfrm>
+            <a:off x="5121775" y="4422745"/>
+            <a:ext cx="1897989" cy="1283256"/>
+          </a:xfrm>
+          <a:prstGeom prst="rect">
+            <a:avLst/>
+          </a:prstGeom>
+        </p:spPr>
+      </p:pic>
+      <p:pic>
+        <p:nvPicPr>
+          <p:cNvPr id="14" name="그림 13">
+            <a:extLst>
+              <a:ext uri="{FF2B5EF4-FFF2-40B4-BE49-F238E27FC236}">
+                <a16:creationId xmlns:a16="http://schemas.microsoft.com/office/drawing/2014/main" id="{792F7FFB-D13B-E221-831D-88CF4A969EF7}"/>
+              </a:ext>
+            </a:extLst>
+          </p:cNvPr>
+          <p:cNvPicPr>
+            <a:picLocks noChangeAspect="1"/>
+          </p:cNvPicPr>
+          <p:nvPr/>
+        </p:nvPicPr>
+        <p:blipFill>
+          <a:blip r:embed="rId5"/>
+          <a:stretch>
+            <a:fillRect/>
+          </a:stretch>
+        </p:blipFill>
+        <p:spPr>
+          <a:xfrm>
+            <a:off x="795953" y="4428072"/>
+            <a:ext cx="1897989" cy="1277929"/>
+          </a:xfrm>
+          <a:prstGeom prst="rect">
+            <a:avLst/>
+          </a:prstGeom>
+        </p:spPr>
+      </p:pic>
+      <p:cxnSp>
+        <p:nvCxnSpPr>
+          <p:cNvPr id="16" name="직선 연결선 15">
+            <a:extLst>
+              <a:ext uri="{FF2B5EF4-FFF2-40B4-BE49-F238E27FC236}">
+                <a16:creationId xmlns:a16="http://schemas.microsoft.com/office/drawing/2014/main" id="{4BCCFEA6-7ABD-0782-90B6-4862CD7C7BCE}"/>
+              </a:ext>
+            </a:extLst>
+          </p:cNvPr>
+          <p:cNvCxnSpPr/>
+          <p:nvPr/>
+        </p:nvCxnSpPr>
+        <p:spPr bwMode="auto">
+          <a:xfrm>
+            <a:off x="4932040" y="4287455"/>
+            <a:ext cx="0" cy="2525921"/>
+          </a:xfrm>
+          <a:prstGeom prst="line">
+            <a:avLst/>
+          </a:prstGeom>
+          <a:solidFill>
+            <a:schemeClr val="accent1"/>
+          </a:solidFill>
+          <a:ln w="9525" cap="flat" cmpd="sng" algn="ctr">
+            <a:solidFill>
+              <a:schemeClr val="tx1"/>
+            </a:solidFill>
+            <a:prstDash val="solid"/>
+            <a:round/>
+            <a:headEnd type="none" w="med" len="med"/>
+            <a:tailEnd type="none" w="med" len="med"/>
+          </a:ln>
+          <a:effectLst/>
+          <a:extLst>
+            <a:ext uri="{AF507438-7753-43E0-B8FC-AC1667EBCBE1}">
+              <a14:hiddenEffects xmlns:a14="http://schemas.microsoft.com/office/drawing/2010/main">
+                <a:effectLst>
+                  <a:outerShdw dist="35921" dir="2700000" algn="ctr" rotWithShape="0">
+                    <a:schemeClr val="bg2"/>
+                  </a:outerShdw>
+                </a:effectLst>
+              </a14:hiddenEffects>
+            </a:ext>
+          </a:extLst>
+        </p:spPr>
+      </p:cxnSp>
     </p:spTree>
     <p:extLst>
       <p:ext uri="{BB962C8B-B14F-4D97-AF65-F5344CB8AC3E}">
@@ -7218,10 +9058,184 @@
   <p:clrMapOvr>
     <a:masterClrMapping/>
   </p:clrMapOvr>
+  <p:timing>
+    <p:tnLst>
+      <p:par>
+        <p:cTn id="1" dur="indefinite" restart="never" nodeType="tmRoot">
+          <p:childTnLst>
+            <p:seq concurrent="1" nextAc="seek">
+              <p:cTn id="2" dur="indefinite" nodeType="mainSeq">
+                <p:childTnLst>
+                  <p:par>
+                    <p:cTn id="3" fill="hold">
+                      <p:stCondLst>
+                        <p:cond delay="indefinite"/>
+                      </p:stCondLst>
+                      <p:childTnLst>
+                        <p:par>
+                          <p:cTn id="4" fill="hold">
+                            <p:stCondLst>
+                              <p:cond delay="0"/>
+                            </p:stCondLst>
+                            <p:childTnLst>
+                              <p:par>
+                                <p:cTn id="5" presetID="1" presetClass="entr" presetSubtype="0" fill="hold" nodeType="clickEffect">
+                                  <p:stCondLst>
+                                    <p:cond delay="0"/>
+                                  </p:stCondLst>
+                                  <p:childTnLst>
+                                    <p:set>
+                                      <p:cBhvr>
+                                        <p:cTn id="6" dur="1" fill="hold">
+                                          <p:stCondLst>
+                                            <p:cond delay="0"/>
+                                          </p:stCondLst>
+                                        </p:cTn>
+                                        <p:tgtEl>
+                                          <p:spTgt spid="14"/>
+                                        </p:tgtEl>
+                                        <p:attrNameLst>
+                                          <p:attrName>style.visibility</p:attrName>
+                                        </p:attrNameLst>
+                                      </p:cBhvr>
+                                      <p:to>
+                                        <p:strVal val="visible"/>
+                                      </p:to>
+                                    </p:set>
+                                  </p:childTnLst>
+                                </p:cTn>
+                              </p:par>
+                              <p:par>
+                                <p:cTn id="7" presetID="1" presetClass="entr" presetSubtype="0" fill="hold" nodeType="withEffect">
+                                  <p:stCondLst>
+                                    <p:cond delay="0"/>
+                                  </p:stCondLst>
+                                  <p:childTnLst>
+                                    <p:set>
+                                      <p:cBhvr>
+                                        <p:cTn id="8" dur="1" fill="hold">
+                                          <p:stCondLst>
+                                            <p:cond delay="0"/>
+                                          </p:stCondLst>
+                                        </p:cTn>
+                                        <p:tgtEl>
+                                          <p:spTgt spid="4"/>
+                                        </p:tgtEl>
+                                        <p:attrNameLst>
+                                          <p:attrName>style.visibility</p:attrName>
+                                        </p:attrNameLst>
+                                      </p:cBhvr>
+                                      <p:to>
+                                        <p:strVal val="visible"/>
+                                      </p:to>
+                                    </p:set>
+                                  </p:childTnLst>
+                                </p:cTn>
+                              </p:par>
+                            </p:childTnLst>
+                          </p:cTn>
+                        </p:par>
+                      </p:childTnLst>
+                    </p:cTn>
+                  </p:par>
+                  <p:par>
+                    <p:cTn id="9" fill="hold">
+                      <p:stCondLst>
+                        <p:cond delay="indefinite"/>
+                      </p:stCondLst>
+                      <p:childTnLst>
+                        <p:par>
+                          <p:cTn id="10" fill="hold">
+                            <p:stCondLst>
+                              <p:cond delay="0"/>
+                            </p:stCondLst>
+                            <p:childTnLst>
+                              <p:par>
+                                <p:cTn id="11" presetID="1" presetClass="entr" presetSubtype="0" fill="hold" nodeType="clickEffect">
+                                  <p:stCondLst>
+                                    <p:cond delay="0"/>
+                                  </p:stCondLst>
+                                  <p:childTnLst>
+                                    <p:set>
+                                      <p:cBhvr>
+                                        <p:cTn id="12" dur="1" fill="hold">
+                                          <p:stCondLst>
+                                            <p:cond delay="0"/>
+                                          </p:stCondLst>
+                                        </p:cTn>
+                                        <p:tgtEl>
+                                          <p:spTgt spid="12"/>
+                                        </p:tgtEl>
+                                        <p:attrNameLst>
+                                          <p:attrName>style.visibility</p:attrName>
+                                        </p:attrNameLst>
+                                      </p:cBhvr>
+                                      <p:to>
+                                        <p:strVal val="visible"/>
+                                      </p:to>
+                                    </p:set>
+                                  </p:childTnLst>
+                                </p:cTn>
+                              </p:par>
+                              <p:par>
+                                <p:cTn id="13" presetID="1" presetClass="entr" presetSubtype="0" fill="hold" nodeType="withEffect">
+                                  <p:stCondLst>
+                                    <p:cond delay="0"/>
+                                  </p:stCondLst>
+                                  <p:childTnLst>
+                                    <p:set>
+                                      <p:cBhvr>
+                                        <p:cTn id="14" dur="1" fill="hold">
+                                          <p:stCondLst>
+                                            <p:cond delay="0"/>
+                                          </p:stCondLst>
+                                        </p:cTn>
+                                        <p:tgtEl>
+                                          <p:spTgt spid="8"/>
+                                        </p:tgtEl>
+                                        <p:attrNameLst>
+                                          <p:attrName>style.visibility</p:attrName>
+                                        </p:attrNameLst>
+                                      </p:cBhvr>
+                                      <p:to>
+                                        <p:strVal val="visible"/>
+                                      </p:to>
+                                    </p:set>
+                                  </p:childTnLst>
+                                </p:cTn>
+                              </p:par>
+                            </p:childTnLst>
+                          </p:cTn>
+                        </p:par>
+                      </p:childTnLst>
+                    </p:cTn>
+                  </p:par>
+                </p:childTnLst>
+              </p:cTn>
+              <p:prevCondLst>
+                <p:cond evt="onPrev" delay="0">
+                  <p:tgtEl>
+                    <p:sldTgt/>
+                  </p:tgtEl>
+                </p:cond>
+              </p:prevCondLst>
+              <p:nextCondLst>
+                <p:cond evt="onNext" delay="0">
+                  <p:tgtEl>
+                    <p:sldTgt/>
+                  </p:tgtEl>
+                </p:cond>
+              </p:nextCondLst>
+            </p:seq>
+          </p:childTnLst>
+        </p:cTn>
+      </p:par>
+    </p:tnLst>
+  </p:timing>
 </p:sld>
 </file>
 
-<file path=ppt/slides/slide16.xml><?xml version="1.0" encoding="utf-8"?>
+<file path=ppt/slides/slide15.xml><?xml version="1.0" encoding="utf-8"?>
 <p:sld xmlns:a="http://schemas.openxmlformats.org/drawingml/2006/main" xmlns:r="http://schemas.openxmlformats.org/officeDocument/2006/relationships" xmlns:p="http://schemas.openxmlformats.org/presentationml/2006/main">
   <p:cSld>
     <p:spTree>
@@ -7869,7 +9883,7 @@
         </p:nvSpPr>
         <p:spPr>
           <a:xfrm>
-            <a:off x="606082" y="2593772"/>
+            <a:off x="606082" y="2564310"/>
             <a:ext cx="3270250" cy="369332"/>
           </a:xfrm>
           <a:prstGeom prst="rect">
@@ -7930,7 +9944,7 @@
         </p:nvGrpSpPr>
         <p:grpSpPr>
           <a:xfrm>
-            <a:off x="2422182" y="2543117"/>
+            <a:off x="2422182" y="2513655"/>
             <a:ext cx="7918450" cy="806150"/>
             <a:chOff x="2422182" y="2274905"/>
             <a:chExt cx="7918450" cy="806150"/>
@@ -8202,7 +10216,7 @@
                   <a:ea typeface="맑은 고딕" panose="020B0503020000020004" pitchFamily="50" charset="-127"/>
                   <a:cs typeface="Arial" panose="020B0604020202020204" pitchFamily="34" charset="0"/>
                 </a:rPr>
-                <a:t>사용 사례와 맺음말</a:t>
+                <a:t>사용 사례</a:t>
               </a:r>
               <a:endParaRPr lang="ko-KR" altLang="en-US" sz="1800" dirty="0">
                 <a:latin typeface="맑은 고딕" panose="020B0503020000020004" pitchFamily="50" charset="-127"/>
@@ -8257,11 +10271,30 @@
               <a:pPr defTabSz="720000" eaLnBrk="1" hangingPunct="1">
                 <a:defRPr/>
               </a:pPr>
-              <a:endParaRPr lang="ko-KR" altLang="en-US" sz="1400">
-                <a:latin typeface="맑은 고딕" panose="020B0503020000020004" pitchFamily="50" charset="-127"/>
-                <a:ea typeface="맑은 고딕" panose="020B0503020000020004" pitchFamily="50" charset="-127"/>
-                <a:cs typeface="Arial" panose="020B0604020202020204" pitchFamily="34" charset="0"/>
-              </a:endParaRPr>
+              <a:r>
+                <a:rPr lang="ko-KR" altLang="en-US" sz="1400">
+                  <a:latin typeface="맑은 고딕" panose="020B0503020000020004" pitchFamily="50" charset="-127"/>
+                  <a:ea typeface="맑은 고딕" panose="020B0503020000020004" pitchFamily="50" charset="-127"/>
+                  <a:cs typeface="Arial" panose="020B0604020202020204" pitchFamily="34" charset="0"/>
+                </a:rPr>
+                <a:t>정규화를 마친 졸업작품 </a:t>
+              </a:r>
+              <a:r>
+                <a:rPr lang="en-US" altLang="ko-KR" sz="1400">
+                  <a:latin typeface="맑은 고딕" panose="020B0503020000020004" pitchFamily="50" charset="-127"/>
+                  <a:ea typeface="맑은 고딕" panose="020B0503020000020004" pitchFamily="50" charset="-127"/>
+                  <a:cs typeface="Arial" panose="020B0604020202020204" pitchFamily="34" charset="0"/>
+                </a:rPr>
+                <a:t>ERD  /  </a:t>
+              </a:r>
+              <a:r>
+                <a:rPr lang="ko-KR" altLang="en-US" sz="1400">
+                  <a:latin typeface="맑은 고딕" panose="020B0503020000020004" pitchFamily="50" charset="-127"/>
+                  <a:ea typeface="맑은 고딕" panose="020B0503020000020004" pitchFamily="50" charset="-127"/>
+                  <a:cs typeface="Arial" panose="020B0604020202020204" pitchFamily="34" charset="0"/>
+                </a:rPr>
+                <a:t>논제</a:t>
+              </a:r>
             </a:p>
           </p:txBody>
         </p:sp>
@@ -9608,7 +11641,7 @@
                 <a:latin typeface="맑은 고딕" panose="020B0503020000020004" pitchFamily="50" charset="-127"/>
                 <a:ea typeface="맑은 고딕" panose="020B0503020000020004" pitchFamily="50" charset="-127"/>
               </a:rPr>
-              <a:t>테이블 설계에 도입해 나가는 작업</a:t>
+              <a:t>테이블 설계에 도입 해나가는 작업</a:t>
             </a:r>
             <a:endParaRPr lang="en-US" altLang="ko-KR" sz="1400">
               <a:solidFill>
@@ -10677,993 +12710,1460 @@
           </a:prstGeom>
         </p:spPr>
       </p:pic>
-      <p:sp>
-        <p:nvSpPr>
-          <p:cNvPr id="10" name="TextBox 9">
+      <p:graphicFrame>
+        <p:nvGraphicFramePr>
+          <p:cNvPr id="13" name="표 12">
             <a:extLst>
               <a:ext uri="{FF2B5EF4-FFF2-40B4-BE49-F238E27FC236}">
-                <a16:creationId xmlns:a16="http://schemas.microsoft.com/office/drawing/2014/main" id="{2094B9D4-1772-741A-8D1A-6976712C43AC}"/>
+                <a16:creationId xmlns:a16="http://schemas.microsoft.com/office/drawing/2014/main" id="{5C551191-C555-2FCC-9267-A26D3E5850B4}"/>
               </a:ext>
             </a:extLst>
           </p:cNvPr>
-          <p:cNvSpPr txBox="1">
-            <a:spLocks noChangeArrowheads="1"/>
-          </p:cNvSpPr>
-          <p:nvPr/>
-        </p:nvSpPr>
-        <p:spPr bwMode="auto">
-          <a:xfrm>
-            <a:off x="4726392" y="2453561"/>
-            <a:ext cx="4382112" cy="1169551"/>
-          </a:xfrm>
-          <a:prstGeom prst="rect">
-            <a:avLst/>
-          </a:prstGeom>
-          <a:noFill/>
-          <a:ln>
-            <a:noFill/>
-          </a:ln>
-          <a:extLst>
-            <a:ext uri="{909E8E84-426E-40DD-AFC4-6F175D3DCCD1}">
-              <a14:hiddenFill xmlns:a14="http://schemas.microsoft.com/office/drawing/2010/main">
-                <a:solidFill>
-                  <a:srgbClr val="FFFFFF"/>
-                </a:solidFill>
-              </a14:hiddenFill>
-            </a:ext>
-            <a:ext uri="{91240B29-F687-4F45-9708-019B960494DF}">
-              <a14:hiddenLine xmlns:a14="http://schemas.microsoft.com/office/drawing/2010/main" w="9525">
-                <a:solidFill>
-                  <a:srgbClr val="000000"/>
-                </a:solidFill>
-                <a:miter lim="800000"/>
-                <a:headEnd/>
-                <a:tailEnd/>
-              </a14:hiddenLine>
-            </a:ext>
-          </a:extLst>
-        </p:spPr>
-        <p:txBody>
-          <a:bodyPr wrap="square">
-            <a:spAutoFit/>
-          </a:bodyPr>
-          <a:lstStyle>
-            <a:lvl1pPr>
-              <a:spcBef>
-                <a:spcPct val="20000"/>
-              </a:spcBef>
-              <a:buChar char="•"/>
-              <a:defRPr sz="3200">
-                <a:solidFill>
-                  <a:schemeClr val="tx1"/>
-                </a:solidFill>
-                <a:latin typeface="Arial" panose="020B0604020202020204" pitchFamily="34" charset="0"/>
-                <a:ea typeface="Arial Unicode MS" panose="020B0604020202020204" pitchFamily="50" charset="-127"/>
-                <a:cs typeface="Arial" panose="020B0604020202020204" pitchFamily="34" charset="0"/>
-              </a:defRPr>
-            </a:lvl1pPr>
-            <a:lvl2pPr marL="742950" indent="-285750">
-              <a:spcBef>
-                <a:spcPct val="20000"/>
-              </a:spcBef>
-              <a:buChar char="–"/>
-              <a:defRPr sz="2800">
-                <a:solidFill>
-                  <a:schemeClr val="tx1"/>
-                </a:solidFill>
-                <a:latin typeface="Arial" panose="020B0604020202020204" pitchFamily="34" charset="0"/>
-                <a:ea typeface="Arial Unicode MS" panose="020B0604020202020204" pitchFamily="50" charset="-127"/>
-                <a:cs typeface="Arial" panose="020B0604020202020204" pitchFamily="34" charset="0"/>
-              </a:defRPr>
-            </a:lvl2pPr>
-            <a:lvl3pPr marL="1143000" indent="-228600">
-              <a:spcBef>
-                <a:spcPct val="20000"/>
-              </a:spcBef>
-              <a:buChar char="•"/>
-              <a:defRPr sz="2400">
-                <a:solidFill>
-                  <a:schemeClr val="tx1"/>
-                </a:solidFill>
-                <a:latin typeface="Arial" panose="020B0604020202020204" pitchFamily="34" charset="0"/>
-                <a:ea typeface="Arial Unicode MS" panose="020B0604020202020204" pitchFamily="50" charset="-127"/>
-                <a:cs typeface="Arial" panose="020B0604020202020204" pitchFamily="34" charset="0"/>
-              </a:defRPr>
-            </a:lvl3pPr>
-            <a:lvl4pPr marL="1600200" indent="-228600">
-              <a:spcBef>
-                <a:spcPct val="20000"/>
-              </a:spcBef>
-              <a:buChar char="–"/>
-              <a:defRPr sz="2000">
-                <a:solidFill>
-                  <a:schemeClr val="tx1"/>
-                </a:solidFill>
-                <a:latin typeface="Arial" panose="020B0604020202020204" pitchFamily="34" charset="0"/>
-                <a:ea typeface="Arial Unicode MS" panose="020B0604020202020204" pitchFamily="50" charset="-127"/>
-                <a:cs typeface="Arial" panose="020B0604020202020204" pitchFamily="34" charset="0"/>
-              </a:defRPr>
-            </a:lvl4pPr>
-            <a:lvl5pPr marL="2057400" indent="-228600">
-              <a:spcBef>
-                <a:spcPct val="20000"/>
-              </a:spcBef>
-              <a:buChar char="»"/>
-              <a:defRPr sz="2000">
-                <a:solidFill>
-                  <a:schemeClr val="tx1"/>
-                </a:solidFill>
-                <a:latin typeface="Arial" panose="020B0604020202020204" pitchFamily="34" charset="0"/>
-                <a:ea typeface="Arial Unicode MS" panose="020B0604020202020204" pitchFamily="50" charset="-127"/>
-                <a:cs typeface="Arial" panose="020B0604020202020204" pitchFamily="34" charset="0"/>
-              </a:defRPr>
-            </a:lvl5pPr>
-            <a:lvl6pPr marL="2514600" indent="-228600" eaLnBrk="0" fontAlgn="base" hangingPunct="0">
-              <a:spcBef>
-                <a:spcPct val="20000"/>
-              </a:spcBef>
-              <a:spcAft>
-                <a:spcPct val="0"/>
-              </a:spcAft>
-              <a:buChar char="»"/>
-              <a:defRPr sz="2000">
-                <a:solidFill>
-                  <a:schemeClr val="tx1"/>
-                </a:solidFill>
-                <a:latin typeface="Arial" panose="020B0604020202020204" pitchFamily="34" charset="0"/>
-                <a:ea typeface="Arial Unicode MS" panose="020B0604020202020204" pitchFamily="50" charset="-127"/>
-                <a:cs typeface="Arial" panose="020B0604020202020204" pitchFamily="34" charset="0"/>
-              </a:defRPr>
-            </a:lvl6pPr>
-            <a:lvl7pPr marL="2971800" indent="-228600" eaLnBrk="0" fontAlgn="base" hangingPunct="0">
-              <a:spcBef>
-                <a:spcPct val="20000"/>
-              </a:spcBef>
-              <a:spcAft>
-                <a:spcPct val="0"/>
-              </a:spcAft>
-              <a:buChar char="»"/>
-              <a:defRPr sz="2000">
-                <a:solidFill>
-                  <a:schemeClr val="tx1"/>
-                </a:solidFill>
-                <a:latin typeface="Arial" panose="020B0604020202020204" pitchFamily="34" charset="0"/>
-                <a:ea typeface="Arial Unicode MS" panose="020B0604020202020204" pitchFamily="50" charset="-127"/>
-                <a:cs typeface="Arial" panose="020B0604020202020204" pitchFamily="34" charset="0"/>
-              </a:defRPr>
-            </a:lvl7pPr>
-            <a:lvl8pPr marL="3429000" indent="-228600" eaLnBrk="0" fontAlgn="base" hangingPunct="0">
-              <a:spcBef>
-                <a:spcPct val="20000"/>
-              </a:spcBef>
-              <a:spcAft>
-                <a:spcPct val="0"/>
-              </a:spcAft>
-              <a:buChar char="»"/>
-              <a:defRPr sz="2000">
-                <a:solidFill>
-                  <a:schemeClr val="tx1"/>
-                </a:solidFill>
-                <a:latin typeface="Arial" panose="020B0604020202020204" pitchFamily="34" charset="0"/>
-                <a:ea typeface="Arial Unicode MS" panose="020B0604020202020204" pitchFamily="50" charset="-127"/>
-                <a:cs typeface="Arial" panose="020B0604020202020204" pitchFamily="34" charset="0"/>
-              </a:defRPr>
-            </a:lvl8pPr>
-            <a:lvl9pPr marL="3886200" indent="-228600" eaLnBrk="0" fontAlgn="base" hangingPunct="0">
-              <a:spcBef>
-                <a:spcPct val="20000"/>
-              </a:spcBef>
-              <a:spcAft>
-                <a:spcPct val="0"/>
-              </a:spcAft>
-              <a:buChar char="»"/>
-              <a:defRPr sz="2000">
-                <a:solidFill>
-                  <a:schemeClr val="tx1"/>
-                </a:solidFill>
-                <a:latin typeface="Arial" panose="020B0604020202020204" pitchFamily="34" charset="0"/>
-                <a:ea typeface="Arial Unicode MS" panose="020B0604020202020204" pitchFamily="50" charset="-127"/>
-                <a:cs typeface="Arial" panose="020B0604020202020204" pitchFamily="34" charset="0"/>
-              </a:defRPr>
-            </a:lvl9pPr>
-          </a:lstStyle>
-          <a:p>
-            <a:pPr marL="180000" indent="-457200" eaLnBrk="1" hangingPunct="1">
-              <a:spcBef>
-                <a:spcPct val="0"/>
-              </a:spcBef>
-              <a:buNone/>
-            </a:pPr>
-            <a:r>
-              <a:rPr lang="ko-KR" altLang="en-US" sz="1400" b="1">
-                <a:solidFill>
-                  <a:srgbClr val="000000"/>
-                </a:solidFill>
-                <a:latin typeface="맑은 고딕" panose="020B0503020000020004" pitchFamily="50" charset="-127"/>
-                <a:ea typeface="맑은 고딕" panose="020B0503020000020004" pitchFamily="50" charset="-127"/>
-              </a:rPr>
-              <a:t>삽입 이상</a:t>
-            </a:r>
-            <a:endParaRPr lang="en-US" altLang="ko-KR" sz="1400" b="1">
-              <a:solidFill>
-                <a:srgbClr val="000000"/>
-              </a:solidFill>
-              <a:latin typeface="맑은 고딕" panose="020B0503020000020004" pitchFamily="50" charset="-127"/>
-              <a:ea typeface="맑은 고딕" panose="020B0503020000020004" pitchFamily="50" charset="-127"/>
-            </a:endParaRPr>
-          </a:p>
-          <a:p>
-            <a:pPr marL="180000" indent="-457200" eaLnBrk="1" hangingPunct="1">
-              <a:spcBef>
-                <a:spcPct val="0"/>
-              </a:spcBef>
-              <a:buNone/>
-            </a:pPr>
-            <a:r>
-              <a:rPr lang="en-US" altLang="ko-KR" sz="1400">
-                <a:solidFill>
-                  <a:srgbClr val="000000"/>
-                </a:solidFill>
-                <a:latin typeface="맑은 고딕" panose="020B0503020000020004" pitchFamily="50" charset="-127"/>
-                <a:ea typeface="맑은 고딕" panose="020B0503020000020004" pitchFamily="50" charset="-127"/>
-              </a:rPr>
-              <a:t>: </a:t>
-            </a:r>
-            <a:r>
-              <a:rPr lang="ko-KR" altLang="en-US" sz="1400">
-                <a:solidFill>
-                  <a:srgbClr val="000000"/>
-                </a:solidFill>
-                <a:latin typeface="맑은 고딕" panose="020B0503020000020004" pitchFamily="50" charset="-127"/>
-                <a:ea typeface="맑은 고딕" panose="020B0503020000020004" pitchFamily="50" charset="-127"/>
-              </a:rPr>
-              <a:t>원하지 않는 정보까지 함께 삽입해야만 하는 현상</a:t>
-            </a:r>
-            <a:br>
-              <a:rPr lang="en-US" altLang="ko-KR" sz="1400">
-                <a:solidFill>
-                  <a:srgbClr val="000000"/>
-                </a:solidFill>
-                <a:latin typeface="맑은 고딕" panose="020B0503020000020004" pitchFamily="50" charset="-127"/>
-                <a:ea typeface="맑은 고딕" panose="020B0503020000020004" pitchFamily="50" charset="-127"/>
-              </a:rPr>
-            </a:br>
-            <a:br>
-              <a:rPr lang="en-US" altLang="ko-KR" sz="1400">
-                <a:solidFill>
-                  <a:srgbClr val="000000"/>
-                </a:solidFill>
-                <a:latin typeface="맑은 고딕" panose="020B0503020000020004" pitchFamily="50" charset="-127"/>
-                <a:ea typeface="맑은 고딕" panose="020B0503020000020004" pitchFamily="50" charset="-127"/>
-              </a:rPr>
-            </a:br>
-            <a:r>
-              <a:rPr lang="en-US" altLang="ko-KR" sz="1400">
-                <a:solidFill>
-                  <a:srgbClr val="000000"/>
-                </a:solidFill>
-                <a:latin typeface="맑은 고딕" panose="020B0503020000020004" pitchFamily="50" charset="-127"/>
-                <a:ea typeface="맑은 고딕" panose="020B0503020000020004" pitchFamily="50" charset="-127"/>
-              </a:rPr>
-              <a:t>cf. </a:t>
-            </a:r>
-            <a:r>
-              <a:rPr lang="ko-KR" altLang="en-US" sz="1400">
-                <a:solidFill>
-                  <a:srgbClr val="000000"/>
-                </a:solidFill>
-                <a:latin typeface="맑은 고딕" panose="020B0503020000020004" pitchFamily="50" charset="-127"/>
-                <a:ea typeface="맑은 고딕" panose="020B0503020000020004" pitchFamily="50" charset="-127"/>
-              </a:rPr>
-              <a:t>사복의 학과 정보만 넣으려는데</a:t>
-            </a:r>
-            <a:r>
-              <a:rPr lang="en-US" altLang="ko-KR" sz="1400">
-                <a:solidFill>
-                  <a:srgbClr val="000000"/>
-                </a:solidFill>
-                <a:latin typeface="맑은 고딕" panose="020B0503020000020004" pitchFamily="50" charset="-127"/>
-                <a:ea typeface="맑은 고딕" panose="020B0503020000020004" pitchFamily="50" charset="-127"/>
-              </a:rPr>
-              <a:t>, </a:t>
-            </a:r>
-            <a:r>
-              <a:rPr lang="ko-KR" altLang="en-US" sz="1400">
-                <a:solidFill>
-                  <a:srgbClr val="000000"/>
-                </a:solidFill>
-                <a:latin typeface="맑은 고딕" panose="020B0503020000020004" pitchFamily="50" charset="-127"/>
-                <a:ea typeface="맑은 고딕" panose="020B0503020000020004" pitchFamily="50" charset="-127"/>
-              </a:rPr>
-              <a:t>학생 정보도 넣어야한다</a:t>
-            </a:r>
-            <a:r>
-              <a:rPr lang="en-US" altLang="ko-KR" sz="1400">
-                <a:solidFill>
-                  <a:srgbClr val="000000"/>
-                </a:solidFill>
-                <a:latin typeface="맑은 고딕" panose="020B0503020000020004" pitchFamily="50" charset="-127"/>
-                <a:ea typeface="맑은 고딕" panose="020B0503020000020004" pitchFamily="50" charset="-127"/>
-              </a:rPr>
-              <a:t>.</a:t>
-            </a:r>
-          </a:p>
-        </p:txBody>
-      </p:sp>
-      <p:sp>
-        <p:nvSpPr>
-          <p:cNvPr id="11" name="TextBox 10">
+          <p:cNvGraphicFramePr>
+            <a:graphicFrameLocks noGrp="1"/>
+          </p:cNvGraphicFramePr>
+          <p:nvPr>
+            <p:extLst>
+              <p:ext uri="{D42A27DB-BD31-4B8C-83A1-F6EECF244321}">
+                <p14:modId xmlns:p14="http://schemas.microsoft.com/office/powerpoint/2010/main" val="600895440"/>
+              </p:ext>
+            </p:extLst>
+          </p:nvPr>
+        </p:nvGraphicFramePr>
+        <p:xfrm>
+          <a:off x="4498258" y="2410267"/>
+          <a:ext cx="4616511" cy="1016000"/>
+        </p:xfrm>
+        <a:graphic>
+          <a:graphicData uri="http://schemas.openxmlformats.org/drawingml/2006/table">
+            <a:tbl>
+              <a:tblPr firstRow="1" bandRow="1">
+                <a:tableStyleId>{5C22544A-7EE6-4342-B048-85BDC9FD1C3A}</a:tableStyleId>
+              </a:tblPr>
+              <a:tblGrid>
+                <a:gridCol w="538115">
+                  <a:extLst>
+                    <a:ext uri="{9D8B030D-6E8A-4147-A177-3AD203B41FA5}">
+                      <a16:colId xmlns:a16="http://schemas.microsoft.com/office/drawing/2014/main" val="1315739539"/>
+                    </a:ext>
+                  </a:extLst>
+                </a:gridCol>
+                <a:gridCol w="4078396">
+                  <a:extLst>
+                    <a:ext uri="{9D8B030D-6E8A-4147-A177-3AD203B41FA5}">
+                      <a16:colId xmlns:a16="http://schemas.microsoft.com/office/drawing/2014/main" val="819310429"/>
+                    </a:ext>
+                  </a:extLst>
+                </a:gridCol>
+              </a:tblGrid>
+              <a:tr h="226645">
+                <a:tc>
+                  <a:txBody>
+                    <a:bodyPr/>
+                    <a:lstStyle/>
+                    <a:p>
+                      <a:pPr latinLnBrk="1"/>
+                      <a:endParaRPr lang="ko-KR" altLang="en-US" sz="1200">
+                        <a:solidFill>
+                          <a:schemeClr val="tx1"/>
+                        </a:solidFill>
+                      </a:endParaRPr>
+                    </a:p>
+                  </a:txBody>
+                  <a:tcPr>
+                    <a:lnL w="12700" cap="flat" cmpd="sng" algn="ctr">
+                      <a:solidFill>
+                        <a:schemeClr val="tx1"/>
+                      </a:solidFill>
+                      <a:prstDash val="solid"/>
+                      <a:round/>
+                      <a:headEnd type="none" w="med" len="med"/>
+                      <a:tailEnd type="none" w="med" len="med"/>
+                    </a:lnL>
+                    <a:lnR w="12700" cap="flat" cmpd="sng" algn="ctr">
+                      <a:solidFill>
+                        <a:schemeClr val="tx1"/>
+                      </a:solidFill>
+                      <a:prstDash val="solid"/>
+                      <a:round/>
+                      <a:headEnd type="none" w="med" len="med"/>
+                      <a:tailEnd type="none" w="med" len="med"/>
+                    </a:lnR>
+                    <a:lnT w="12700" cap="flat" cmpd="sng" algn="ctr">
+                      <a:solidFill>
+                        <a:schemeClr val="tx1"/>
+                      </a:solidFill>
+                      <a:prstDash val="solid"/>
+                      <a:round/>
+                      <a:headEnd type="none" w="med" len="med"/>
+                      <a:tailEnd type="none" w="med" len="med"/>
+                    </a:lnT>
+                    <a:lnB w="12700" cap="flat" cmpd="sng" algn="ctr">
+                      <a:solidFill>
+                        <a:schemeClr val="tx1"/>
+                      </a:solidFill>
+                      <a:prstDash val="solid"/>
+                      <a:round/>
+                      <a:headEnd type="none" w="med" len="med"/>
+                      <a:tailEnd type="none" w="med" len="med"/>
+                    </a:lnB>
+                    <a:noFill/>
+                  </a:tcPr>
+                </a:tc>
+                <a:tc>
+                  <a:txBody>
+                    <a:bodyPr/>
+                    <a:lstStyle/>
+                    <a:p>
+                      <a:pPr algn="ctr" latinLnBrk="1"/>
+                      <a:r>
+                        <a:rPr lang="ko-KR" altLang="en-US" sz="1200">
+                          <a:solidFill>
+                            <a:schemeClr val="tx1"/>
+                          </a:solidFill>
+                        </a:rPr>
+                        <a:t>삽입 이상</a:t>
+                      </a:r>
+                    </a:p>
+                  </a:txBody>
+                  <a:tcPr>
+                    <a:lnL w="12700" cap="flat" cmpd="sng" algn="ctr">
+                      <a:solidFill>
+                        <a:schemeClr val="tx1"/>
+                      </a:solidFill>
+                      <a:prstDash val="solid"/>
+                      <a:round/>
+                      <a:headEnd type="none" w="med" len="med"/>
+                      <a:tailEnd type="none" w="med" len="med"/>
+                    </a:lnL>
+                    <a:lnR w="12700" cap="flat" cmpd="sng" algn="ctr">
+                      <a:solidFill>
+                        <a:schemeClr val="tx1"/>
+                      </a:solidFill>
+                      <a:prstDash val="solid"/>
+                      <a:round/>
+                      <a:headEnd type="none" w="med" len="med"/>
+                      <a:tailEnd type="none" w="med" len="med"/>
+                    </a:lnR>
+                    <a:lnT w="12700" cap="flat" cmpd="sng" algn="ctr">
+                      <a:solidFill>
+                        <a:schemeClr val="tx1"/>
+                      </a:solidFill>
+                      <a:prstDash val="solid"/>
+                      <a:round/>
+                      <a:headEnd type="none" w="med" len="med"/>
+                      <a:tailEnd type="none" w="med" len="med"/>
+                    </a:lnT>
+                    <a:lnB w="12700" cap="flat" cmpd="sng" algn="ctr">
+                      <a:solidFill>
+                        <a:schemeClr val="tx1"/>
+                      </a:solidFill>
+                      <a:prstDash val="solid"/>
+                      <a:round/>
+                      <a:headEnd type="none" w="med" len="med"/>
+                      <a:tailEnd type="none" w="med" len="med"/>
+                    </a:lnB>
+                    <a:noFill/>
+                  </a:tcPr>
+                </a:tc>
+                <a:extLst>
+                  <a:ext uri="{0D108BD9-81ED-4DB2-BD59-A6C34878D82A}">
+                    <a16:rowId xmlns:a16="http://schemas.microsoft.com/office/drawing/2014/main" val="3349964729"/>
+                  </a:ext>
+                </a:extLst>
+              </a:tr>
+              <a:tr h="370840">
+                <a:tc>
+                  <a:txBody>
+                    <a:bodyPr/>
+                    <a:lstStyle/>
+                    <a:p>
+                      <a:pPr latinLnBrk="1"/>
+                      <a:r>
+                        <a:rPr lang="ko-KR" altLang="en-US" sz="1200">
+                          <a:solidFill>
+                            <a:schemeClr val="tx1"/>
+                          </a:solidFill>
+                        </a:rPr>
+                        <a:t>의미</a:t>
+                      </a:r>
+                    </a:p>
+                  </a:txBody>
+                  <a:tcPr anchor="ctr">
+                    <a:lnL w="12700" cap="flat" cmpd="sng" algn="ctr">
+                      <a:solidFill>
+                        <a:schemeClr val="tx1"/>
+                      </a:solidFill>
+                      <a:prstDash val="solid"/>
+                      <a:round/>
+                      <a:headEnd type="none" w="med" len="med"/>
+                      <a:tailEnd type="none" w="med" len="med"/>
+                    </a:lnL>
+                    <a:lnR w="12700" cap="flat" cmpd="sng" algn="ctr">
+                      <a:solidFill>
+                        <a:schemeClr val="tx1"/>
+                      </a:solidFill>
+                      <a:prstDash val="solid"/>
+                      <a:round/>
+                      <a:headEnd type="none" w="med" len="med"/>
+                      <a:tailEnd type="none" w="med" len="med"/>
+                    </a:lnR>
+                    <a:lnT w="12700" cap="flat" cmpd="sng" algn="ctr">
+                      <a:solidFill>
+                        <a:schemeClr val="tx1"/>
+                      </a:solidFill>
+                      <a:prstDash val="solid"/>
+                      <a:round/>
+                      <a:headEnd type="none" w="med" len="med"/>
+                      <a:tailEnd type="none" w="med" len="med"/>
+                    </a:lnT>
+                    <a:lnB w="12700" cap="flat" cmpd="sng" algn="ctr">
+                      <a:solidFill>
+                        <a:schemeClr val="tx1"/>
+                      </a:solidFill>
+                      <a:prstDash val="solid"/>
+                      <a:round/>
+                      <a:headEnd type="none" w="med" len="med"/>
+                      <a:tailEnd type="none" w="med" len="med"/>
+                    </a:lnB>
+                    <a:noFill/>
+                  </a:tcPr>
+                </a:tc>
+                <a:tc>
+                  <a:txBody>
+                    <a:bodyPr/>
+                    <a:lstStyle/>
+                    <a:p>
+                      <a:r>
+                        <a:rPr lang="ko-KR" altLang="en-US" sz="1200" b="0" kern="1200">
+                          <a:solidFill>
+                            <a:schemeClr val="dk1"/>
+                          </a:solidFill>
+                          <a:effectLst/>
+                          <a:latin typeface="+mn-lt"/>
+                          <a:ea typeface="+mn-ea"/>
+                          <a:cs typeface="+mn-cs"/>
+                        </a:rPr>
+                        <a:t>원하지 않는 정보까지 함께 삽입해야만 하는 현상</a:t>
+                      </a:r>
+                      <a:endParaRPr lang="en-US" altLang="ko-KR" sz="1200" b="0" kern="1200">
+                        <a:solidFill>
+                          <a:schemeClr val="dk1"/>
+                        </a:solidFill>
+                        <a:effectLst/>
+                        <a:latin typeface="+mn-lt"/>
+                        <a:ea typeface="+mn-ea"/>
+                        <a:cs typeface="+mn-cs"/>
+                      </a:endParaRPr>
+                    </a:p>
+                  </a:txBody>
+                  <a:tcPr>
+                    <a:lnL w="12700" cap="flat" cmpd="sng" algn="ctr">
+                      <a:solidFill>
+                        <a:schemeClr val="tx1"/>
+                      </a:solidFill>
+                      <a:prstDash val="solid"/>
+                      <a:round/>
+                      <a:headEnd type="none" w="med" len="med"/>
+                      <a:tailEnd type="none" w="med" len="med"/>
+                    </a:lnL>
+                    <a:lnR w="12700" cap="flat" cmpd="sng" algn="ctr">
+                      <a:solidFill>
+                        <a:schemeClr val="tx1"/>
+                      </a:solidFill>
+                      <a:prstDash val="solid"/>
+                      <a:round/>
+                      <a:headEnd type="none" w="med" len="med"/>
+                      <a:tailEnd type="none" w="med" len="med"/>
+                    </a:lnR>
+                    <a:lnT w="12700" cap="flat" cmpd="sng" algn="ctr">
+                      <a:solidFill>
+                        <a:schemeClr val="tx1"/>
+                      </a:solidFill>
+                      <a:prstDash val="solid"/>
+                      <a:round/>
+                      <a:headEnd type="none" w="med" len="med"/>
+                      <a:tailEnd type="none" w="med" len="med"/>
+                    </a:lnT>
+                    <a:lnB w="12700" cap="flat" cmpd="sng" algn="ctr">
+                      <a:solidFill>
+                        <a:schemeClr val="tx1"/>
+                      </a:solidFill>
+                      <a:prstDash val="solid"/>
+                      <a:round/>
+                      <a:headEnd type="none" w="med" len="med"/>
+                      <a:tailEnd type="none" w="med" len="med"/>
+                    </a:lnB>
+                    <a:noFill/>
+                  </a:tcPr>
+                </a:tc>
+                <a:extLst>
+                  <a:ext uri="{0D108BD9-81ED-4DB2-BD59-A6C34878D82A}">
+                    <a16:rowId xmlns:a16="http://schemas.microsoft.com/office/drawing/2014/main" val="3509644011"/>
+                  </a:ext>
+                </a:extLst>
+              </a:tr>
+              <a:tr h="370840">
+                <a:tc>
+                  <a:txBody>
+                    <a:bodyPr/>
+                    <a:lstStyle/>
+                    <a:p>
+                      <a:pPr latinLnBrk="1"/>
+                      <a:r>
+                        <a:rPr lang="ko-KR" altLang="en-US" sz="1200">
+                          <a:solidFill>
+                            <a:schemeClr val="tx1"/>
+                          </a:solidFill>
+                        </a:rPr>
+                        <a:t>사례</a:t>
+                      </a:r>
+                    </a:p>
+                  </a:txBody>
+                  <a:tcPr anchor="ctr">
+                    <a:lnL w="12700" cap="flat" cmpd="sng" algn="ctr">
+                      <a:solidFill>
+                        <a:schemeClr val="tx1"/>
+                      </a:solidFill>
+                      <a:prstDash val="solid"/>
+                      <a:round/>
+                      <a:headEnd type="none" w="med" len="med"/>
+                      <a:tailEnd type="none" w="med" len="med"/>
+                    </a:lnL>
+                    <a:lnR w="12700" cap="flat" cmpd="sng" algn="ctr">
+                      <a:solidFill>
+                        <a:schemeClr val="tx1"/>
+                      </a:solidFill>
+                      <a:prstDash val="solid"/>
+                      <a:round/>
+                      <a:headEnd type="none" w="med" len="med"/>
+                      <a:tailEnd type="none" w="med" len="med"/>
+                    </a:lnR>
+                    <a:lnT w="12700" cap="flat" cmpd="sng" algn="ctr">
+                      <a:solidFill>
+                        <a:schemeClr val="tx1"/>
+                      </a:solidFill>
+                      <a:prstDash val="solid"/>
+                      <a:round/>
+                      <a:headEnd type="none" w="med" len="med"/>
+                      <a:tailEnd type="none" w="med" len="med"/>
+                    </a:lnT>
+                    <a:lnB w="12700" cap="flat" cmpd="sng" algn="ctr">
+                      <a:solidFill>
+                        <a:schemeClr val="tx1"/>
+                      </a:solidFill>
+                      <a:prstDash val="solid"/>
+                      <a:round/>
+                      <a:headEnd type="none" w="med" len="med"/>
+                      <a:tailEnd type="none" w="med" len="med"/>
+                    </a:lnB>
+                    <a:noFill/>
+                  </a:tcPr>
+                </a:tc>
+                <a:tc>
+                  <a:txBody>
+                    <a:bodyPr/>
+                    <a:lstStyle/>
+                    <a:p>
+                      <a:pPr marL="0" marR="0" lvl="0" indent="0" algn="l" defTabSz="914400" rtl="0" eaLnBrk="1" fontAlgn="auto" latinLnBrk="1" hangingPunct="1">
+                        <a:lnSpc>
+                          <a:spcPct val="100000"/>
+                        </a:lnSpc>
+                        <a:spcBef>
+                          <a:spcPts val="0"/>
+                        </a:spcBef>
+                        <a:spcAft>
+                          <a:spcPts val="0"/>
+                        </a:spcAft>
+                        <a:buClrTx/>
+                        <a:buSzTx/>
+                        <a:buFontTx/>
+                        <a:buNone/>
+                        <a:tabLst/>
+                        <a:defRPr/>
+                      </a:pPr>
+                      <a:r>
+                        <a:rPr lang="ko-KR" altLang="en-US" sz="1200">
+                          <a:solidFill>
+                            <a:srgbClr val="000000"/>
+                          </a:solidFill>
+                          <a:latin typeface="맑은 고딕" panose="020B0503020000020004" pitchFamily="50" charset="-127"/>
+                          <a:ea typeface="맑은 고딕" panose="020B0503020000020004" pitchFamily="50" charset="-127"/>
+                        </a:rPr>
+                        <a:t>사복의 학과 정보만 넣으려는데</a:t>
+                      </a:r>
+                      <a:r>
+                        <a:rPr lang="en-US" altLang="ko-KR" sz="1200">
+                          <a:solidFill>
+                            <a:srgbClr val="000000"/>
+                          </a:solidFill>
+                          <a:latin typeface="맑은 고딕" panose="020B0503020000020004" pitchFamily="50" charset="-127"/>
+                          <a:ea typeface="맑은 고딕" panose="020B0503020000020004" pitchFamily="50" charset="-127"/>
+                        </a:rPr>
+                        <a:t>, </a:t>
+                      </a:r>
+                      <a:r>
+                        <a:rPr lang="ko-KR" altLang="en-US" sz="1200">
+                          <a:solidFill>
+                            <a:srgbClr val="000000"/>
+                          </a:solidFill>
+                          <a:latin typeface="맑은 고딕" panose="020B0503020000020004" pitchFamily="50" charset="-127"/>
+                          <a:ea typeface="맑은 고딕" panose="020B0503020000020004" pitchFamily="50" charset="-127"/>
+                        </a:rPr>
+                        <a:t>학생 정보도 넣어야한다</a:t>
+                      </a:r>
+                      <a:endParaRPr lang="ko-KR" altLang="en-US" sz="1200" b="0" kern="1200">
+                        <a:solidFill>
+                          <a:schemeClr val="dk1"/>
+                        </a:solidFill>
+                        <a:effectLst/>
+                        <a:latin typeface="+mn-lt"/>
+                        <a:ea typeface="+mn-ea"/>
+                        <a:cs typeface="+mn-cs"/>
+                      </a:endParaRPr>
+                    </a:p>
+                  </a:txBody>
+                  <a:tcPr>
+                    <a:lnL w="12700" cap="flat" cmpd="sng" algn="ctr">
+                      <a:solidFill>
+                        <a:schemeClr val="tx1"/>
+                      </a:solidFill>
+                      <a:prstDash val="solid"/>
+                      <a:round/>
+                      <a:headEnd type="none" w="med" len="med"/>
+                      <a:tailEnd type="none" w="med" len="med"/>
+                    </a:lnL>
+                    <a:lnR w="12700" cap="flat" cmpd="sng" algn="ctr">
+                      <a:solidFill>
+                        <a:schemeClr val="tx1"/>
+                      </a:solidFill>
+                      <a:prstDash val="solid"/>
+                      <a:round/>
+                      <a:headEnd type="none" w="med" len="med"/>
+                      <a:tailEnd type="none" w="med" len="med"/>
+                    </a:lnR>
+                    <a:lnT w="12700" cap="flat" cmpd="sng" algn="ctr">
+                      <a:solidFill>
+                        <a:schemeClr val="tx1"/>
+                      </a:solidFill>
+                      <a:prstDash val="solid"/>
+                      <a:round/>
+                      <a:headEnd type="none" w="med" len="med"/>
+                      <a:tailEnd type="none" w="med" len="med"/>
+                    </a:lnT>
+                    <a:lnB w="12700" cap="flat" cmpd="sng" algn="ctr">
+                      <a:solidFill>
+                        <a:schemeClr val="tx1"/>
+                      </a:solidFill>
+                      <a:prstDash val="solid"/>
+                      <a:round/>
+                      <a:headEnd type="none" w="med" len="med"/>
+                      <a:tailEnd type="none" w="med" len="med"/>
+                    </a:lnB>
+                    <a:noFill/>
+                  </a:tcPr>
+                </a:tc>
+                <a:extLst>
+                  <a:ext uri="{0D108BD9-81ED-4DB2-BD59-A6C34878D82A}">
+                    <a16:rowId xmlns:a16="http://schemas.microsoft.com/office/drawing/2014/main" val="632219432"/>
+                  </a:ext>
+                </a:extLst>
+              </a:tr>
+            </a:tbl>
+          </a:graphicData>
+        </a:graphic>
+      </p:graphicFrame>
+      <p:graphicFrame>
+        <p:nvGraphicFramePr>
+          <p:cNvPr id="15" name="표 14">
             <a:extLst>
               <a:ext uri="{FF2B5EF4-FFF2-40B4-BE49-F238E27FC236}">
-                <a16:creationId xmlns:a16="http://schemas.microsoft.com/office/drawing/2014/main" id="{0FCC99DB-D0FD-26DE-6987-09FE24104B50}"/>
+                <a16:creationId xmlns:a16="http://schemas.microsoft.com/office/drawing/2014/main" id="{7912851F-F2D3-8CB6-0508-64B894817BA6}"/>
               </a:ext>
             </a:extLst>
           </p:cNvPr>
-          <p:cNvSpPr txBox="1">
-            <a:spLocks noChangeArrowheads="1"/>
-          </p:cNvSpPr>
-          <p:nvPr/>
-        </p:nvSpPr>
-        <p:spPr bwMode="auto">
-          <a:xfrm>
-            <a:off x="4726392" y="3781982"/>
-            <a:ext cx="4382112" cy="1384995"/>
-          </a:xfrm>
-          <a:prstGeom prst="rect">
-            <a:avLst/>
-          </a:prstGeom>
-          <a:noFill/>
-          <a:ln>
-            <a:noFill/>
-          </a:ln>
-          <a:extLst>
-            <a:ext uri="{909E8E84-426E-40DD-AFC4-6F175D3DCCD1}">
-              <a14:hiddenFill xmlns:a14="http://schemas.microsoft.com/office/drawing/2010/main">
-                <a:solidFill>
-                  <a:srgbClr val="FFFFFF"/>
-                </a:solidFill>
-              </a14:hiddenFill>
-            </a:ext>
-            <a:ext uri="{91240B29-F687-4F45-9708-019B960494DF}">
-              <a14:hiddenLine xmlns:a14="http://schemas.microsoft.com/office/drawing/2010/main" w="9525">
-                <a:solidFill>
-                  <a:srgbClr val="000000"/>
-                </a:solidFill>
-                <a:miter lim="800000"/>
-                <a:headEnd/>
-                <a:tailEnd/>
-              </a14:hiddenLine>
-            </a:ext>
-          </a:extLst>
-        </p:spPr>
-        <p:txBody>
-          <a:bodyPr wrap="square">
-            <a:spAutoFit/>
-          </a:bodyPr>
-          <a:lstStyle>
-            <a:lvl1pPr>
-              <a:spcBef>
-                <a:spcPct val="20000"/>
-              </a:spcBef>
-              <a:buChar char="•"/>
-              <a:defRPr sz="3200">
-                <a:solidFill>
-                  <a:schemeClr val="tx1"/>
-                </a:solidFill>
-                <a:latin typeface="Arial" panose="020B0604020202020204" pitchFamily="34" charset="0"/>
-                <a:ea typeface="Arial Unicode MS" panose="020B0604020202020204" pitchFamily="50" charset="-127"/>
-                <a:cs typeface="Arial" panose="020B0604020202020204" pitchFamily="34" charset="0"/>
-              </a:defRPr>
-            </a:lvl1pPr>
-            <a:lvl2pPr marL="742950" indent="-285750">
-              <a:spcBef>
-                <a:spcPct val="20000"/>
-              </a:spcBef>
-              <a:buChar char="–"/>
-              <a:defRPr sz="2800">
-                <a:solidFill>
-                  <a:schemeClr val="tx1"/>
-                </a:solidFill>
-                <a:latin typeface="Arial" panose="020B0604020202020204" pitchFamily="34" charset="0"/>
-                <a:ea typeface="Arial Unicode MS" panose="020B0604020202020204" pitchFamily="50" charset="-127"/>
-                <a:cs typeface="Arial" panose="020B0604020202020204" pitchFamily="34" charset="0"/>
-              </a:defRPr>
-            </a:lvl2pPr>
-            <a:lvl3pPr marL="1143000" indent="-228600">
-              <a:spcBef>
-                <a:spcPct val="20000"/>
-              </a:spcBef>
-              <a:buChar char="•"/>
-              <a:defRPr sz="2400">
-                <a:solidFill>
-                  <a:schemeClr val="tx1"/>
-                </a:solidFill>
-                <a:latin typeface="Arial" panose="020B0604020202020204" pitchFamily="34" charset="0"/>
-                <a:ea typeface="Arial Unicode MS" panose="020B0604020202020204" pitchFamily="50" charset="-127"/>
-                <a:cs typeface="Arial" panose="020B0604020202020204" pitchFamily="34" charset="0"/>
-              </a:defRPr>
-            </a:lvl3pPr>
-            <a:lvl4pPr marL="1600200" indent="-228600">
-              <a:spcBef>
-                <a:spcPct val="20000"/>
-              </a:spcBef>
-              <a:buChar char="–"/>
-              <a:defRPr sz="2000">
-                <a:solidFill>
-                  <a:schemeClr val="tx1"/>
-                </a:solidFill>
-                <a:latin typeface="Arial" panose="020B0604020202020204" pitchFamily="34" charset="0"/>
-                <a:ea typeface="Arial Unicode MS" panose="020B0604020202020204" pitchFamily="50" charset="-127"/>
-                <a:cs typeface="Arial" panose="020B0604020202020204" pitchFamily="34" charset="0"/>
-              </a:defRPr>
-            </a:lvl4pPr>
-            <a:lvl5pPr marL="2057400" indent="-228600">
-              <a:spcBef>
-                <a:spcPct val="20000"/>
-              </a:spcBef>
-              <a:buChar char="»"/>
-              <a:defRPr sz="2000">
-                <a:solidFill>
-                  <a:schemeClr val="tx1"/>
-                </a:solidFill>
-                <a:latin typeface="Arial" panose="020B0604020202020204" pitchFamily="34" charset="0"/>
-                <a:ea typeface="Arial Unicode MS" panose="020B0604020202020204" pitchFamily="50" charset="-127"/>
-                <a:cs typeface="Arial" panose="020B0604020202020204" pitchFamily="34" charset="0"/>
-              </a:defRPr>
-            </a:lvl5pPr>
-            <a:lvl6pPr marL="2514600" indent="-228600" eaLnBrk="0" fontAlgn="base" hangingPunct="0">
-              <a:spcBef>
-                <a:spcPct val="20000"/>
-              </a:spcBef>
-              <a:spcAft>
-                <a:spcPct val="0"/>
-              </a:spcAft>
-              <a:buChar char="»"/>
-              <a:defRPr sz="2000">
-                <a:solidFill>
-                  <a:schemeClr val="tx1"/>
-                </a:solidFill>
-                <a:latin typeface="Arial" panose="020B0604020202020204" pitchFamily="34" charset="0"/>
-                <a:ea typeface="Arial Unicode MS" panose="020B0604020202020204" pitchFamily="50" charset="-127"/>
-                <a:cs typeface="Arial" panose="020B0604020202020204" pitchFamily="34" charset="0"/>
-              </a:defRPr>
-            </a:lvl6pPr>
-            <a:lvl7pPr marL="2971800" indent="-228600" eaLnBrk="0" fontAlgn="base" hangingPunct="0">
-              <a:spcBef>
-                <a:spcPct val="20000"/>
-              </a:spcBef>
-              <a:spcAft>
-                <a:spcPct val="0"/>
-              </a:spcAft>
-              <a:buChar char="»"/>
-              <a:defRPr sz="2000">
-                <a:solidFill>
-                  <a:schemeClr val="tx1"/>
-                </a:solidFill>
-                <a:latin typeface="Arial" panose="020B0604020202020204" pitchFamily="34" charset="0"/>
-                <a:ea typeface="Arial Unicode MS" panose="020B0604020202020204" pitchFamily="50" charset="-127"/>
-                <a:cs typeface="Arial" panose="020B0604020202020204" pitchFamily="34" charset="0"/>
-              </a:defRPr>
-            </a:lvl7pPr>
-            <a:lvl8pPr marL="3429000" indent="-228600" eaLnBrk="0" fontAlgn="base" hangingPunct="0">
-              <a:spcBef>
-                <a:spcPct val="20000"/>
-              </a:spcBef>
-              <a:spcAft>
-                <a:spcPct val="0"/>
-              </a:spcAft>
-              <a:buChar char="»"/>
-              <a:defRPr sz="2000">
-                <a:solidFill>
-                  <a:schemeClr val="tx1"/>
-                </a:solidFill>
-                <a:latin typeface="Arial" panose="020B0604020202020204" pitchFamily="34" charset="0"/>
-                <a:ea typeface="Arial Unicode MS" panose="020B0604020202020204" pitchFamily="50" charset="-127"/>
-                <a:cs typeface="Arial" panose="020B0604020202020204" pitchFamily="34" charset="0"/>
-              </a:defRPr>
-            </a:lvl8pPr>
-            <a:lvl9pPr marL="3886200" indent="-228600" eaLnBrk="0" fontAlgn="base" hangingPunct="0">
-              <a:spcBef>
-                <a:spcPct val="20000"/>
-              </a:spcBef>
-              <a:spcAft>
-                <a:spcPct val="0"/>
-              </a:spcAft>
-              <a:buChar char="»"/>
-              <a:defRPr sz="2000">
-                <a:solidFill>
-                  <a:schemeClr val="tx1"/>
-                </a:solidFill>
-                <a:latin typeface="Arial" panose="020B0604020202020204" pitchFamily="34" charset="0"/>
-                <a:ea typeface="Arial Unicode MS" panose="020B0604020202020204" pitchFamily="50" charset="-127"/>
-                <a:cs typeface="Arial" panose="020B0604020202020204" pitchFamily="34" charset="0"/>
-              </a:defRPr>
-            </a:lvl9pPr>
-          </a:lstStyle>
-          <a:p>
-            <a:pPr marL="180000" indent="-457200" eaLnBrk="1" hangingPunct="1">
-              <a:spcBef>
-                <a:spcPct val="0"/>
-              </a:spcBef>
-              <a:buNone/>
-            </a:pPr>
-            <a:r>
-              <a:rPr lang="ko-KR" altLang="en-US" sz="1400" b="1">
-                <a:solidFill>
-                  <a:srgbClr val="000000"/>
-                </a:solidFill>
-                <a:latin typeface="맑은 고딕" panose="020B0503020000020004" pitchFamily="50" charset="-127"/>
-                <a:ea typeface="맑은 고딕" panose="020B0503020000020004" pitchFamily="50" charset="-127"/>
-              </a:rPr>
-              <a:t>삭제 이상</a:t>
-            </a:r>
-            <a:endParaRPr lang="en-US" altLang="ko-KR" sz="1400" b="1">
-              <a:solidFill>
-                <a:srgbClr val="000000"/>
-              </a:solidFill>
-              <a:latin typeface="맑은 고딕" panose="020B0503020000020004" pitchFamily="50" charset="-127"/>
-              <a:ea typeface="맑은 고딕" panose="020B0503020000020004" pitchFamily="50" charset="-127"/>
-            </a:endParaRPr>
-          </a:p>
-          <a:p>
-            <a:pPr marL="180000" indent="-457200" eaLnBrk="1" hangingPunct="1">
-              <a:spcBef>
-                <a:spcPct val="0"/>
-              </a:spcBef>
-              <a:buNone/>
-            </a:pPr>
-            <a:r>
-              <a:rPr lang="en-US" altLang="ko-KR" sz="1400">
-                <a:solidFill>
-                  <a:srgbClr val="000000"/>
-                </a:solidFill>
-                <a:latin typeface="맑은 고딕" panose="020B0503020000020004" pitchFamily="50" charset="-127"/>
-                <a:ea typeface="맑은 고딕" panose="020B0503020000020004" pitchFamily="50" charset="-127"/>
-              </a:rPr>
-              <a:t>: </a:t>
-            </a:r>
-            <a:r>
-              <a:rPr lang="ko-KR" altLang="en-US" sz="1400">
-                <a:solidFill>
-                  <a:srgbClr val="000000"/>
-                </a:solidFill>
-                <a:latin typeface="맑은 고딕" panose="020B0503020000020004" pitchFamily="50" charset="-127"/>
-                <a:ea typeface="맑은 고딕" panose="020B0503020000020004" pitchFamily="50" charset="-127"/>
-              </a:rPr>
-              <a:t>필요한 정보까지 함께 삭제되어야 하는 현상</a:t>
-            </a:r>
-            <a:br>
-              <a:rPr lang="en-US" altLang="ko-KR" sz="1400">
-                <a:solidFill>
-                  <a:srgbClr val="000000"/>
-                </a:solidFill>
-                <a:latin typeface="맑은 고딕" panose="020B0503020000020004" pitchFamily="50" charset="-127"/>
-                <a:ea typeface="맑은 고딕" panose="020B0503020000020004" pitchFamily="50" charset="-127"/>
-              </a:rPr>
-            </a:br>
-            <a:br>
-              <a:rPr lang="en-US" altLang="ko-KR" sz="1400">
-                <a:solidFill>
-                  <a:srgbClr val="000000"/>
-                </a:solidFill>
-                <a:latin typeface="맑은 고딕" panose="020B0503020000020004" pitchFamily="50" charset="-127"/>
-                <a:ea typeface="맑은 고딕" panose="020B0503020000020004" pitchFamily="50" charset="-127"/>
-              </a:rPr>
-            </a:br>
-            <a:r>
-              <a:rPr lang="en-US" altLang="ko-KR" sz="1400">
-                <a:solidFill>
-                  <a:srgbClr val="000000"/>
-                </a:solidFill>
-                <a:latin typeface="맑은 고딕" panose="020B0503020000020004" pitchFamily="50" charset="-127"/>
-                <a:ea typeface="맑은 고딕" panose="020B0503020000020004" pitchFamily="50" charset="-127"/>
-              </a:rPr>
-              <a:t>cf. </a:t>
-            </a:r>
-            <a:r>
-              <a:rPr lang="ko-KR" altLang="en-US" sz="1400">
-                <a:solidFill>
-                  <a:srgbClr val="000000"/>
-                </a:solidFill>
-                <a:latin typeface="맑은 고딕" panose="020B0503020000020004" pitchFamily="50" charset="-127"/>
-                <a:ea typeface="맑은 고딕" panose="020B0503020000020004" pitchFamily="50" charset="-127"/>
-              </a:rPr>
-              <a:t>학번 </a:t>
-            </a:r>
-            <a:r>
-              <a:rPr lang="en-US" altLang="ko-KR" sz="1400">
-                <a:solidFill>
-                  <a:srgbClr val="000000"/>
-                </a:solidFill>
-                <a:latin typeface="맑은 고딕" panose="020B0503020000020004" pitchFamily="50" charset="-127"/>
-                <a:ea typeface="맑은 고딕" panose="020B0503020000020004" pitchFamily="50" charset="-127"/>
-              </a:rPr>
-              <a:t>4444</a:t>
-            </a:r>
-            <a:r>
-              <a:rPr lang="ko-KR" altLang="en-US" sz="1400">
-                <a:solidFill>
-                  <a:srgbClr val="000000"/>
-                </a:solidFill>
-                <a:latin typeface="맑은 고딕" panose="020B0503020000020004" pitchFamily="50" charset="-127"/>
-                <a:ea typeface="맑은 고딕" panose="020B0503020000020004" pitchFamily="50" charset="-127"/>
-              </a:rPr>
-              <a:t>를 삭제하는 경우</a:t>
-            </a:r>
-            <a:r>
-              <a:rPr lang="en-US" altLang="ko-KR" sz="1400">
-                <a:solidFill>
-                  <a:srgbClr val="000000"/>
-                </a:solidFill>
-                <a:latin typeface="맑은 고딕" panose="020B0503020000020004" pitchFamily="50" charset="-127"/>
-                <a:ea typeface="맑은 고딕" panose="020B0503020000020004" pitchFamily="50" charset="-127"/>
-              </a:rPr>
-              <a:t>, </a:t>
-            </a:r>
-            <a:r>
-              <a:rPr lang="ko-KR" altLang="en-US" sz="1400">
-                <a:solidFill>
-                  <a:srgbClr val="000000"/>
-                </a:solidFill>
-                <a:latin typeface="맑은 고딕" panose="020B0503020000020004" pitchFamily="50" charset="-127"/>
-                <a:ea typeface="맑은 고딕" panose="020B0503020000020004" pitchFamily="50" charset="-127"/>
-              </a:rPr>
-              <a:t>아무개가 사복에 유일한 학생이라면</a:t>
-            </a:r>
-            <a:br>
-              <a:rPr lang="en-US" altLang="ko-KR" sz="1400">
-                <a:solidFill>
-                  <a:srgbClr val="000000"/>
-                </a:solidFill>
-                <a:latin typeface="맑은 고딕" panose="020B0503020000020004" pitchFamily="50" charset="-127"/>
-                <a:ea typeface="맑은 고딕" panose="020B0503020000020004" pitchFamily="50" charset="-127"/>
-              </a:rPr>
-            </a:br>
-            <a:r>
-              <a:rPr lang="ko-KR" altLang="en-US" sz="1400">
-                <a:solidFill>
-                  <a:srgbClr val="000000"/>
-                </a:solidFill>
-                <a:latin typeface="맑은 고딕" panose="020B0503020000020004" pitchFamily="50" charset="-127"/>
-                <a:ea typeface="맑은 고딕" panose="020B0503020000020004" pitchFamily="50" charset="-127"/>
-              </a:rPr>
-              <a:t>유지하고 싶은 학과 정보도 같이 사라진다</a:t>
-            </a:r>
-            <a:r>
-              <a:rPr lang="en-US" altLang="ko-KR" sz="1400">
-                <a:solidFill>
-                  <a:srgbClr val="000000"/>
-                </a:solidFill>
-                <a:latin typeface="맑은 고딕" panose="020B0503020000020004" pitchFamily="50" charset="-127"/>
-                <a:ea typeface="맑은 고딕" panose="020B0503020000020004" pitchFamily="50" charset="-127"/>
-              </a:rPr>
-              <a:t>.</a:t>
-            </a:r>
-          </a:p>
-        </p:txBody>
-      </p:sp>
-      <p:sp>
-        <p:nvSpPr>
-          <p:cNvPr id="12" name="TextBox 11">
+          <p:cNvGraphicFramePr>
+            <a:graphicFrameLocks noGrp="1"/>
+          </p:cNvGraphicFramePr>
+          <p:nvPr>
+            <p:extLst>
+              <p:ext uri="{D42A27DB-BD31-4B8C-83A1-F6EECF244321}">
+                <p14:modId xmlns:p14="http://schemas.microsoft.com/office/powerpoint/2010/main" val="2200329829"/>
+              </p:ext>
+            </p:extLst>
+          </p:nvPr>
+        </p:nvGraphicFramePr>
+        <p:xfrm>
+          <a:off x="4491834" y="3599797"/>
+          <a:ext cx="4616511" cy="1102360"/>
+        </p:xfrm>
+        <a:graphic>
+          <a:graphicData uri="http://schemas.openxmlformats.org/drawingml/2006/table">
+            <a:tbl>
+              <a:tblPr firstRow="1" bandRow="1">
+                <a:tableStyleId>{5C22544A-7EE6-4342-B048-85BDC9FD1C3A}</a:tableStyleId>
+              </a:tblPr>
+              <a:tblGrid>
+                <a:gridCol w="538115">
+                  <a:extLst>
+                    <a:ext uri="{9D8B030D-6E8A-4147-A177-3AD203B41FA5}">
+                      <a16:colId xmlns:a16="http://schemas.microsoft.com/office/drawing/2014/main" val="1315739539"/>
+                    </a:ext>
+                  </a:extLst>
+                </a:gridCol>
+                <a:gridCol w="4078396">
+                  <a:extLst>
+                    <a:ext uri="{9D8B030D-6E8A-4147-A177-3AD203B41FA5}">
+                      <a16:colId xmlns:a16="http://schemas.microsoft.com/office/drawing/2014/main" val="819310429"/>
+                    </a:ext>
+                  </a:extLst>
+                </a:gridCol>
+              </a:tblGrid>
+              <a:tr h="226645">
+                <a:tc>
+                  <a:txBody>
+                    <a:bodyPr/>
+                    <a:lstStyle/>
+                    <a:p>
+                      <a:pPr latinLnBrk="1"/>
+                      <a:endParaRPr lang="ko-KR" altLang="en-US" sz="1200">
+                        <a:solidFill>
+                          <a:schemeClr val="tx1"/>
+                        </a:solidFill>
+                      </a:endParaRPr>
+                    </a:p>
+                  </a:txBody>
+                  <a:tcPr>
+                    <a:lnL w="12700" cap="flat" cmpd="sng" algn="ctr">
+                      <a:solidFill>
+                        <a:schemeClr val="tx1"/>
+                      </a:solidFill>
+                      <a:prstDash val="solid"/>
+                      <a:round/>
+                      <a:headEnd type="none" w="med" len="med"/>
+                      <a:tailEnd type="none" w="med" len="med"/>
+                    </a:lnL>
+                    <a:lnR w="12700" cap="flat" cmpd="sng" algn="ctr">
+                      <a:solidFill>
+                        <a:schemeClr val="tx1"/>
+                      </a:solidFill>
+                      <a:prstDash val="solid"/>
+                      <a:round/>
+                      <a:headEnd type="none" w="med" len="med"/>
+                      <a:tailEnd type="none" w="med" len="med"/>
+                    </a:lnR>
+                    <a:lnT w="12700" cap="flat" cmpd="sng" algn="ctr">
+                      <a:solidFill>
+                        <a:schemeClr val="tx1"/>
+                      </a:solidFill>
+                      <a:prstDash val="solid"/>
+                      <a:round/>
+                      <a:headEnd type="none" w="med" len="med"/>
+                      <a:tailEnd type="none" w="med" len="med"/>
+                    </a:lnT>
+                    <a:lnB w="12700" cap="flat" cmpd="sng" algn="ctr">
+                      <a:solidFill>
+                        <a:schemeClr val="tx1"/>
+                      </a:solidFill>
+                      <a:prstDash val="solid"/>
+                      <a:round/>
+                      <a:headEnd type="none" w="med" len="med"/>
+                      <a:tailEnd type="none" w="med" len="med"/>
+                    </a:lnB>
+                    <a:noFill/>
+                  </a:tcPr>
+                </a:tc>
+                <a:tc>
+                  <a:txBody>
+                    <a:bodyPr/>
+                    <a:lstStyle/>
+                    <a:p>
+                      <a:pPr algn="ctr" latinLnBrk="1"/>
+                      <a:r>
+                        <a:rPr lang="ko-KR" altLang="en-US" sz="1200">
+                          <a:solidFill>
+                            <a:schemeClr val="tx1"/>
+                          </a:solidFill>
+                        </a:rPr>
+                        <a:t>삭제 이상</a:t>
+                      </a:r>
+                    </a:p>
+                  </a:txBody>
+                  <a:tcPr>
+                    <a:lnL w="12700" cap="flat" cmpd="sng" algn="ctr">
+                      <a:solidFill>
+                        <a:schemeClr val="tx1"/>
+                      </a:solidFill>
+                      <a:prstDash val="solid"/>
+                      <a:round/>
+                      <a:headEnd type="none" w="med" len="med"/>
+                      <a:tailEnd type="none" w="med" len="med"/>
+                    </a:lnL>
+                    <a:lnR w="12700" cap="flat" cmpd="sng" algn="ctr">
+                      <a:solidFill>
+                        <a:schemeClr val="tx1"/>
+                      </a:solidFill>
+                      <a:prstDash val="solid"/>
+                      <a:round/>
+                      <a:headEnd type="none" w="med" len="med"/>
+                      <a:tailEnd type="none" w="med" len="med"/>
+                    </a:lnR>
+                    <a:lnT w="12700" cap="flat" cmpd="sng" algn="ctr">
+                      <a:solidFill>
+                        <a:schemeClr val="tx1"/>
+                      </a:solidFill>
+                      <a:prstDash val="solid"/>
+                      <a:round/>
+                      <a:headEnd type="none" w="med" len="med"/>
+                      <a:tailEnd type="none" w="med" len="med"/>
+                    </a:lnT>
+                    <a:lnB w="12700" cap="flat" cmpd="sng" algn="ctr">
+                      <a:solidFill>
+                        <a:schemeClr val="tx1"/>
+                      </a:solidFill>
+                      <a:prstDash val="solid"/>
+                      <a:round/>
+                      <a:headEnd type="none" w="med" len="med"/>
+                      <a:tailEnd type="none" w="med" len="med"/>
+                    </a:lnB>
+                    <a:noFill/>
+                  </a:tcPr>
+                </a:tc>
+                <a:extLst>
+                  <a:ext uri="{0D108BD9-81ED-4DB2-BD59-A6C34878D82A}">
+                    <a16:rowId xmlns:a16="http://schemas.microsoft.com/office/drawing/2014/main" val="3349964729"/>
+                  </a:ext>
+                </a:extLst>
+              </a:tr>
+              <a:tr h="370840">
+                <a:tc>
+                  <a:txBody>
+                    <a:bodyPr/>
+                    <a:lstStyle/>
+                    <a:p>
+                      <a:pPr latinLnBrk="1"/>
+                      <a:r>
+                        <a:rPr lang="ko-KR" altLang="en-US" sz="1200">
+                          <a:solidFill>
+                            <a:schemeClr val="tx1"/>
+                          </a:solidFill>
+                        </a:rPr>
+                        <a:t>의미</a:t>
+                      </a:r>
+                    </a:p>
+                  </a:txBody>
+                  <a:tcPr anchor="ctr">
+                    <a:lnL w="12700" cap="flat" cmpd="sng" algn="ctr">
+                      <a:solidFill>
+                        <a:schemeClr val="tx1"/>
+                      </a:solidFill>
+                      <a:prstDash val="solid"/>
+                      <a:round/>
+                      <a:headEnd type="none" w="med" len="med"/>
+                      <a:tailEnd type="none" w="med" len="med"/>
+                    </a:lnL>
+                    <a:lnR w="12700" cap="flat" cmpd="sng" algn="ctr">
+                      <a:solidFill>
+                        <a:schemeClr val="tx1"/>
+                      </a:solidFill>
+                      <a:prstDash val="solid"/>
+                      <a:round/>
+                      <a:headEnd type="none" w="med" len="med"/>
+                      <a:tailEnd type="none" w="med" len="med"/>
+                    </a:lnR>
+                    <a:lnT w="12700" cap="flat" cmpd="sng" algn="ctr">
+                      <a:solidFill>
+                        <a:schemeClr val="tx1"/>
+                      </a:solidFill>
+                      <a:prstDash val="solid"/>
+                      <a:round/>
+                      <a:headEnd type="none" w="med" len="med"/>
+                      <a:tailEnd type="none" w="med" len="med"/>
+                    </a:lnT>
+                    <a:lnB w="12700" cap="flat" cmpd="sng" algn="ctr">
+                      <a:solidFill>
+                        <a:schemeClr val="tx1"/>
+                      </a:solidFill>
+                      <a:prstDash val="solid"/>
+                      <a:round/>
+                      <a:headEnd type="none" w="med" len="med"/>
+                      <a:tailEnd type="none" w="med" len="med"/>
+                    </a:lnB>
+                    <a:noFill/>
+                  </a:tcPr>
+                </a:tc>
+                <a:tc>
+                  <a:txBody>
+                    <a:bodyPr/>
+                    <a:lstStyle/>
+                    <a:p>
+                      <a:r>
+                        <a:rPr lang="ko-KR" altLang="en-US" sz="1200">
+                          <a:solidFill>
+                            <a:srgbClr val="000000"/>
+                          </a:solidFill>
+                          <a:latin typeface="맑은 고딕" panose="020B0503020000020004" pitchFamily="50" charset="-127"/>
+                          <a:ea typeface="맑은 고딕" panose="020B0503020000020004" pitchFamily="50" charset="-127"/>
+                        </a:rPr>
+                        <a:t>필요한 정보까지 함께 삭제되어야 하는 현상</a:t>
+                      </a:r>
+                      <a:endParaRPr lang="en-US" altLang="ko-KR" sz="1200" b="0" kern="1200">
+                        <a:solidFill>
+                          <a:schemeClr val="dk1"/>
+                        </a:solidFill>
+                        <a:effectLst/>
+                        <a:latin typeface="+mn-lt"/>
+                        <a:ea typeface="+mn-ea"/>
+                        <a:cs typeface="+mn-cs"/>
+                      </a:endParaRPr>
+                    </a:p>
+                  </a:txBody>
+                  <a:tcPr>
+                    <a:lnL w="12700" cap="flat" cmpd="sng" algn="ctr">
+                      <a:solidFill>
+                        <a:schemeClr val="tx1"/>
+                      </a:solidFill>
+                      <a:prstDash val="solid"/>
+                      <a:round/>
+                      <a:headEnd type="none" w="med" len="med"/>
+                      <a:tailEnd type="none" w="med" len="med"/>
+                    </a:lnL>
+                    <a:lnR w="12700" cap="flat" cmpd="sng" algn="ctr">
+                      <a:solidFill>
+                        <a:schemeClr val="tx1"/>
+                      </a:solidFill>
+                      <a:prstDash val="solid"/>
+                      <a:round/>
+                      <a:headEnd type="none" w="med" len="med"/>
+                      <a:tailEnd type="none" w="med" len="med"/>
+                    </a:lnR>
+                    <a:lnT w="12700" cap="flat" cmpd="sng" algn="ctr">
+                      <a:solidFill>
+                        <a:schemeClr val="tx1"/>
+                      </a:solidFill>
+                      <a:prstDash val="solid"/>
+                      <a:round/>
+                      <a:headEnd type="none" w="med" len="med"/>
+                      <a:tailEnd type="none" w="med" len="med"/>
+                    </a:lnT>
+                    <a:lnB w="12700" cap="flat" cmpd="sng" algn="ctr">
+                      <a:solidFill>
+                        <a:schemeClr val="tx1"/>
+                      </a:solidFill>
+                      <a:prstDash val="solid"/>
+                      <a:round/>
+                      <a:headEnd type="none" w="med" len="med"/>
+                      <a:tailEnd type="none" w="med" len="med"/>
+                    </a:lnB>
+                    <a:noFill/>
+                  </a:tcPr>
+                </a:tc>
+                <a:extLst>
+                  <a:ext uri="{0D108BD9-81ED-4DB2-BD59-A6C34878D82A}">
+                    <a16:rowId xmlns:a16="http://schemas.microsoft.com/office/drawing/2014/main" val="3509644011"/>
+                  </a:ext>
+                </a:extLst>
+              </a:tr>
+              <a:tr h="370840">
+                <a:tc>
+                  <a:txBody>
+                    <a:bodyPr/>
+                    <a:lstStyle/>
+                    <a:p>
+                      <a:pPr latinLnBrk="1"/>
+                      <a:r>
+                        <a:rPr lang="ko-KR" altLang="en-US" sz="1200">
+                          <a:solidFill>
+                            <a:schemeClr val="tx1"/>
+                          </a:solidFill>
+                        </a:rPr>
+                        <a:t>사례</a:t>
+                      </a:r>
+                    </a:p>
+                  </a:txBody>
+                  <a:tcPr anchor="ctr">
+                    <a:lnL w="12700" cap="flat" cmpd="sng" algn="ctr">
+                      <a:solidFill>
+                        <a:schemeClr val="tx1"/>
+                      </a:solidFill>
+                      <a:prstDash val="solid"/>
+                      <a:round/>
+                      <a:headEnd type="none" w="med" len="med"/>
+                      <a:tailEnd type="none" w="med" len="med"/>
+                    </a:lnL>
+                    <a:lnR w="12700" cap="flat" cmpd="sng" algn="ctr">
+                      <a:solidFill>
+                        <a:schemeClr val="tx1"/>
+                      </a:solidFill>
+                      <a:prstDash val="solid"/>
+                      <a:round/>
+                      <a:headEnd type="none" w="med" len="med"/>
+                      <a:tailEnd type="none" w="med" len="med"/>
+                    </a:lnR>
+                    <a:lnT w="12700" cap="flat" cmpd="sng" algn="ctr">
+                      <a:solidFill>
+                        <a:schemeClr val="tx1"/>
+                      </a:solidFill>
+                      <a:prstDash val="solid"/>
+                      <a:round/>
+                      <a:headEnd type="none" w="med" len="med"/>
+                      <a:tailEnd type="none" w="med" len="med"/>
+                    </a:lnT>
+                    <a:lnB w="12700" cap="flat" cmpd="sng" algn="ctr">
+                      <a:solidFill>
+                        <a:schemeClr val="tx1"/>
+                      </a:solidFill>
+                      <a:prstDash val="solid"/>
+                      <a:round/>
+                      <a:headEnd type="none" w="med" len="med"/>
+                      <a:tailEnd type="none" w="med" len="med"/>
+                    </a:lnB>
+                    <a:noFill/>
+                  </a:tcPr>
+                </a:tc>
+                <a:tc>
+                  <a:txBody>
+                    <a:bodyPr/>
+                    <a:lstStyle/>
+                    <a:p>
+                      <a:pPr marL="0" marR="0" lvl="0" indent="0" algn="l" defTabSz="914400" rtl="0" eaLnBrk="1" fontAlgn="auto" latinLnBrk="1" hangingPunct="1">
+                        <a:lnSpc>
+                          <a:spcPct val="100000"/>
+                        </a:lnSpc>
+                        <a:spcBef>
+                          <a:spcPts val="0"/>
+                        </a:spcBef>
+                        <a:spcAft>
+                          <a:spcPts val="0"/>
+                        </a:spcAft>
+                        <a:buClrTx/>
+                        <a:buSzTx/>
+                        <a:buFontTx/>
+                        <a:buNone/>
+                        <a:tabLst/>
+                        <a:defRPr/>
+                      </a:pPr>
+                      <a:r>
+                        <a:rPr lang="ko-KR" altLang="en-US" sz="1200">
+                          <a:solidFill>
+                            <a:srgbClr val="000000"/>
+                          </a:solidFill>
+                          <a:latin typeface="맑은 고딕" panose="020B0503020000020004" pitchFamily="50" charset="-127"/>
+                          <a:ea typeface="맑은 고딕" panose="020B0503020000020004" pitchFamily="50" charset="-127"/>
+                        </a:rPr>
+                        <a:t>학번 </a:t>
+                      </a:r>
+                      <a:r>
+                        <a:rPr lang="en-US" altLang="ko-KR" sz="1200">
+                          <a:solidFill>
+                            <a:srgbClr val="000000"/>
+                          </a:solidFill>
+                          <a:latin typeface="맑은 고딕" panose="020B0503020000020004" pitchFamily="50" charset="-127"/>
+                          <a:ea typeface="맑은 고딕" panose="020B0503020000020004" pitchFamily="50" charset="-127"/>
+                        </a:rPr>
+                        <a:t>4444</a:t>
+                      </a:r>
+                      <a:r>
+                        <a:rPr lang="ko-KR" altLang="en-US" sz="1200">
+                          <a:solidFill>
+                            <a:srgbClr val="000000"/>
+                          </a:solidFill>
+                          <a:latin typeface="맑은 고딕" panose="020B0503020000020004" pitchFamily="50" charset="-127"/>
+                          <a:ea typeface="맑은 고딕" panose="020B0503020000020004" pitchFamily="50" charset="-127"/>
+                        </a:rPr>
+                        <a:t>를 삭제하는 경우</a:t>
+                      </a:r>
+                      <a:r>
+                        <a:rPr lang="en-US" altLang="ko-KR" sz="1200">
+                          <a:solidFill>
+                            <a:srgbClr val="000000"/>
+                          </a:solidFill>
+                          <a:latin typeface="맑은 고딕" panose="020B0503020000020004" pitchFamily="50" charset="-127"/>
+                          <a:ea typeface="맑은 고딕" panose="020B0503020000020004" pitchFamily="50" charset="-127"/>
+                        </a:rPr>
+                        <a:t>, </a:t>
+                      </a:r>
+                      <a:r>
+                        <a:rPr lang="ko-KR" altLang="en-US" sz="1200">
+                          <a:solidFill>
+                            <a:srgbClr val="000000"/>
+                          </a:solidFill>
+                          <a:latin typeface="맑은 고딕" panose="020B0503020000020004" pitchFamily="50" charset="-127"/>
+                          <a:ea typeface="맑은 고딕" panose="020B0503020000020004" pitchFamily="50" charset="-127"/>
+                        </a:rPr>
+                        <a:t>아무개가 사복에 유일한 학생이라면</a:t>
+                      </a:r>
+                      <a:r>
+                        <a:rPr lang="en-US" altLang="ko-KR" sz="1200">
+                          <a:solidFill>
+                            <a:srgbClr val="000000"/>
+                          </a:solidFill>
+                          <a:latin typeface="맑은 고딕" panose="020B0503020000020004" pitchFamily="50" charset="-127"/>
+                          <a:ea typeface="맑은 고딕" panose="020B0503020000020004" pitchFamily="50" charset="-127"/>
+                        </a:rPr>
+                        <a:t> </a:t>
+                      </a:r>
+                      <a:r>
+                        <a:rPr lang="ko-KR" altLang="en-US" sz="1200">
+                          <a:solidFill>
+                            <a:srgbClr val="000000"/>
+                          </a:solidFill>
+                          <a:latin typeface="맑은 고딕" panose="020B0503020000020004" pitchFamily="50" charset="-127"/>
+                          <a:ea typeface="맑은 고딕" panose="020B0503020000020004" pitchFamily="50" charset="-127"/>
+                        </a:rPr>
+                        <a:t>유지하고 싶은 학과 정보도 같이 사라진다</a:t>
+                      </a:r>
+                      <a:r>
+                        <a:rPr lang="en-US" altLang="ko-KR" sz="1200">
+                          <a:solidFill>
+                            <a:srgbClr val="000000"/>
+                          </a:solidFill>
+                          <a:latin typeface="맑은 고딕" panose="020B0503020000020004" pitchFamily="50" charset="-127"/>
+                          <a:ea typeface="맑은 고딕" panose="020B0503020000020004" pitchFamily="50" charset="-127"/>
+                        </a:rPr>
+                        <a:t>.</a:t>
+                      </a:r>
+                      <a:endParaRPr lang="ko-KR" altLang="en-US" sz="1200" b="0" kern="1200">
+                        <a:solidFill>
+                          <a:schemeClr val="dk1"/>
+                        </a:solidFill>
+                        <a:effectLst/>
+                        <a:latin typeface="+mn-lt"/>
+                        <a:ea typeface="+mn-ea"/>
+                        <a:cs typeface="+mn-cs"/>
+                      </a:endParaRPr>
+                    </a:p>
+                  </a:txBody>
+                  <a:tcPr>
+                    <a:lnL w="12700" cap="flat" cmpd="sng" algn="ctr">
+                      <a:solidFill>
+                        <a:schemeClr val="tx1"/>
+                      </a:solidFill>
+                      <a:prstDash val="solid"/>
+                      <a:round/>
+                      <a:headEnd type="none" w="med" len="med"/>
+                      <a:tailEnd type="none" w="med" len="med"/>
+                    </a:lnL>
+                    <a:lnR w="12700" cap="flat" cmpd="sng" algn="ctr">
+                      <a:solidFill>
+                        <a:schemeClr val="tx1"/>
+                      </a:solidFill>
+                      <a:prstDash val="solid"/>
+                      <a:round/>
+                      <a:headEnd type="none" w="med" len="med"/>
+                      <a:tailEnd type="none" w="med" len="med"/>
+                    </a:lnR>
+                    <a:lnT w="12700" cap="flat" cmpd="sng" algn="ctr">
+                      <a:solidFill>
+                        <a:schemeClr val="tx1"/>
+                      </a:solidFill>
+                      <a:prstDash val="solid"/>
+                      <a:round/>
+                      <a:headEnd type="none" w="med" len="med"/>
+                      <a:tailEnd type="none" w="med" len="med"/>
+                    </a:lnT>
+                    <a:lnB w="12700" cap="flat" cmpd="sng" algn="ctr">
+                      <a:solidFill>
+                        <a:schemeClr val="tx1"/>
+                      </a:solidFill>
+                      <a:prstDash val="solid"/>
+                      <a:round/>
+                      <a:headEnd type="none" w="med" len="med"/>
+                      <a:tailEnd type="none" w="med" len="med"/>
+                    </a:lnB>
+                    <a:noFill/>
+                  </a:tcPr>
+                </a:tc>
+                <a:extLst>
+                  <a:ext uri="{0D108BD9-81ED-4DB2-BD59-A6C34878D82A}">
+                    <a16:rowId xmlns:a16="http://schemas.microsoft.com/office/drawing/2014/main" val="632219432"/>
+                  </a:ext>
+                </a:extLst>
+              </a:tr>
+            </a:tbl>
+          </a:graphicData>
+        </a:graphic>
+      </p:graphicFrame>
+      <p:graphicFrame>
+        <p:nvGraphicFramePr>
+          <p:cNvPr id="16" name="표 15">
             <a:extLst>
               <a:ext uri="{FF2B5EF4-FFF2-40B4-BE49-F238E27FC236}">
-                <a16:creationId xmlns:a16="http://schemas.microsoft.com/office/drawing/2014/main" id="{662B73CB-DF52-2A34-B951-85C5BE6AAA89}"/>
+                <a16:creationId xmlns:a16="http://schemas.microsoft.com/office/drawing/2014/main" id="{F8EE30EB-FC60-A007-C087-07439A0AA390}"/>
               </a:ext>
             </a:extLst>
           </p:cNvPr>
-          <p:cNvSpPr txBox="1">
-            <a:spLocks noChangeArrowheads="1"/>
-          </p:cNvSpPr>
-          <p:nvPr/>
-        </p:nvSpPr>
-        <p:spPr bwMode="auto">
-          <a:xfrm>
-            <a:off x="4726392" y="5436442"/>
-            <a:ext cx="4382112" cy="1384995"/>
-          </a:xfrm>
-          <a:prstGeom prst="rect">
-            <a:avLst/>
-          </a:prstGeom>
-          <a:noFill/>
-          <a:ln>
-            <a:noFill/>
-          </a:ln>
-          <a:extLst>
-            <a:ext uri="{909E8E84-426E-40DD-AFC4-6F175D3DCCD1}">
-              <a14:hiddenFill xmlns:a14="http://schemas.microsoft.com/office/drawing/2010/main">
-                <a:solidFill>
-                  <a:srgbClr val="FFFFFF"/>
-                </a:solidFill>
-              </a14:hiddenFill>
-            </a:ext>
-            <a:ext uri="{91240B29-F687-4F45-9708-019B960494DF}">
-              <a14:hiddenLine xmlns:a14="http://schemas.microsoft.com/office/drawing/2010/main" w="9525">
-                <a:solidFill>
-                  <a:srgbClr val="000000"/>
-                </a:solidFill>
-                <a:miter lim="800000"/>
-                <a:headEnd/>
-                <a:tailEnd/>
-              </a14:hiddenLine>
-            </a:ext>
-          </a:extLst>
-        </p:spPr>
-        <p:txBody>
-          <a:bodyPr wrap="square">
-            <a:spAutoFit/>
-          </a:bodyPr>
-          <a:lstStyle>
-            <a:lvl1pPr>
-              <a:spcBef>
-                <a:spcPct val="20000"/>
-              </a:spcBef>
-              <a:buChar char="•"/>
-              <a:defRPr sz="3200">
-                <a:solidFill>
-                  <a:schemeClr val="tx1"/>
-                </a:solidFill>
-                <a:latin typeface="Arial" panose="020B0604020202020204" pitchFamily="34" charset="0"/>
-                <a:ea typeface="Arial Unicode MS" panose="020B0604020202020204" pitchFamily="50" charset="-127"/>
-                <a:cs typeface="Arial" panose="020B0604020202020204" pitchFamily="34" charset="0"/>
-              </a:defRPr>
-            </a:lvl1pPr>
-            <a:lvl2pPr marL="742950" indent="-285750">
-              <a:spcBef>
-                <a:spcPct val="20000"/>
-              </a:spcBef>
-              <a:buChar char="–"/>
-              <a:defRPr sz="2800">
-                <a:solidFill>
-                  <a:schemeClr val="tx1"/>
-                </a:solidFill>
-                <a:latin typeface="Arial" panose="020B0604020202020204" pitchFamily="34" charset="0"/>
-                <a:ea typeface="Arial Unicode MS" panose="020B0604020202020204" pitchFamily="50" charset="-127"/>
-                <a:cs typeface="Arial" panose="020B0604020202020204" pitchFamily="34" charset="0"/>
-              </a:defRPr>
-            </a:lvl2pPr>
-            <a:lvl3pPr marL="1143000" indent="-228600">
-              <a:spcBef>
-                <a:spcPct val="20000"/>
-              </a:spcBef>
-              <a:buChar char="•"/>
-              <a:defRPr sz="2400">
-                <a:solidFill>
-                  <a:schemeClr val="tx1"/>
-                </a:solidFill>
-                <a:latin typeface="Arial" panose="020B0604020202020204" pitchFamily="34" charset="0"/>
-                <a:ea typeface="Arial Unicode MS" panose="020B0604020202020204" pitchFamily="50" charset="-127"/>
-                <a:cs typeface="Arial" panose="020B0604020202020204" pitchFamily="34" charset="0"/>
-              </a:defRPr>
-            </a:lvl3pPr>
-            <a:lvl4pPr marL="1600200" indent="-228600">
-              <a:spcBef>
-                <a:spcPct val="20000"/>
-              </a:spcBef>
-              <a:buChar char="–"/>
-              <a:defRPr sz="2000">
-                <a:solidFill>
-                  <a:schemeClr val="tx1"/>
-                </a:solidFill>
-                <a:latin typeface="Arial" panose="020B0604020202020204" pitchFamily="34" charset="0"/>
-                <a:ea typeface="Arial Unicode MS" panose="020B0604020202020204" pitchFamily="50" charset="-127"/>
-                <a:cs typeface="Arial" panose="020B0604020202020204" pitchFamily="34" charset="0"/>
-              </a:defRPr>
-            </a:lvl4pPr>
-            <a:lvl5pPr marL="2057400" indent="-228600">
-              <a:spcBef>
-                <a:spcPct val="20000"/>
-              </a:spcBef>
-              <a:buChar char="»"/>
-              <a:defRPr sz="2000">
-                <a:solidFill>
-                  <a:schemeClr val="tx1"/>
-                </a:solidFill>
-                <a:latin typeface="Arial" panose="020B0604020202020204" pitchFamily="34" charset="0"/>
-                <a:ea typeface="Arial Unicode MS" panose="020B0604020202020204" pitchFamily="50" charset="-127"/>
-                <a:cs typeface="Arial" panose="020B0604020202020204" pitchFamily="34" charset="0"/>
-              </a:defRPr>
-            </a:lvl5pPr>
-            <a:lvl6pPr marL="2514600" indent="-228600" eaLnBrk="0" fontAlgn="base" hangingPunct="0">
-              <a:spcBef>
-                <a:spcPct val="20000"/>
-              </a:spcBef>
-              <a:spcAft>
-                <a:spcPct val="0"/>
-              </a:spcAft>
-              <a:buChar char="»"/>
-              <a:defRPr sz="2000">
-                <a:solidFill>
-                  <a:schemeClr val="tx1"/>
-                </a:solidFill>
-                <a:latin typeface="Arial" panose="020B0604020202020204" pitchFamily="34" charset="0"/>
-                <a:ea typeface="Arial Unicode MS" panose="020B0604020202020204" pitchFamily="50" charset="-127"/>
-                <a:cs typeface="Arial" panose="020B0604020202020204" pitchFamily="34" charset="0"/>
-              </a:defRPr>
-            </a:lvl6pPr>
-            <a:lvl7pPr marL="2971800" indent="-228600" eaLnBrk="0" fontAlgn="base" hangingPunct="0">
-              <a:spcBef>
-                <a:spcPct val="20000"/>
-              </a:spcBef>
-              <a:spcAft>
-                <a:spcPct val="0"/>
-              </a:spcAft>
-              <a:buChar char="»"/>
-              <a:defRPr sz="2000">
-                <a:solidFill>
-                  <a:schemeClr val="tx1"/>
-                </a:solidFill>
-                <a:latin typeface="Arial" panose="020B0604020202020204" pitchFamily="34" charset="0"/>
-                <a:ea typeface="Arial Unicode MS" panose="020B0604020202020204" pitchFamily="50" charset="-127"/>
-                <a:cs typeface="Arial" panose="020B0604020202020204" pitchFamily="34" charset="0"/>
-              </a:defRPr>
-            </a:lvl7pPr>
-            <a:lvl8pPr marL="3429000" indent="-228600" eaLnBrk="0" fontAlgn="base" hangingPunct="0">
-              <a:spcBef>
-                <a:spcPct val="20000"/>
-              </a:spcBef>
-              <a:spcAft>
-                <a:spcPct val="0"/>
-              </a:spcAft>
-              <a:buChar char="»"/>
-              <a:defRPr sz="2000">
-                <a:solidFill>
-                  <a:schemeClr val="tx1"/>
-                </a:solidFill>
-                <a:latin typeface="Arial" panose="020B0604020202020204" pitchFamily="34" charset="0"/>
-                <a:ea typeface="Arial Unicode MS" panose="020B0604020202020204" pitchFamily="50" charset="-127"/>
-                <a:cs typeface="Arial" panose="020B0604020202020204" pitchFamily="34" charset="0"/>
-              </a:defRPr>
-            </a:lvl8pPr>
-            <a:lvl9pPr marL="3886200" indent="-228600" eaLnBrk="0" fontAlgn="base" hangingPunct="0">
-              <a:spcBef>
-                <a:spcPct val="20000"/>
-              </a:spcBef>
-              <a:spcAft>
-                <a:spcPct val="0"/>
-              </a:spcAft>
-              <a:buChar char="»"/>
-              <a:defRPr sz="2000">
-                <a:solidFill>
-                  <a:schemeClr val="tx1"/>
-                </a:solidFill>
-                <a:latin typeface="Arial" panose="020B0604020202020204" pitchFamily="34" charset="0"/>
-                <a:ea typeface="Arial Unicode MS" panose="020B0604020202020204" pitchFamily="50" charset="-127"/>
-                <a:cs typeface="Arial" panose="020B0604020202020204" pitchFamily="34" charset="0"/>
-              </a:defRPr>
-            </a:lvl9pPr>
-          </a:lstStyle>
-          <a:p>
-            <a:pPr marL="180000" indent="-457200" eaLnBrk="1" hangingPunct="1">
-              <a:spcBef>
-                <a:spcPct val="0"/>
-              </a:spcBef>
-              <a:buNone/>
-            </a:pPr>
-            <a:r>
-              <a:rPr lang="ko-KR" altLang="en-US" sz="1400" b="1">
-                <a:solidFill>
-                  <a:srgbClr val="000000"/>
-                </a:solidFill>
-                <a:latin typeface="맑은 고딕" panose="020B0503020000020004" pitchFamily="50" charset="-127"/>
-                <a:ea typeface="맑은 고딕" panose="020B0503020000020004" pitchFamily="50" charset="-127"/>
-              </a:rPr>
-              <a:t>수정 이상</a:t>
-            </a:r>
-            <a:endParaRPr lang="en-US" altLang="ko-KR" sz="1400" b="1">
-              <a:solidFill>
-                <a:srgbClr val="000000"/>
-              </a:solidFill>
-              <a:latin typeface="맑은 고딕" panose="020B0503020000020004" pitchFamily="50" charset="-127"/>
-              <a:ea typeface="맑은 고딕" panose="020B0503020000020004" pitchFamily="50" charset="-127"/>
-            </a:endParaRPr>
-          </a:p>
-          <a:p>
-            <a:pPr marL="180000" indent="-457200" eaLnBrk="1" hangingPunct="1">
-              <a:spcBef>
-                <a:spcPct val="0"/>
-              </a:spcBef>
-              <a:buNone/>
-            </a:pPr>
-            <a:r>
-              <a:rPr lang="en-US" altLang="ko-KR" sz="1400">
-                <a:solidFill>
-                  <a:srgbClr val="000000"/>
-                </a:solidFill>
-                <a:latin typeface="맑은 고딕" panose="020B0503020000020004" pitchFamily="50" charset="-127"/>
-                <a:ea typeface="맑은 고딕" panose="020B0503020000020004" pitchFamily="50" charset="-127"/>
-              </a:rPr>
-              <a:t>: </a:t>
-            </a:r>
-            <a:r>
-              <a:rPr lang="ko-KR" altLang="en-US" sz="1400">
-                <a:solidFill>
-                  <a:srgbClr val="000000"/>
-                </a:solidFill>
-                <a:latin typeface="맑은 고딕" panose="020B0503020000020004" pitchFamily="50" charset="-127"/>
-                <a:ea typeface="맑은 고딕" panose="020B0503020000020004" pitchFamily="50" charset="-127"/>
-              </a:rPr>
-              <a:t>동일한 내용을 여러 건의 데이터에서 반복 수정해야하는 현상</a:t>
-            </a:r>
-            <a:br>
-              <a:rPr lang="en-US" altLang="ko-KR" sz="1400">
-                <a:solidFill>
-                  <a:srgbClr val="000000"/>
-                </a:solidFill>
-                <a:latin typeface="맑은 고딕" panose="020B0503020000020004" pitchFamily="50" charset="-127"/>
-                <a:ea typeface="맑은 고딕" panose="020B0503020000020004" pitchFamily="50" charset="-127"/>
-              </a:rPr>
-            </a:br>
-            <a:br>
-              <a:rPr lang="en-US" altLang="ko-KR" sz="1400">
-                <a:solidFill>
-                  <a:srgbClr val="000000"/>
-                </a:solidFill>
-                <a:latin typeface="맑은 고딕" panose="020B0503020000020004" pitchFamily="50" charset="-127"/>
-                <a:ea typeface="맑은 고딕" panose="020B0503020000020004" pitchFamily="50" charset="-127"/>
-              </a:rPr>
-            </a:br>
-            <a:r>
-              <a:rPr lang="en-US" altLang="ko-KR" sz="1400">
-                <a:solidFill>
-                  <a:srgbClr val="000000"/>
-                </a:solidFill>
-                <a:latin typeface="맑은 고딕" panose="020B0503020000020004" pitchFamily="50" charset="-127"/>
-                <a:ea typeface="맑은 고딕" panose="020B0503020000020004" pitchFamily="50" charset="-127"/>
-              </a:rPr>
-              <a:t>cf. </a:t>
-            </a:r>
-            <a:r>
-              <a:rPr lang="ko-KR" altLang="en-US" sz="1400">
-                <a:solidFill>
-                  <a:srgbClr val="000000"/>
-                </a:solidFill>
-                <a:latin typeface="맑은 고딕" panose="020B0503020000020004" pitchFamily="50" charset="-127"/>
-                <a:ea typeface="맑은 고딕" panose="020B0503020000020004" pitchFamily="50" charset="-127"/>
-              </a:rPr>
-              <a:t>컴소의 학과 사무실이 수정된다면</a:t>
-            </a:r>
-            <a:r>
-              <a:rPr lang="en-US" altLang="ko-KR" sz="1400">
-                <a:solidFill>
-                  <a:srgbClr val="000000"/>
-                </a:solidFill>
-                <a:latin typeface="맑은 고딕" panose="020B0503020000020004" pitchFamily="50" charset="-127"/>
-                <a:ea typeface="맑은 고딕" panose="020B0503020000020004" pitchFamily="50" charset="-127"/>
-              </a:rPr>
-              <a:t>, </a:t>
-            </a:r>
-            <a:br>
-              <a:rPr lang="en-US" altLang="ko-KR" sz="1400">
-                <a:solidFill>
-                  <a:srgbClr val="000000"/>
-                </a:solidFill>
-                <a:latin typeface="맑은 고딕" panose="020B0503020000020004" pitchFamily="50" charset="-127"/>
-                <a:ea typeface="맑은 고딕" panose="020B0503020000020004" pitchFamily="50" charset="-127"/>
-              </a:rPr>
-            </a:br>
-            <a:r>
-              <a:rPr lang="ko-KR" altLang="en-US" sz="1400">
-                <a:solidFill>
-                  <a:srgbClr val="000000"/>
-                </a:solidFill>
-                <a:latin typeface="맑은 고딕" panose="020B0503020000020004" pitchFamily="50" charset="-127"/>
-                <a:ea typeface="맑은 고딕" panose="020B0503020000020004" pitchFamily="50" charset="-127"/>
-              </a:rPr>
-              <a:t>컴소에 소속된 학생의 수만큼 수정 연산된다</a:t>
-            </a:r>
-            <a:r>
-              <a:rPr lang="en-US" altLang="ko-KR" sz="1400">
-                <a:solidFill>
-                  <a:srgbClr val="000000"/>
-                </a:solidFill>
-                <a:latin typeface="맑은 고딕" panose="020B0503020000020004" pitchFamily="50" charset="-127"/>
-                <a:ea typeface="맑은 고딕" panose="020B0503020000020004" pitchFamily="50" charset="-127"/>
-              </a:rPr>
-              <a:t>.</a:t>
-            </a:r>
-          </a:p>
-        </p:txBody>
-      </p:sp>
+          <p:cNvGraphicFramePr>
+            <a:graphicFrameLocks noGrp="1"/>
+          </p:cNvGraphicFramePr>
+          <p:nvPr>
+            <p:extLst>
+              <p:ext uri="{D42A27DB-BD31-4B8C-83A1-F6EECF244321}">
+                <p14:modId xmlns:p14="http://schemas.microsoft.com/office/powerpoint/2010/main" val="3427867486"/>
+              </p:ext>
+            </p:extLst>
+          </p:nvPr>
+        </p:nvGraphicFramePr>
+        <p:xfrm>
+          <a:off x="4498258" y="4861502"/>
+          <a:ext cx="4616511" cy="1188720"/>
+        </p:xfrm>
+        <a:graphic>
+          <a:graphicData uri="http://schemas.openxmlformats.org/drawingml/2006/table">
+            <a:tbl>
+              <a:tblPr firstRow="1" bandRow="1">
+                <a:tableStyleId>{5C22544A-7EE6-4342-B048-85BDC9FD1C3A}</a:tableStyleId>
+              </a:tblPr>
+              <a:tblGrid>
+                <a:gridCol w="538115">
+                  <a:extLst>
+                    <a:ext uri="{9D8B030D-6E8A-4147-A177-3AD203B41FA5}">
+                      <a16:colId xmlns:a16="http://schemas.microsoft.com/office/drawing/2014/main" val="1315739539"/>
+                    </a:ext>
+                  </a:extLst>
+                </a:gridCol>
+                <a:gridCol w="4078396">
+                  <a:extLst>
+                    <a:ext uri="{9D8B030D-6E8A-4147-A177-3AD203B41FA5}">
+                      <a16:colId xmlns:a16="http://schemas.microsoft.com/office/drawing/2014/main" val="819310429"/>
+                    </a:ext>
+                  </a:extLst>
+                </a:gridCol>
+              </a:tblGrid>
+              <a:tr h="226645">
+                <a:tc>
+                  <a:txBody>
+                    <a:bodyPr/>
+                    <a:lstStyle/>
+                    <a:p>
+                      <a:pPr latinLnBrk="1"/>
+                      <a:endParaRPr lang="ko-KR" altLang="en-US" sz="1200">
+                        <a:solidFill>
+                          <a:schemeClr val="tx1"/>
+                        </a:solidFill>
+                      </a:endParaRPr>
+                    </a:p>
+                  </a:txBody>
+                  <a:tcPr>
+                    <a:lnL w="12700" cap="flat" cmpd="sng" algn="ctr">
+                      <a:solidFill>
+                        <a:schemeClr val="tx1"/>
+                      </a:solidFill>
+                      <a:prstDash val="solid"/>
+                      <a:round/>
+                      <a:headEnd type="none" w="med" len="med"/>
+                      <a:tailEnd type="none" w="med" len="med"/>
+                    </a:lnL>
+                    <a:lnR w="12700" cap="flat" cmpd="sng" algn="ctr">
+                      <a:solidFill>
+                        <a:schemeClr val="tx1"/>
+                      </a:solidFill>
+                      <a:prstDash val="solid"/>
+                      <a:round/>
+                      <a:headEnd type="none" w="med" len="med"/>
+                      <a:tailEnd type="none" w="med" len="med"/>
+                    </a:lnR>
+                    <a:lnT w="12700" cap="flat" cmpd="sng" algn="ctr">
+                      <a:solidFill>
+                        <a:schemeClr val="tx1"/>
+                      </a:solidFill>
+                      <a:prstDash val="solid"/>
+                      <a:round/>
+                      <a:headEnd type="none" w="med" len="med"/>
+                      <a:tailEnd type="none" w="med" len="med"/>
+                    </a:lnT>
+                    <a:lnB w="12700" cap="flat" cmpd="sng" algn="ctr">
+                      <a:solidFill>
+                        <a:schemeClr val="tx1"/>
+                      </a:solidFill>
+                      <a:prstDash val="solid"/>
+                      <a:round/>
+                      <a:headEnd type="none" w="med" len="med"/>
+                      <a:tailEnd type="none" w="med" len="med"/>
+                    </a:lnB>
+                    <a:noFill/>
+                  </a:tcPr>
+                </a:tc>
+                <a:tc>
+                  <a:txBody>
+                    <a:bodyPr/>
+                    <a:lstStyle/>
+                    <a:p>
+                      <a:pPr algn="ctr" latinLnBrk="1"/>
+                      <a:r>
+                        <a:rPr lang="ko-KR" altLang="en-US" sz="1200">
+                          <a:solidFill>
+                            <a:schemeClr val="tx1"/>
+                          </a:solidFill>
+                        </a:rPr>
+                        <a:t>수정 이상</a:t>
+                      </a:r>
+                    </a:p>
+                  </a:txBody>
+                  <a:tcPr>
+                    <a:lnL w="12700" cap="flat" cmpd="sng" algn="ctr">
+                      <a:solidFill>
+                        <a:schemeClr val="tx1"/>
+                      </a:solidFill>
+                      <a:prstDash val="solid"/>
+                      <a:round/>
+                      <a:headEnd type="none" w="med" len="med"/>
+                      <a:tailEnd type="none" w="med" len="med"/>
+                    </a:lnL>
+                    <a:lnR w="12700" cap="flat" cmpd="sng" algn="ctr">
+                      <a:solidFill>
+                        <a:schemeClr val="tx1"/>
+                      </a:solidFill>
+                      <a:prstDash val="solid"/>
+                      <a:round/>
+                      <a:headEnd type="none" w="med" len="med"/>
+                      <a:tailEnd type="none" w="med" len="med"/>
+                    </a:lnR>
+                    <a:lnT w="12700" cap="flat" cmpd="sng" algn="ctr">
+                      <a:solidFill>
+                        <a:schemeClr val="tx1"/>
+                      </a:solidFill>
+                      <a:prstDash val="solid"/>
+                      <a:round/>
+                      <a:headEnd type="none" w="med" len="med"/>
+                      <a:tailEnd type="none" w="med" len="med"/>
+                    </a:lnT>
+                    <a:lnB w="12700" cap="flat" cmpd="sng" algn="ctr">
+                      <a:solidFill>
+                        <a:schemeClr val="tx1"/>
+                      </a:solidFill>
+                      <a:prstDash val="solid"/>
+                      <a:round/>
+                      <a:headEnd type="none" w="med" len="med"/>
+                      <a:tailEnd type="none" w="med" len="med"/>
+                    </a:lnB>
+                    <a:noFill/>
+                  </a:tcPr>
+                </a:tc>
+                <a:extLst>
+                  <a:ext uri="{0D108BD9-81ED-4DB2-BD59-A6C34878D82A}">
+                    <a16:rowId xmlns:a16="http://schemas.microsoft.com/office/drawing/2014/main" val="3349964729"/>
+                  </a:ext>
+                </a:extLst>
+              </a:tr>
+              <a:tr h="370840">
+                <a:tc>
+                  <a:txBody>
+                    <a:bodyPr/>
+                    <a:lstStyle/>
+                    <a:p>
+                      <a:pPr latinLnBrk="1"/>
+                      <a:r>
+                        <a:rPr lang="ko-KR" altLang="en-US" sz="1200">
+                          <a:solidFill>
+                            <a:schemeClr val="tx1"/>
+                          </a:solidFill>
+                        </a:rPr>
+                        <a:t>의미</a:t>
+                      </a:r>
+                    </a:p>
+                  </a:txBody>
+                  <a:tcPr anchor="ctr">
+                    <a:lnL w="12700" cap="flat" cmpd="sng" algn="ctr">
+                      <a:solidFill>
+                        <a:schemeClr val="tx1"/>
+                      </a:solidFill>
+                      <a:prstDash val="solid"/>
+                      <a:round/>
+                      <a:headEnd type="none" w="med" len="med"/>
+                      <a:tailEnd type="none" w="med" len="med"/>
+                    </a:lnL>
+                    <a:lnR w="12700" cap="flat" cmpd="sng" algn="ctr">
+                      <a:solidFill>
+                        <a:schemeClr val="tx1"/>
+                      </a:solidFill>
+                      <a:prstDash val="solid"/>
+                      <a:round/>
+                      <a:headEnd type="none" w="med" len="med"/>
+                      <a:tailEnd type="none" w="med" len="med"/>
+                    </a:lnR>
+                    <a:lnT w="12700" cap="flat" cmpd="sng" algn="ctr">
+                      <a:solidFill>
+                        <a:schemeClr val="tx1"/>
+                      </a:solidFill>
+                      <a:prstDash val="solid"/>
+                      <a:round/>
+                      <a:headEnd type="none" w="med" len="med"/>
+                      <a:tailEnd type="none" w="med" len="med"/>
+                    </a:lnT>
+                    <a:lnB w="12700" cap="flat" cmpd="sng" algn="ctr">
+                      <a:solidFill>
+                        <a:schemeClr val="tx1"/>
+                      </a:solidFill>
+                      <a:prstDash val="solid"/>
+                      <a:round/>
+                      <a:headEnd type="none" w="med" len="med"/>
+                      <a:tailEnd type="none" w="med" len="med"/>
+                    </a:lnB>
+                    <a:noFill/>
+                  </a:tcPr>
+                </a:tc>
+                <a:tc>
+                  <a:txBody>
+                    <a:bodyPr/>
+                    <a:lstStyle/>
+                    <a:p>
+                      <a:r>
+                        <a:rPr lang="ko-KR" altLang="en-US" sz="1200">
+                          <a:solidFill>
+                            <a:srgbClr val="000000"/>
+                          </a:solidFill>
+                          <a:latin typeface="맑은 고딕" panose="020B0503020000020004" pitchFamily="50" charset="-127"/>
+                          <a:ea typeface="맑은 고딕" panose="020B0503020000020004" pitchFamily="50" charset="-127"/>
+                        </a:rPr>
+                        <a:t>동일한 내용을 여러 건의 데이터에서 반복 수정해야하는 현상</a:t>
+                      </a:r>
+                      <a:endParaRPr lang="en-US" altLang="ko-KR" sz="1200" b="0" kern="1200">
+                        <a:solidFill>
+                          <a:schemeClr val="dk1"/>
+                        </a:solidFill>
+                        <a:effectLst/>
+                        <a:latin typeface="+mn-lt"/>
+                        <a:ea typeface="+mn-ea"/>
+                        <a:cs typeface="+mn-cs"/>
+                      </a:endParaRPr>
+                    </a:p>
+                  </a:txBody>
+                  <a:tcPr>
+                    <a:lnL w="12700" cap="flat" cmpd="sng" algn="ctr">
+                      <a:solidFill>
+                        <a:schemeClr val="tx1"/>
+                      </a:solidFill>
+                      <a:prstDash val="solid"/>
+                      <a:round/>
+                      <a:headEnd type="none" w="med" len="med"/>
+                      <a:tailEnd type="none" w="med" len="med"/>
+                    </a:lnL>
+                    <a:lnR w="12700" cap="flat" cmpd="sng" algn="ctr">
+                      <a:solidFill>
+                        <a:schemeClr val="tx1"/>
+                      </a:solidFill>
+                      <a:prstDash val="solid"/>
+                      <a:round/>
+                      <a:headEnd type="none" w="med" len="med"/>
+                      <a:tailEnd type="none" w="med" len="med"/>
+                    </a:lnR>
+                    <a:lnT w="12700" cap="flat" cmpd="sng" algn="ctr">
+                      <a:solidFill>
+                        <a:schemeClr val="tx1"/>
+                      </a:solidFill>
+                      <a:prstDash val="solid"/>
+                      <a:round/>
+                      <a:headEnd type="none" w="med" len="med"/>
+                      <a:tailEnd type="none" w="med" len="med"/>
+                    </a:lnT>
+                    <a:lnB w="12700" cap="flat" cmpd="sng" algn="ctr">
+                      <a:solidFill>
+                        <a:schemeClr val="tx1"/>
+                      </a:solidFill>
+                      <a:prstDash val="solid"/>
+                      <a:round/>
+                      <a:headEnd type="none" w="med" len="med"/>
+                      <a:tailEnd type="none" w="med" len="med"/>
+                    </a:lnB>
+                    <a:noFill/>
+                  </a:tcPr>
+                </a:tc>
+                <a:extLst>
+                  <a:ext uri="{0D108BD9-81ED-4DB2-BD59-A6C34878D82A}">
+                    <a16:rowId xmlns:a16="http://schemas.microsoft.com/office/drawing/2014/main" val="3509644011"/>
+                  </a:ext>
+                </a:extLst>
+              </a:tr>
+              <a:tr h="370840">
+                <a:tc>
+                  <a:txBody>
+                    <a:bodyPr/>
+                    <a:lstStyle/>
+                    <a:p>
+                      <a:pPr latinLnBrk="1"/>
+                      <a:r>
+                        <a:rPr lang="ko-KR" altLang="en-US" sz="1200">
+                          <a:solidFill>
+                            <a:schemeClr val="tx1"/>
+                          </a:solidFill>
+                        </a:rPr>
+                        <a:t>사례</a:t>
+                      </a:r>
+                    </a:p>
+                  </a:txBody>
+                  <a:tcPr anchor="ctr">
+                    <a:lnL w="12700" cap="flat" cmpd="sng" algn="ctr">
+                      <a:solidFill>
+                        <a:schemeClr val="tx1"/>
+                      </a:solidFill>
+                      <a:prstDash val="solid"/>
+                      <a:round/>
+                      <a:headEnd type="none" w="med" len="med"/>
+                      <a:tailEnd type="none" w="med" len="med"/>
+                    </a:lnL>
+                    <a:lnR w="12700" cap="flat" cmpd="sng" algn="ctr">
+                      <a:solidFill>
+                        <a:schemeClr val="tx1"/>
+                      </a:solidFill>
+                      <a:prstDash val="solid"/>
+                      <a:round/>
+                      <a:headEnd type="none" w="med" len="med"/>
+                      <a:tailEnd type="none" w="med" len="med"/>
+                    </a:lnR>
+                    <a:lnT w="12700" cap="flat" cmpd="sng" algn="ctr">
+                      <a:solidFill>
+                        <a:schemeClr val="tx1"/>
+                      </a:solidFill>
+                      <a:prstDash val="solid"/>
+                      <a:round/>
+                      <a:headEnd type="none" w="med" len="med"/>
+                      <a:tailEnd type="none" w="med" len="med"/>
+                    </a:lnT>
+                    <a:lnB w="12700" cap="flat" cmpd="sng" algn="ctr">
+                      <a:solidFill>
+                        <a:schemeClr val="tx1"/>
+                      </a:solidFill>
+                      <a:prstDash val="solid"/>
+                      <a:round/>
+                      <a:headEnd type="none" w="med" len="med"/>
+                      <a:tailEnd type="none" w="med" len="med"/>
+                    </a:lnB>
+                    <a:noFill/>
+                  </a:tcPr>
+                </a:tc>
+                <a:tc>
+                  <a:txBody>
+                    <a:bodyPr/>
+                    <a:lstStyle/>
+                    <a:p>
+                      <a:pPr marL="0" marR="0" lvl="0" indent="0" algn="l" defTabSz="914400" rtl="0" eaLnBrk="1" fontAlgn="auto" latinLnBrk="1" hangingPunct="1">
+                        <a:lnSpc>
+                          <a:spcPct val="100000"/>
+                        </a:lnSpc>
+                        <a:spcBef>
+                          <a:spcPts val="0"/>
+                        </a:spcBef>
+                        <a:spcAft>
+                          <a:spcPts val="0"/>
+                        </a:spcAft>
+                        <a:buClrTx/>
+                        <a:buSzTx/>
+                        <a:buFontTx/>
+                        <a:buNone/>
+                        <a:tabLst/>
+                        <a:defRPr/>
+                      </a:pPr>
+                      <a:r>
+                        <a:rPr lang="ko-KR" altLang="en-US" sz="1200">
+                          <a:solidFill>
+                            <a:srgbClr val="000000"/>
+                          </a:solidFill>
+                          <a:latin typeface="맑은 고딕" panose="020B0503020000020004" pitchFamily="50" charset="-127"/>
+                          <a:ea typeface="맑은 고딕" panose="020B0503020000020004" pitchFamily="50" charset="-127"/>
+                        </a:rPr>
+                        <a:t>컴소의 학과 사무실이 수정된다면</a:t>
+                      </a:r>
+                      <a:r>
+                        <a:rPr lang="en-US" altLang="ko-KR" sz="1200">
+                          <a:solidFill>
+                            <a:srgbClr val="000000"/>
+                          </a:solidFill>
+                          <a:latin typeface="맑은 고딕" panose="020B0503020000020004" pitchFamily="50" charset="-127"/>
+                          <a:ea typeface="맑은 고딕" panose="020B0503020000020004" pitchFamily="50" charset="-127"/>
+                        </a:rPr>
+                        <a:t>, </a:t>
+                      </a:r>
+                      <a:br>
+                        <a:rPr lang="en-US" altLang="ko-KR" sz="1200">
+                          <a:solidFill>
+                            <a:srgbClr val="000000"/>
+                          </a:solidFill>
+                          <a:latin typeface="맑은 고딕" panose="020B0503020000020004" pitchFamily="50" charset="-127"/>
+                          <a:ea typeface="맑은 고딕" panose="020B0503020000020004" pitchFamily="50" charset="-127"/>
+                        </a:rPr>
+                      </a:br>
+                      <a:r>
+                        <a:rPr lang="ko-KR" altLang="en-US" sz="1200">
+                          <a:solidFill>
+                            <a:srgbClr val="000000"/>
+                          </a:solidFill>
+                          <a:latin typeface="맑은 고딕" panose="020B0503020000020004" pitchFamily="50" charset="-127"/>
+                          <a:ea typeface="맑은 고딕" panose="020B0503020000020004" pitchFamily="50" charset="-127"/>
+                        </a:rPr>
+                        <a:t>컴소에 소속된 학생의 수만큼 수정 연산된다</a:t>
+                      </a:r>
+                      <a:r>
+                        <a:rPr lang="en-US" altLang="ko-KR" sz="1200">
+                          <a:solidFill>
+                            <a:srgbClr val="000000"/>
+                          </a:solidFill>
+                          <a:latin typeface="맑은 고딕" panose="020B0503020000020004" pitchFamily="50" charset="-127"/>
+                          <a:ea typeface="맑은 고딕" panose="020B0503020000020004" pitchFamily="50" charset="-127"/>
+                        </a:rPr>
+                        <a:t>.</a:t>
+                      </a:r>
+                      <a:endParaRPr lang="ko-KR" altLang="en-US" sz="1200" b="0" kern="1200">
+                        <a:solidFill>
+                          <a:schemeClr val="dk1"/>
+                        </a:solidFill>
+                        <a:effectLst/>
+                        <a:latin typeface="+mn-lt"/>
+                        <a:ea typeface="+mn-ea"/>
+                        <a:cs typeface="+mn-cs"/>
+                      </a:endParaRPr>
+                    </a:p>
+                  </a:txBody>
+                  <a:tcPr>
+                    <a:lnL w="12700" cap="flat" cmpd="sng" algn="ctr">
+                      <a:solidFill>
+                        <a:schemeClr val="tx1"/>
+                      </a:solidFill>
+                      <a:prstDash val="solid"/>
+                      <a:round/>
+                      <a:headEnd type="none" w="med" len="med"/>
+                      <a:tailEnd type="none" w="med" len="med"/>
+                    </a:lnL>
+                    <a:lnR w="12700" cap="flat" cmpd="sng" algn="ctr">
+                      <a:solidFill>
+                        <a:schemeClr val="tx1"/>
+                      </a:solidFill>
+                      <a:prstDash val="solid"/>
+                      <a:round/>
+                      <a:headEnd type="none" w="med" len="med"/>
+                      <a:tailEnd type="none" w="med" len="med"/>
+                    </a:lnR>
+                    <a:lnT w="12700" cap="flat" cmpd="sng" algn="ctr">
+                      <a:solidFill>
+                        <a:schemeClr val="tx1"/>
+                      </a:solidFill>
+                      <a:prstDash val="solid"/>
+                      <a:round/>
+                      <a:headEnd type="none" w="med" len="med"/>
+                      <a:tailEnd type="none" w="med" len="med"/>
+                    </a:lnT>
+                    <a:lnB w="12700" cap="flat" cmpd="sng" algn="ctr">
+                      <a:solidFill>
+                        <a:schemeClr val="tx1"/>
+                      </a:solidFill>
+                      <a:prstDash val="solid"/>
+                      <a:round/>
+                      <a:headEnd type="none" w="med" len="med"/>
+                      <a:tailEnd type="none" w="med" len="med"/>
+                    </a:lnB>
+                    <a:noFill/>
+                  </a:tcPr>
+                </a:tc>
+                <a:extLst>
+                  <a:ext uri="{0D108BD9-81ED-4DB2-BD59-A6C34878D82A}">
+                    <a16:rowId xmlns:a16="http://schemas.microsoft.com/office/drawing/2014/main" val="632219432"/>
+                  </a:ext>
+                </a:extLst>
+              </a:tr>
+            </a:tbl>
+          </a:graphicData>
+        </a:graphic>
+      </p:graphicFrame>
     </p:spTree>
     <p:extLst>
       <p:ext uri="{BB962C8B-B14F-4D97-AF65-F5344CB8AC3E}">
@@ -11695,7 +14195,7 @@
                             </p:stCondLst>
                             <p:childTnLst>
                               <p:par>
-                                <p:cTn id="5" presetID="1" presetClass="entr" presetSubtype="0" fill="hold" grpId="0" nodeType="clickEffect">
+                                <p:cTn id="5" presetID="1" presetClass="entr" presetSubtype="0" fill="hold" nodeType="clickEffect">
                                   <p:stCondLst>
                                     <p:cond delay="0"/>
                                   </p:stCondLst>
@@ -11708,7 +14208,7 @@
                                           </p:stCondLst>
                                         </p:cTn>
                                         <p:tgtEl>
-                                          <p:spTgt spid="14"/>
+                                          <p:spTgt spid="4"/>
                                         </p:tgtEl>
                                         <p:attrNameLst>
                                           <p:attrName>style.visibility</p:attrName>
@@ -11722,7 +14222,7 @@
                                 </p:cTn>
                               </p:par>
                               <p:par>
-                                <p:cTn id="7" presetID="1" presetClass="entr" presetSubtype="0" fill="hold" nodeType="withEffect">
+                                <p:cTn id="7" presetID="1" presetClass="entr" presetSubtype="0" fill="hold" grpId="0" nodeType="withEffect">
                                   <p:stCondLst>
                                     <p:cond delay="0"/>
                                   </p:stCondLst>
@@ -11735,7 +14235,7 @@
                                           </p:stCondLst>
                                         </p:cTn>
                                         <p:tgtEl>
-                                          <p:spTgt spid="4"/>
+                                          <p:spTgt spid="14"/>
                                         </p:tgtEl>
                                         <p:attrNameLst>
                                           <p:attrName>style.visibility</p:attrName>
@@ -11767,7 +14267,7 @@
                             </p:stCondLst>
                             <p:childTnLst>
                               <p:par>
-                                <p:cTn id="11" presetID="1" presetClass="entr" presetSubtype="0" fill="hold" grpId="0" nodeType="clickEffect">
+                                <p:cTn id="11" presetID="1" presetClass="entr" presetSubtype="0" fill="hold" nodeType="clickEffect">
                                   <p:stCondLst>
                                     <p:cond delay="0"/>
                                   </p:stCondLst>
@@ -11780,7 +14280,7 @@
                                           </p:stCondLst>
                                         </p:cTn>
                                         <p:tgtEl>
-                                          <p:spTgt spid="10"/>
+                                          <p:spTgt spid="13"/>
                                         </p:tgtEl>
                                         <p:attrNameLst>
                                           <p:attrName>style.visibility</p:attrName>
@@ -11812,7 +14312,7 @@
                             </p:stCondLst>
                             <p:childTnLst>
                               <p:par>
-                                <p:cTn id="15" presetID="1" presetClass="entr" presetSubtype="0" fill="hold" grpId="0" nodeType="clickEffect">
+                                <p:cTn id="15" presetID="1" presetClass="entr" presetSubtype="0" fill="hold" nodeType="clickEffect">
                                   <p:stCondLst>
                                     <p:cond delay="0"/>
                                   </p:stCondLst>
@@ -11825,7 +14325,7 @@
                                           </p:stCondLst>
                                         </p:cTn>
                                         <p:tgtEl>
-                                          <p:spTgt spid="11"/>
+                                          <p:spTgt spid="15"/>
                                         </p:tgtEl>
                                         <p:attrNameLst>
                                           <p:attrName>style.visibility</p:attrName>
@@ -11857,7 +14357,7 @@
                             </p:stCondLst>
                             <p:childTnLst>
                               <p:par>
-                                <p:cTn id="19" presetID="1" presetClass="entr" presetSubtype="0" fill="hold" grpId="0" nodeType="clickEffect">
+                                <p:cTn id="19" presetID="1" presetClass="entr" presetSubtype="0" fill="hold" nodeType="clickEffect">
                                   <p:stCondLst>
                                     <p:cond delay="0"/>
                                   </p:stCondLst>
@@ -11870,7 +14370,7 @@
                                           </p:stCondLst>
                                         </p:cTn>
                                         <p:tgtEl>
-                                          <p:spTgt spid="12"/>
+                                          <p:spTgt spid="16"/>
                                         </p:tgtEl>
                                         <p:attrNameLst>
                                           <p:attrName>style.visibility</p:attrName>
@@ -11912,9 +14412,6 @@
     </p:tnLst>
     <p:bldLst>
       <p:bldP spid="14" grpId="0"/>
-      <p:bldP spid="10" grpId="0"/>
-      <p:bldP spid="11" grpId="0"/>
-      <p:bldP spid="12" grpId="0"/>
     </p:bldLst>
   </p:timing>
 </p:sld>
